--- a/2. SQL/2. CRUD/2. SQL CRUD.pptx
+++ b/2. SQL/2. CRUD/2. SQL CRUD.pptx
@@ -27,6 +27,7 @@
     <p:sldId id="272" r:id="rId24"/>
     <p:sldId id="273" r:id="rId25"/>
     <p:sldId id="274" r:id="rId26"/>
+    <p:sldId id="275" r:id="rId27"/>
   </p:sldIdLst>
   <p:sldSz cx="24384000" cy="13716000"/>
   <p:notesSz cx="6858000" cy="9144000"/>
@@ -354,7 +355,7 @@
       </p:grpSpPr>
       <p:sp>
         <p:nvSpPr>
-          <p:cNvPr id="166" name="Shape 166"/>
+          <p:cNvPr id="175" name="Shape 175"/>
           <p:cNvSpPr/>
           <p:nvPr>
             <p:ph type="sldImg"/>
@@ -379,7 +380,7 @@
       </p:sp>
       <p:sp>
         <p:nvSpPr>
-          <p:cNvPr id="167" name="Shape 167"/>
+          <p:cNvPr id="176" name="Shape 176"/>
           <p:cNvSpPr/>
           <p:nvPr>
             <p:ph type="body" sz="quarter" idx="1"/>
@@ -2108,6 +2109,260 @@
 </p:sldLayout>
 </file>
 
+<file path=ppt/slideLayouts/slideLayout18.xml><?xml version="1.0" encoding="utf-8"?>
+<p:sldLayout xmlns:a="http://schemas.openxmlformats.org/drawingml/2006/main" xmlns:r="http://schemas.openxmlformats.org/officeDocument/2006/relationships" xmlns:p="http://schemas.openxmlformats.org/presentationml/2006/main" xmlns:m="http://schemas.openxmlformats.org/officeDocument/2006/math" xmlns:a14="http://schemas.microsoft.com/office/drawing/2010/main" type="tx" showMasterSp="1" showMasterPhAnim="1">
+  <p:cSld name="TITLE">
+    <p:spTree>
+      <p:nvGrpSpPr>
+        <p:cNvPr id="1" name=""/>
+        <p:cNvGrpSpPr/>
+        <p:nvPr/>
+      </p:nvGrpSpPr>
+      <p:grpSpPr>
+        <a:xfrm>
+          <a:off x="0" y="0"/>
+          <a:ext cx="0" cy="0"/>
+          <a:chOff x="0" y="0"/>
+          <a:chExt cx="0" cy="0"/>
+        </a:xfrm>
+      </p:grpSpPr>
+      <p:sp>
+        <p:nvSpPr>
+          <p:cNvPr id="167" name="Texto del título"/>
+          <p:cNvSpPr txBox="1"/>
+          <p:nvPr>
+            <p:ph type="title"/>
+          </p:nvPr>
+        </p:nvSpPr>
+        <p:spPr>
+          <a:xfrm>
+            <a:off x="831221" y="1985533"/>
+            <a:ext cx="22721601" cy="5473601"/>
+          </a:xfrm>
+          <a:prstGeom prst="rect">
+            <a:avLst/>
+          </a:prstGeom>
+        </p:spPr>
+        <p:txBody>
+          <a:bodyPr lIns="243799" tIns="243799" rIns="243799" bIns="243799" anchor="b"/>
+          <a:lstStyle>
+            <a:lvl1pPr algn="ctr" defTabSz="2438400">
+              <a:lnSpc>
+                <a:spcPct val="100000"/>
+              </a:lnSpc>
+              <a:defRPr b="0" spc="0" sz="13800">
+                <a:latin typeface="Arial"/>
+                <a:ea typeface="Arial"/>
+                <a:cs typeface="Arial"/>
+                <a:sym typeface="Arial"/>
+              </a:defRPr>
+            </a:lvl1pPr>
+          </a:lstStyle>
+          <a:p>
+            <a:pPr/>
+            <a:r>
+              <a:t>Texto del título</a:t>
+            </a:r>
+          </a:p>
+        </p:txBody>
+      </p:sp>
+      <p:sp>
+        <p:nvSpPr>
+          <p:cNvPr id="168" name="Nivel de texto 1…"/>
+          <p:cNvSpPr txBox="1"/>
+          <p:nvPr>
+            <p:ph type="body" sz="quarter" idx="1"/>
+          </p:nvPr>
+        </p:nvSpPr>
+        <p:spPr>
+          <a:xfrm>
+            <a:off x="831199" y="7557666"/>
+            <a:ext cx="22721602" cy="2113601"/>
+          </a:xfrm>
+          <a:prstGeom prst="rect">
+            <a:avLst/>
+          </a:prstGeom>
+        </p:spPr>
+        <p:txBody>
+          <a:bodyPr lIns="243799" tIns="243799" rIns="243799" bIns="243799"/>
+          <a:lstStyle>
+            <a:lvl1pPr marL="914400" indent="-800100" algn="ctr" defTabSz="2438400">
+              <a:lnSpc>
+                <a:spcPct val="100000"/>
+              </a:lnSpc>
+              <a:spcBef>
+                <a:spcPts val="0"/>
+              </a:spcBef>
+              <a:buSzTx/>
+              <a:buNone/>
+              <a:defRPr sz="7400">
+                <a:solidFill>
+                  <a:srgbClr val="595959"/>
+                </a:solidFill>
+                <a:latin typeface="Arial"/>
+                <a:ea typeface="Arial"/>
+                <a:cs typeface="Arial"/>
+                <a:sym typeface="Arial"/>
+              </a:defRPr>
+            </a:lvl1pPr>
+            <a:lvl2pPr marL="914400" indent="-317500" algn="ctr" defTabSz="2438400">
+              <a:lnSpc>
+                <a:spcPct val="100000"/>
+              </a:lnSpc>
+              <a:spcBef>
+                <a:spcPts val="0"/>
+              </a:spcBef>
+              <a:buSzTx/>
+              <a:buNone/>
+              <a:defRPr sz="7400">
+                <a:solidFill>
+                  <a:srgbClr val="595959"/>
+                </a:solidFill>
+                <a:latin typeface="Arial"/>
+                <a:ea typeface="Arial"/>
+                <a:cs typeface="Arial"/>
+                <a:sym typeface="Arial"/>
+              </a:defRPr>
+            </a:lvl2pPr>
+            <a:lvl3pPr marL="914400" indent="139700" algn="ctr" defTabSz="2438400">
+              <a:lnSpc>
+                <a:spcPct val="100000"/>
+              </a:lnSpc>
+              <a:spcBef>
+                <a:spcPts val="0"/>
+              </a:spcBef>
+              <a:buSzTx/>
+              <a:buNone/>
+              <a:defRPr sz="7400">
+                <a:solidFill>
+                  <a:srgbClr val="595959"/>
+                </a:solidFill>
+                <a:latin typeface="Arial"/>
+                <a:ea typeface="Arial"/>
+                <a:cs typeface="Arial"/>
+                <a:sym typeface="Arial"/>
+              </a:defRPr>
+            </a:lvl3pPr>
+            <a:lvl4pPr marL="914400" indent="596900" algn="ctr" defTabSz="2438400">
+              <a:lnSpc>
+                <a:spcPct val="100000"/>
+              </a:lnSpc>
+              <a:spcBef>
+                <a:spcPts val="0"/>
+              </a:spcBef>
+              <a:buSzTx/>
+              <a:buNone/>
+              <a:defRPr sz="7400">
+                <a:solidFill>
+                  <a:srgbClr val="595959"/>
+                </a:solidFill>
+                <a:latin typeface="Arial"/>
+                <a:ea typeface="Arial"/>
+                <a:cs typeface="Arial"/>
+                <a:sym typeface="Arial"/>
+              </a:defRPr>
+            </a:lvl4pPr>
+            <a:lvl5pPr marL="914400" indent="1054100" algn="ctr" defTabSz="2438400">
+              <a:lnSpc>
+                <a:spcPct val="100000"/>
+              </a:lnSpc>
+              <a:spcBef>
+                <a:spcPts val="0"/>
+              </a:spcBef>
+              <a:buSzTx/>
+              <a:buNone/>
+              <a:defRPr sz="7400">
+                <a:solidFill>
+                  <a:srgbClr val="595959"/>
+                </a:solidFill>
+                <a:latin typeface="Arial"/>
+                <a:ea typeface="Arial"/>
+                <a:cs typeface="Arial"/>
+                <a:sym typeface="Arial"/>
+              </a:defRPr>
+            </a:lvl5pPr>
+          </a:lstStyle>
+          <a:p>
+            <a:pPr/>
+            <a:r>
+              <a:t>Nivel de texto 1</a:t>
+            </a:r>
+          </a:p>
+          <a:p>
+            <a:pPr lvl="1"/>
+            <a:r>
+              <a:t>Nivel de texto 2</a:t>
+            </a:r>
+          </a:p>
+          <a:p>
+            <a:pPr lvl="2"/>
+            <a:r>
+              <a:t>Nivel de texto 3</a:t>
+            </a:r>
+          </a:p>
+          <a:p>
+            <a:pPr lvl="3"/>
+            <a:r>
+              <a:t>Nivel de texto 4</a:t>
+            </a:r>
+          </a:p>
+          <a:p>
+            <a:pPr lvl="4"/>
+            <a:r>
+              <a:t>Nivel de texto 5</a:t>
+            </a:r>
+          </a:p>
+        </p:txBody>
+      </p:sp>
+      <p:sp>
+        <p:nvSpPr>
+          <p:cNvPr id="169" name="Número de diapositiva"/>
+          <p:cNvSpPr txBox="1"/>
+          <p:nvPr>
+            <p:ph type="sldNum" sz="quarter" idx="2"/>
+          </p:nvPr>
+        </p:nvSpPr>
+        <p:spPr>
+          <a:xfrm>
+            <a:off x="23188838" y="12524796"/>
+            <a:ext cx="867584" cy="870499"/>
+          </a:xfrm>
+          <a:prstGeom prst="rect">
+            <a:avLst/>
+          </a:prstGeom>
+        </p:spPr>
+        <p:txBody>
+          <a:bodyPr lIns="243799" tIns="243799" rIns="243799" bIns="243799" anchor="ctr">
+            <a:normAutofit fontScale="100000" lnSpcReduction="0"/>
+          </a:bodyPr>
+          <a:lstStyle>
+            <a:lvl1pPr algn="r" defTabSz="2438400">
+              <a:defRPr sz="2600">
+                <a:solidFill>
+                  <a:srgbClr val="595959"/>
+                </a:solidFill>
+                <a:latin typeface="Arial"/>
+                <a:ea typeface="Arial"/>
+                <a:cs typeface="Arial"/>
+                <a:sym typeface="Arial"/>
+              </a:defRPr>
+            </a:lvl1pPr>
+          </a:lstStyle>
+          <a:p>
+            <a:pPr/>
+            <a:fld id="{86CB4B4D-7CA3-9044-876B-883B54F8677D}" type="slidenum"/>
+          </a:p>
+        </p:txBody>
+      </p:sp>
+    </p:spTree>
+  </p:cSld>
+  <p:clrMapOvr>
+    <a:masterClrMapping/>
+  </p:clrMapOvr>
+  <p:transition xmlns:p14="http://schemas.microsoft.com/office/powerpoint/2010/main" spd="med" advClick="1"/>
+</p:sldLayout>
+</file>
+
 <file path=ppt/slideLayouts/slideLayout2.xml><?xml version="1.0" encoding="utf-8"?>
 <p:sldLayout xmlns:a="http://schemas.openxmlformats.org/drawingml/2006/main" xmlns:r="http://schemas.openxmlformats.org/officeDocument/2006/relationships" xmlns:p="http://schemas.openxmlformats.org/presentationml/2006/main" xmlns:m="http://schemas.openxmlformats.org/officeDocument/2006/math" xmlns:a14="http://schemas.microsoft.com/office/drawing/2010/main" type="tx" showMasterSp="1" showMasterPhAnim="1">
   <p:cSld name="Título y foto">
@@ -3638,6 +3893,7 @@
     <p:sldLayoutId id="2147483663" r:id="rId16"/>
     <p:sldLayoutId id="2147483664" r:id="rId17"/>
     <p:sldLayoutId id="2147483665" r:id="rId18"/>
+    <p:sldLayoutId id="2147483666" r:id="rId19"/>
   </p:sldLayoutIdLst>
   <p:transition xmlns:p14="http://schemas.microsoft.com/office/powerpoint/2010/main" spd="med" advClick="1"/>
   <p:txStyles>
@@ -4379,7 +4635,7 @@
       </p:grpSpPr>
       <p:sp>
         <p:nvSpPr>
-          <p:cNvPr id="169" name="Google Shape;54;p13"/>
+          <p:cNvPr id="178" name="Google Shape;54;p13"/>
           <p:cNvSpPr/>
           <p:nvPr/>
         </p:nvSpPr>
@@ -4420,7 +4676,7 @@
       </p:sp>
       <p:sp>
         <p:nvSpPr>
-          <p:cNvPr id="170" name="Google Shape;55;p13"/>
+          <p:cNvPr id="179" name="Google Shape;55;p13"/>
           <p:cNvSpPr txBox="1"/>
           <p:nvPr>
             <p:ph type="title"/>
@@ -4456,7 +4712,7 @@
       </p:sp>
       <p:sp>
         <p:nvSpPr>
-          <p:cNvPr id="171" name="Google Shape;57;p13"/>
+          <p:cNvPr id="180" name="Google Shape;57;p13"/>
           <p:cNvSpPr/>
           <p:nvPr/>
         </p:nvSpPr>
@@ -4494,7 +4750,7 @@
       </p:sp>
       <p:sp>
         <p:nvSpPr>
-          <p:cNvPr id="172" name="CRUD (Create, Read, Update, Delete)…"/>
+          <p:cNvPr id="181" name="CRUD (Create, Read, Update, Delete)…"/>
           <p:cNvSpPr txBox="1"/>
           <p:nvPr/>
         </p:nvSpPr>
@@ -4570,7 +4826,7 @@
               <a:t>Create: Using </a:t>
             </a:r>
             <a:r>
-              <a:rPr>
+              <a:rPr b="0">
                 <a:latin typeface="Courier New"/>
                 <a:ea typeface="Courier New"/>
                 <a:cs typeface="Courier New"/>
@@ -4578,6 +4834,12 @@
               </a:rPr>
               <a:t>CREATE TABLE</a:t>
             </a:r>
+            <a:endParaRPr b="0">
+              <a:latin typeface="Courier New"/>
+              <a:ea typeface="Courier New"/>
+              <a:cs typeface="Courier New"/>
+              <a:sym typeface="Courier New"/>
+            </a:endParaRPr>
           </a:p>
           <a:p>
             <a:pPr marL="1021033" indent="-932133" algn="l" defTabSz="2438400">
@@ -4604,7 +4866,7 @@
               <a:t>Read: Using </a:t>
             </a:r>
             <a:r>
-              <a:rPr>
+              <a:rPr b="0">
                 <a:latin typeface="Courier New"/>
                 <a:ea typeface="Courier New"/>
                 <a:cs typeface="Courier New"/>
@@ -4641,7 +4903,7 @@
               <a:t>Update: Using </a:t>
             </a:r>
             <a:r>
-              <a:rPr>
+              <a:rPr b="0">
                 <a:latin typeface="Courier New"/>
                 <a:ea typeface="Courier New"/>
                 <a:cs typeface="Courier New"/>
@@ -4675,13 +4937,93 @@
               <a:t>Delete: Using </a:t>
             </a:r>
             <a:r>
-              <a:rPr>
+              <a:rPr b="0">
                 <a:latin typeface="Courier New"/>
                 <a:ea typeface="Courier New"/>
                 <a:cs typeface="Courier New"/>
                 <a:sym typeface="Courier New"/>
               </a:rPr>
               <a:t>DROP TABLE</a:t>
+            </a:r>
+          </a:p>
+        </p:txBody>
+      </p:sp>
+      <p:pic>
+        <p:nvPicPr>
+          <p:cNvPr id="182" name="5f461d116006137.6059ac1f3a043.jpg" descr="5f461d116006137.6059ac1f3a043.jpg"/>
+          <p:cNvPicPr>
+            <a:picLocks noChangeAspect="1"/>
+          </p:cNvPicPr>
+          <p:nvPr/>
+        </p:nvPicPr>
+        <p:blipFill>
+          <a:blip r:embed="rId2">
+            <a:extLst/>
+          </a:blip>
+          <a:stretch>
+            <a:fillRect/>
+          </a:stretch>
+        </p:blipFill>
+        <p:spPr>
+          <a:xfrm>
+            <a:off x="-77249" y="-2562010"/>
+            <a:ext cx="24538498" cy="16359000"/>
+          </a:xfrm>
+          <a:prstGeom prst="rect">
+            <a:avLst/>
+          </a:prstGeom>
+          <a:ln w="12700">
+            <a:miter lim="400000"/>
+          </a:ln>
+        </p:spPr>
+      </p:pic>
+      <p:sp>
+        <p:nvSpPr>
+          <p:cNvPr id="183" name="SQL - CRUD"/>
+          <p:cNvSpPr txBox="1"/>
+          <p:nvPr/>
+        </p:nvSpPr>
+        <p:spPr>
+          <a:xfrm>
+            <a:off x="1725731" y="4958345"/>
+            <a:ext cx="20932538" cy="3799310"/>
+          </a:xfrm>
+          <a:prstGeom prst="rect">
+            <a:avLst/>
+          </a:prstGeom>
+          <a:ln w="12700">
+            <a:miter lim="400000"/>
+          </a:ln>
+          <a:extLst>
+            <a:ext uri="{C572A759-6A51-4108-AA02-DFA0A04FC94B}">
+              <ma14:wrappingTextBoxFlag xmlns:ma14="http://schemas.microsoft.com/office/mac/drawingml/2011/main" val="1"/>
+            </a:ext>
+          </a:extLst>
+        </p:spPr>
+        <p:txBody>
+          <a:bodyPr lIns="50800" tIns="50800" rIns="50800" bIns="50800" anchor="ctr">
+            <a:normAutofit fontScale="100000" lnSpcReduction="0"/>
+          </a:bodyPr>
+          <a:lstStyle>
+            <a:lvl1pPr defTabSz="2438400">
+              <a:lnSpc>
+                <a:spcPct val="90000"/>
+              </a:lnSpc>
+              <a:defRPr spc="-600" sz="20000">
+                <a:solidFill>
+                  <a:srgbClr val="F65714"/>
+                </a:solidFill>
+                <a:latin typeface="Big Caslon Medium"/>
+                <a:ea typeface="Big Caslon Medium"/>
+                <a:cs typeface="Big Caslon Medium"/>
+                <a:sym typeface="Big Caslon Medium"/>
+              </a:defRPr>
+            </a:lvl1pPr>
+          </a:lstStyle>
+          <a:p>
+            <a:pPr/>
+            <a:r>
+              <a:t>SQL - CRUD</a:t>
             </a:r>
           </a:p>
         </p:txBody>
@@ -4719,88 +5061,38 @@
           <a:chExt cx="0" cy="0"/>
         </a:xfrm>
       </p:grpSpPr>
-      <p:sp>
-        <p:nvSpPr>
-          <p:cNvPr id="214" name="Google Shape;66;p14"/>
-          <p:cNvSpPr/>
+      <p:pic>
+        <p:nvPicPr>
+          <p:cNvPr id="217" name="5f461d116006137.6059ac1f3a043.jpg" descr="5f461d116006137.6059ac1f3a043.jpg"/>
+          <p:cNvPicPr>
+            <a:picLocks noChangeAspect="1"/>
+          </p:cNvPicPr>
           <p:nvPr/>
-        </p:nvSpPr>
+        </p:nvPicPr>
+        <p:blipFill>
+          <a:blip r:embed="rId2">
+            <a:extLst/>
+          </a:blip>
+          <a:stretch>
+            <a:fillRect/>
+          </a:stretch>
+        </p:blipFill>
         <p:spPr>
           <a:xfrm>
-            <a:off x="-189734" y="-1"/>
-            <a:ext cx="24908800" cy="3644001"/>
+            <a:off x="-77249" y="-2562010"/>
+            <a:ext cx="24538498" cy="16359000"/>
           </a:xfrm>
           <a:prstGeom prst="rect">
             <a:avLst/>
           </a:prstGeom>
-          <a:solidFill>
-            <a:srgbClr val="264190"/>
-          </a:solidFill>
-          <a:ln w="76200">
-            <a:solidFill>
-              <a:srgbClr val="000000"/>
-            </a:solidFill>
+          <a:ln w="12700">
+            <a:miter lim="400000"/>
           </a:ln>
         </p:spPr>
-        <p:txBody>
-          <a:bodyPr lIns="0" tIns="0" rIns="0" bIns="0" anchor="ctr"/>
-          <a:lstStyle/>
-          <a:p>
-            <a:pPr algn="l" defTabSz="2438400">
-              <a:defRPr sz="3600">
-                <a:solidFill>
-                  <a:srgbClr val="000000"/>
-                </a:solidFill>
-                <a:latin typeface="Arial"/>
-                <a:ea typeface="Arial"/>
-                <a:cs typeface="Arial"/>
-                <a:sym typeface="Arial"/>
-              </a:defRPr>
-            </a:pPr>
-          </a:p>
-        </p:txBody>
-      </p:sp>
+      </p:pic>
       <p:sp>
         <p:nvSpPr>
-          <p:cNvPr id="215" name="Google Shape;67;p14"/>
-          <p:cNvSpPr/>
-          <p:nvPr/>
-        </p:nvSpPr>
-        <p:spPr>
-          <a:xfrm>
-            <a:off x="-379401" y="3528600"/>
-            <a:ext cx="24966402" cy="1"/>
-          </a:xfrm>
-          <a:prstGeom prst="line">
-            <a:avLst/>
-          </a:prstGeom>
-          <a:ln w="76200">
-            <a:solidFill>
-              <a:srgbClr val="000000"/>
-            </a:solidFill>
-          </a:ln>
-        </p:spPr>
-        <p:txBody>
-          <a:bodyPr lIns="0" tIns="0" rIns="0" bIns="0"/>
-          <a:lstStyle/>
-          <a:p>
-            <a:pPr algn="l" defTabSz="2438400">
-              <a:defRPr sz="3600">
-                <a:solidFill>
-                  <a:srgbClr val="000000"/>
-                </a:solidFill>
-                <a:latin typeface="Arial"/>
-                <a:ea typeface="Arial"/>
-                <a:cs typeface="Arial"/>
-                <a:sym typeface="Arial"/>
-              </a:defRPr>
-            </a:pPr>
-          </a:p>
-        </p:txBody>
-      </p:sp>
-      <p:sp>
-        <p:nvSpPr>
-          <p:cNvPr id="216" name="2. Google Shape;68;p14"/>
+          <p:cNvPr id="218" name="Google Shape;55;p13"/>
           <p:cNvSpPr txBox="1"/>
           <p:nvPr>
             <p:ph type="title"/>
@@ -4808,42 +5100,46 @@
         </p:nvSpPr>
         <p:spPr>
           <a:xfrm>
-            <a:off x="903866" y="589508"/>
-            <a:ext cx="22721602" cy="2464984"/>
+            <a:off x="831199" y="531199"/>
+            <a:ext cx="22721602" cy="2640801"/>
           </a:xfrm>
           <a:prstGeom prst="rect">
             <a:avLst/>
           </a:prstGeom>
         </p:spPr>
         <p:txBody>
-          <a:bodyPr anchor="ctr"/>
+          <a:bodyPr/>
           <a:lstStyle>
-            <a:lvl1pPr>
-              <a:defRPr b="1" sz="12000">
-                <a:solidFill>
-                  <a:srgbClr val="FFFFFF"/>
-                </a:solidFill>
+            <a:lvl1pPr defTabSz="2194559">
+              <a:defRPr sz="12420">
+                <a:solidFill>
+                  <a:srgbClr val="FFFFFF"/>
+                </a:solidFill>
+                <a:latin typeface="Avenir Book"/>
+                <a:ea typeface="Avenir Book"/>
+                <a:cs typeface="Avenir Book"/>
+                <a:sym typeface="Avenir Book"/>
               </a:defRPr>
             </a:lvl1pPr>
           </a:lstStyle>
           <a:p>
             <a:pPr/>
             <a:r>
-              <a:t>Constraints - PRIMARY KEY</a:t>
+              <a:t>Constraints - UNIQUE</a:t>
             </a:r>
           </a:p>
         </p:txBody>
       </p:sp>
       <p:sp>
         <p:nvSpPr>
-          <p:cNvPr id="217" name="Google Shape;69;p14"/>
+          <p:cNvPr id="219" name="Google Shape;69;p14"/>
           <p:cNvSpPr txBox="1"/>
           <p:nvPr/>
         </p:nvSpPr>
         <p:spPr>
           <a:xfrm>
             <a:off x="1105416" y="3652449"/>
-            <a:ext cx="21996769" cy="9420462"/>
+            <a:ext cx="22886231" cy="7141511"/>
           </a:xfrm>
           <a:prstGeom prst="rect">
             <a:avLst/>
@@ -4871,26 +5167,32 @@
               <a:buChar char="•"/>
               <a:defRPr sz="5200">
                 <a:solidFill>
-                  <a:srgbClr val="000000"/>
-                </a:solidFill>
-                <a:latin typeface="Arial"/>
-                <a:ea typeface="Arial"/>
-                <a:cs typeface="Arial"/>
-                <a:sym typeface="Arial"/>
-              </a:defRPr>
-            </a:pPr>
+                  <a:srgbClr val="FFFFFF"/>
+                </a:solidFill>
+                <a:latin typeface="Courier New"/>
+                <a:ea typeface="Courier New"/>
+                <a:cs typeface="Courier New"/>
+                <a:sym typeface="Courier New"/>
+              </a:defRPr>
+            </a:pPr>
+            <a:r>
+              <a:t>UNIQUE:</a:t>
+            </a:r>
             <a:r>
               <a:rPr>
-                <a:latin typeface="Courier New"/>
-                <a:ea typeface="Courier New"/>
-                <a:cs typeface="Courier New"/>
-                <a:sym typeface="Courier New"/>
+                <a:latin typeface="Avenir Book"/>
+                <a:ea typeface="Avenir Book"/>
+                <a:cs typeface="Avenir Book"/>
+                <a:sym typeface="Avenir Book"/>
               </a:rPr>
-              <a:t>PRIMARY KEY:</a:t>
-            </a:r>
-            <a:r>
-              <a:t> a column, or group of columns, can be used as a unique identifier for rows in the table. This requires that the values be both unique and not null</a:t>
-            </a:r>
+              <a:t> Ensure that all values are different</a:t>
+            </a:r>
+            <a:endParaRPr>
+              <a:latin typeface="Avenir Book"/>
+              <a:ea typeface="Avenir Book"/>
+              <a:cs typeface="Avenir Book"/>
+              <a:sym typeface="Avenir Book"/>
+            </a:endParaRPr>
           </a:p>
           <a:p>
             <a:pPr algn="l" defTabSz="2438400">
@@ -4899,14 +5201,20 @@
               </a:lnSpc>
               <a:defRPr sz="5200">
                 <a:solidFill>
-                  <a:srgbClr val="000000"/>
-                </a:solidFill>
-                <a:latin typeface="Arial"/>
-                <a:ea typeface="Arial"/>
-                <a:cs typeface="Arial"/>
-                <a:sym typeface="Arial"/>
-              </a:defRPr>
-            </a:pPr>
+                  <a:srgbClr val="FFFFFF"/>
+                </a:solidFill>
+                <a:latin typeface="Courier New"/>
+                <a:ea typeface="Courier New"/>
+                <a:cs typeface="Courier New"/>
+                <a:sym typeface="Courier New"/>
+              </a:defRPr>
+            </a:pPr>
+            <a:endParaRPr>
+              <a:latin typeface="Arial"/>
+              <a:ea typeface="Arial"/>
+              <a:cs typeface="Arial"/>
+              <a:sym typeface="Arial"/>
+            </a:endParaRPr>
           </a:p>
           <a:p>
             <a:pPr lvl="1" algn="l" defTabSz="2438400">
@@ -4915,7 +5223,7 @@
               </a:lnSpc>
               <a:defRPr sz="4400">
                 <a:solidFill>
-                  <a:srgbClr val="000000"/>
+                  <a:srgbClr val="FFFFFF"/>
                 </a:solidFill>
                 <a:latin typeface="Courier New"/>
                 <a:ea typeface="Courier New"/>
@@ -4934,16 +5242,16 @@
               </a:lnSpc>
               <a:defRPr sz="4400">
                 <a:solidFill>
-                  <a:srgbClr val="000000"/>
-                </a:solidFill>
-                <a:latin typeface="Courier New"/>
-                <a:ea typeface="Courier New"/>
-                <a:cs typeface="Courier New"/>
-                <a:sym typeface="Courier New"/>
-              </a:defRPr>
-            </a:pPr>
-            <a:r>
-              <a:t> title VARCHAR(30) PRIMARY KEY,</a:t>
+                  <a:srgbClr val="FFFFFF"/>
+                </a:solidFill>
+                <a:latin typeface="Courier New"/>
+                <a:ea typeface="Courier New"/>
+                <a:cs typeface="Courier New"/>
+                <a:sym typeface="Courier New"/>
+              </a:defRPr>
+            </a:pPr>
+            <a:r>
+              <a:t> title VARCHAR(30) UNIQUE NOT NULL,</a:t>
             </a:r>
           </a:p>
           <a:p>
@@ -4953,7 +5261,7 @@
               </a:lnSpc>
               <a:defRPr sz="4400">
                 <a:solidFill>
-                  <a:srgbClr val="000000"/>
+                  <a:srgbClr val="FFFFFF"/>
                 </a:solidFill>
                 <a:latin typeface="Courier New"/>
                 <a:ea typeface="Courier New"/>
@@ -4972,7 +5280,7 @@
               </a:lnSpc>
               <a:defRPr sz="4400">
                 <a:solidFill>
-                  <a:srgbClr val="000000"/>
+                  <a:srgbClr val="FFFFFF"/>
                 </a:solidFill>
                 <a:latin typeface="Courier New"/>
                 <a:ea typeface="Courier New"/>
@@ -4991,30 +5299,17 @@
               </a:lnSpc>
               <a:defRPr sz="4400">
                 <a:solidFill>
-                  <a:srgbClr val="000000"/>
-                </a:solidFill>
-                <a:latin typeface="Courier New"/>
-                <a:ea typeface="Courier New"/>
-                <a:cs typeface="Courier New"/>
-                <a:sym typeface="Courier New"/>
-              </a:defRPr>
-            </a:pPr>
-            <a:r>
-              <a:t> minutes INT CONSTRAINT positive</a:t>
-            </a:r>
-            <a:r>
-              <a:rPr>
-                <a:solidFill>
-                  <a:srgbClr val="0D0A0B"/>
-                </a:solidFill>
-              </a:rPr>
-              <a:t> CHECK (minutes &gt; 0),</a:t>
-            </a:r>
-            <a:endParaRPr>
-              <a:solidFill>
-                <a:srgbClr val="0D0A0B"/>
-              </a:solidFill>
-            </a:endParaRPr>
+                  <a:srgbClr val="FFFFFF"/>
+                </a:solidFill>
+                <a:latin typeface="Courier New"/>
+                <a:ea typeface="Courier New"/>
+                <a:cs typeface="Courier New"/>
+                <a:sym typeface="Courier New"/>
+              </a:defRPr>
+            </a:pPr>
+            <a:r>
+              <a:t> minutes INT CONSTRAINT positive CHECK (minutes &gt; 0)</a:t>
+            </a:r>
           </a:p>
           <a:p>
             <a:pPr lvl="2" algn="l" defTabSz="2438400">
@@ -5023,20 +5318,15 @@
               </a:lnSpc>
               <a:defRPr sz="4400">
                 <a:solidFill>
-                  <a:srgbClr val="000000"/>
-                </a:solidFill>
-                <a:latin typeface="Courier New"/>
-                <a:ea typeface="Courier New"/>
-                <a:cs typeface="Courier New"/>
-                <a:sym typeface="Courier New"/>
-              </a:defRPr>
-            </a:pPr>
-            <a:r>
-              <a:rPr>
-                <a:solidFill>
-                  <a:srgbClr val="0D0A0B"/>
-                </a:solidFill>
-              </a:rPr>
+                  <a:srgbClr val="FFFFFF"/>
+                </a:solidFill>
+                <a:latin typeface="Courier New"/>
+                <a:ea typeface="Courier New"/>
+                <a:cs typeface="Courier New"/>
+                <a:sym typeface="Courier New"/>
+              </a:defRPr>
+            </a:pPr>
+            <a:r>
               <a:t> CONSTRAINT valid_premier CHECK (release_date &gt; premier_access)</a:t>
             </a:r>
           </a:p>
@@ -5047,7 +5337,7 @@
               </a:lnSpc>
               <a:defRPr sz="4400">
                 <a:solidFill>
-                  <a:srgbClr val="000000"/>
+                  <a:srgbClr val="FFFFFF"/>
                 </a:solidFill>
                 <a:latin typeface="Courier New"/>
                 <a:ea typeface="Courier New"/>
@@ -5094,88 +5384,38 @@
           <a:chExt cx="0" cy="0"/>
         </a:xfrm>
       </p:grpSpPr>
-      <p:sp>
-        <p:nvSpPr>
-          <p:cNvPr id="219" name="Google Shape;66;p14"/>
-          <p:cNvSpPr/>
+      <p:pic>
+        <p:nvPicPr>
+          <p:cNvPr id="221" name="5f461d116006137.6059ac1f3a043.jpg" descr="5f461d116006137.6059ac1f3a043.jpg"/>
+          <p:cNvPicPr>
+            <a:picLocks noChangeAspect="1"/>
+          </p:cNvPicPr>
           <p:nvPr/>
-        </p:nvSpPr>
+        </p:nvPicPr>
+        <p:blipFill>
+          <a:blip r:embed="rId2">
+            <a:extLst/>
+          </a:blip>
+          <a:stretch>
+            <a:fillRect/>
+          </a:stretch>
+        </p:blipFill>
         <p:spPr>
           <a:xfrm>
-            <a:off x="-189734" y="-1"/>
-            <a:ext cx="24908800" cy="3644001"/>
+            <a:off x="-77249" y="-2562010"/>
+            <a:ext cx="24538498" cy="16359000"/>
           </a:xfrm>
           <a:prstGeom prst="rect">
             <a:avLst/>
           </a:prstGeom>
-          <a:solidFill>
-            <a:srgbClr val="264190"/>
-          </a:solidFill>
-          <a:ln w="76200">
-            <a:solidFill>
-              <a:srgbClr val="000000"/>
-            </a:solidFill>
+          <a:ln w="12700">
+            <a:miter lim="400000"/>
           </a:ln>
         </p:spPr>
-        <p:txBody>
-          <a:bodyPr lIns="0" tIns="0" rIns="0" bIns="0" anchor="ctr"/>
-          <a:lstStyle/>
-          <a:p>
-            <a:pPr algn="l" defTabSz="2438400">
-              <a:defRPr sz="3600">
-                <a:solidFill>
-                  <a:srgbClr val="000000"/>
-                </a:solidFill>
-                <a:latin typeface="Arial"/>
-                <a:ea typeface="Arial"/>
-                <a:cs typeface="Arial"/>
-                <a:sym typeface="Arial"/>
-              </a:defRPr>
-            </a:pPr>
-          </a:p>
-        </p:txBody>
-      </p:sp>
+      </p:pic>
       <p:sp>
         <p:nvSpPr>
-          <p:cNvPr id="220" name="Google Shape;67;p14"/>
-          <p:cNvSpPr/>
-          <p:nvPr/>
-        </p:nvSpPr>
-        <p:spPr>
-          <a:xfrm>
-            <a:off x="-379401" y="3528600"/>
-            <a:ext cx="24966402" cy="1"/>
-          </a:xfrm>
-          <a:prstGeom prst="line">
-            <a:avLst/>
-          </a:prstGeom>
-          <a:ln w="76200">
-            <a:solidFill>
-              <a:srgbClr val="000000"/>
-            </a:solidFill>
-          </a:ln>
-        </p:spPr>
-        <p:txBody>
-          <a:bodyPr lIns="0" tIns="0" rIns="0" bIns="0"/>
-          <a:lstStyle/>
-          <a:p>
-            <a:pPr algn="l" defTabSz="2438400">
-              <a:defRPr sz="3600">
-                <a:solidFill>
-                  <a:srgbClr val="000000"/>
-                </a:solidFill>
-                <a:latin typeface="Arial"/>
-                <a:ea typeface="Arial"/>
-                <a:cs typeface="Arial"/>
-                <a:sym typeface="Arial"/>
-              </a:defRPr>
-            </a:pPr>
-          </a:p>
-        </p:txBody>
-      </p:sp>
-      <p:sp>
-        <p:nvSpPr>
-          <p:cNvPr id="221" name="2. Google Shape;68;p14"/>
+          <p:cNvPr id="222" name="Google Shape;55;p13"/>
           <p:cNvSpPr txBox="1"/>
           <p:nvPr>
             <p:ph type="title"/>
@@ -5183,42 +5423,46 @@
         </p:nvSpPr>
         <p:spPr>
           <a:xfrm>
-            <a:off x="903866" y="589508"/>
-            <a:ext cx="22721602" cy="2464984"/>
+            <a:off x="831199" y="531199"/>
+            <a:ext cx="22721602" cy="2640801"/>
           </a:xfrm>
           <a:prstGeom prst="rect">
             <a:avLst/>
           </a:prstGeom>
         </p:spPr>
         <p:txBody>
-          <a:bodyPr anchor="ctr"/>
+          <a:bodyPr/>
           <a:lstStyle>
-            <a:lvl1pPr>
-              <a:defRPr b="1" sz="12000">
-                <a:solidFill>
-                  <a:srgbClr val="FFFFFF"/>
-                </a:solidFill>
+            <a:lvl1pPr defTabSz="2194559">
+              <a:defRPr sz="12420">
+                <a:solidFill>
+                  <a:srgbClr val="FFFFFF"/>
+                </a:solidFill>
+                <a:latin typeface="Avenir Book"/>
+                <a:ea typeface="Avenir Book"/>
+                <a:cs typeface="Avenir Book"/>
+                <a:sym typeface="Avenir Book"/>
               </a:defRPr>
             </a:lvl1pPr>
           </a:lstStyle>
           <a:p>
             <a:pPr/>
             <a:r>
-              <a:t>Creating Tables from SELECT</a:t>
+              <a:t>Constraints - PRIMARY KEY</a:t>
             </a:r>
           </a:p>
         </p:txBody>
       </p:sp>
       <p:sp>
         <p:nvSpPr>
-          <p:cNvPr id="222" name="Google Shape;69;p14"/>
+          <p:cNvPr id="223" name="Google Shape;69;p14"/>
           <p:cNvSpPr txBox="1"/>
           <p:nvPr/>
         </p:nvSpPr>
         <p:spPr>
           <a:xfrm>
             <a:off x="1105416" y="3652449"/>
-            <a:ext cx="21996769" cy="8410298"/>
+            <a:ext cx="21996769" cy="9823751"/>
           </a:xfrm>
           <a:prstGeom prst="rect">
             <a:avLst/>
@@ -5238,19 +5482,15 @@
           </a:bodyPr>
           <a:lstStyle/>
           <a:p>
-            <a:pPr marL="1059872" indent="-970972" algn="l" defTabSz="2438400">
-              <a:lnSpc>
-                <a:spcPct val="120000"/>
-              </a:lnSpc>
-              <a:buClr>
-                <a:srgbClr val="000000"/>
-              </a:buClr>
-              <a:buSzPts val="5200"/>
-              <a:buFont typeface="Arial"/>
-              <a:buChar char="●"/>
+            <a:pPr marL="660400" indent="-660400" algn="l" defTabSz="2438400">
+              <a:lnSpc>
+                <a:spcPct val="110000"/>
+              </a:lnSpc>
+              <a:buSzPct val="123000"/>
+              <a:buChar char="•"/>
               <a:defRPr sz="5200">
                 <a:solidFill>
-                  <a:srgbClr val="000000"/>
+                  <a:srgbClr val="FFFFFF"/>
                 </a:solidFill>
                 <a:latin typeface="Arial"/>
                 <a:ea typeface="Arial"/>
@@ -5259,148 +5499,162 @@
               </a:defRPr>
             </a:pPr>
             <a:r>
-              <a:t>When creating a table, we could use an existing one by making a </a:t>
-            </a:r>
-            <a:r>
               <a:rPr>
                 <a:latin typeface="Courier New"/>
                 <a:ea typeface="Courier New"/>
                 <a:cs typeface="Courier New"/>
                 <a:sym typeface="Courier New"/>
               </a:rPr>
-              <a:t>SELECT</a:t>
-            </a:r>
-            <a:r>
-              <a:t> query on it. The syntax is:</a:t>
+              <a:t>PRIMARY KEY</a:t>
+            </a:r>
+            <a:r>
+              <a:rPr>
+                <a:latin typeface="Avenir Book"/>
+                <a:ea typeface="Avenir Book"/>
+                <a:cs typeface="Avenir Book"/>
+                <a:sym typeface="Avenir Book"/>
+              </a:rPr>
+              <a:t>: a column, or group of columns, can be used as a unique identifier for rows in the table. This requires that the values be both unique and not null</a:t>
             </a:r>
           </a:p>
           <a:p>
             <a:pPr algn="l" defTabSz="2438400">
+              <a:lnSpc>
+                <a:spcPct val="110000"/>
+              </a:lnSpc>
               <a:defRPr sz="5200">
                 <a:solidFill>
-                  <a:srgbClr val="000000"/>
-                </a:solidFill>
-                <a:latin typeface="Courier New"/>
-                <a:ea typeface="Courier New"/>
-                <a:cs typeface="Courier New"/>
-                <a:sym typeface="Courier New"/>
-              </a:defRPr>
-            </a:pPr>
-          </a:p>
-          <a:p>
-            <a:pPr algn="l" defTabSz="2438400">
-              <a:defRPr sz="4600">
-                <a:solidFill>
-                  <a:srgbClr val="000000"/>
-                </a:solidFill>
-                <a:latin typeface="Courier New"/>
-                <a:ea typeface="Courier New"/>
-                <a:cs typeface="Courier New"/>
-                <a:sym typeface="Courier New"/>
-              </a:defRPr>
-            </a:pPr>
-            <a:r>
-              <a:t>CREATE TABLE {table_name} AS (</a:t>
-            </a:r>
+                  <a:srgbClr val="FFFFFF"/>
+                </a:solidFill>
+                <a:latin typeface="Arial"/>
+                <a:ea typeface="Arial"/>
+                <a:cs typeface="Arial"/>
+                <a:sym typeface="Arial"/>
+              </a:defRPr>
+            </a:pPr>
           </a:p>
           <a:p>
             <a:pPr lvl="1" algn="l" defTabSz="2438400">
-              <a:defRPr sz="4600">
-                <a:solidFill>
-                  <a:srgbClr val="000000"/>
-                </a:solidFill>
-                <a:latin typeface="Courier New"/>
-                <a:ea typeface="Courier New"/>
-                <a:cs typeface="Courier New"/>
-                <a:sym typeface="Courier New"/>
-              </a:defRPr>
-            </a:pPr>
-            <a:r>
-              <a:t>{SELECT_QUERY}</a:t>
-            </a:r>
-          </a:p>
-          <a:p>
-            <a:pPr algn="l" defTabSz="2438400">
-              <a:defRPr sz="4600">
-                <a:solidFill>
-                  <a:srgbClr val="000000"/>
-                </a:solidFill>
-                <a:latin typeface="Courier New"/>
-                <a:ea typeface="Courier New"/>
-                <a:cs typeface="Courier New"/>
-                <a:sym typeface="Courier New"/>
-              </a:defRPr>
-            </a:pPr>
-            <a:r>
-              <a:t>);</a:t>
-            </a:r>
-          </a:p>
-          <a:p>
-            <a:pPr algn="l" defTabSz="2438400">
-              <a:defRPr sz="4600">
-                <a:solidFill>
-                  <a:srgbClr val="000000"/>
-                </a:solidFill>
-                <a:latin typeface="Courier New"/>
-                <a:ea typeface="Courier New"/>
-                <a:cs typeface="Courier New"/>
-                <a:sym typeface="Courier New"/>
-              </a:defRPr>
-            </a:pPr>
-          </a:p>
-          <a:p>
-            <a:pPr algn="l" defTabSz="2438400">
-              <a:defRPr sz="4600">
-                <a:solidFill>
-                  <a:srgbClr val="000000"/>
-                </a:solidFill>
-                <a:latin typeface="Courier New"/>
-                <a:ea typeface="Courier New"/>
-                <a:cs typeface="Courier New"/>
-                <a:sym typeface="Courier New"/>
-              </a:defRPr>
-            </a:pPr>
-            <a:r>
-              <a:t>CREATE TABLE actor_short AS (</a:t>
+              <a:lnSpc>
+                <a:spcPct val="110000"/>
+              </a:lnSpc>
+              <a:defRPr sz="4400">
+                <a:solidFill>
+                  <a:srgbClr val="FFFFFF"/>
+                </a:solidFill>
+                <a:latin typeface="Courier New"/>
+                <a:ea typeface="Courier New"/>
+                <a:cs typeface="Courier New"/>
+                <a:sym typeface="Courier New"/>
+              </a:defRPr>
+            </a:pPr>
+            <a:r>
+              <a:t>CREATE TABLE movies (</a:t>
+            </a:r>
+          </a:p>
+          <a:p>
+            <a:pPr lvl="2" algn="l" defTabSz="2438400">
+              <a:lnSpc>
+                <a:spcPct val="110000"/>
+              </a:lnSpc>
+              <a:defRPr sz="4400">
+                <a:solidFill>
+                  <a:srgbClr val="FFFFFF"/>
+                </a:solidFill>
+                <a:latin typeface="Courier New"/>
+                <a:ea typeface="Courier New"/>
+                <a:cs typeface="Courier New"/>
+                <a:sym typeface="Courier New"/>
+              </a:defRPr>
+            </a:pPr>
+            <a:r>
+              <a:t> title VARCHAR(30) PRIMARY KEY,</a:t>
+            </a:r>
+          </a:p>
+          <a:p>
+            <a:pPr lvl="2" algn="l" defTabSz="2438400">
+              <a:lnSpc>
+                <a:spcPct val="110000"/>
+              </a:lnSpc>
+              <a:defRPr sz="4400">
+                <a:solidFill>
+                  <a:srgbClr val="FFFFFF"/>
+                </a:solidFill>
+                <a:latin typeface="Courier New"/>
+                <a:ea typeface="Courier New"/>
+                <a:cs typeface="Courier New"/>
+                <a:sym typeface="Courier New"/>
+              </a:defRPr>
+            </a:pPr>
+            <a:r>
+              <a:t> release_date DATE NOT NULL,</a:t>
+            </a:r>
+          </a:p>
+          <a:p>
+            <a:pPr lvl="2" algn="l" defTabSz="2438400">
+              <a:lnSpc>
+                <a:spcPct val="110000"/>
+              </a:lnSpc>
+              <a:defRPr sz="4400">
+                <a:solidFill>
+                  <a:srgbClr val="FFFFFF"/>
+                </a:solidFill>
+                <a:latin typeface="Courier New"/>
+                <a:ea typeface="Courier New"/>
+                <a:cs typeface="Courier New"/>
+                <a:sym typeface="Courier New"/>
+              </a:defRPr>
+            </a:pPr>
+            <a:r>
+              <a:t> premier_access DATE,</a:t>
+            </a:r>
+          </a:p>
+          <a:p>
+            <a:pPr lvl="2" algn="l" defTabSz="2438400">
+              <a:lnSpc>
+                <a:spcPct val="110000"/>
+              </a:lnSpc>
+              <a:defRPr sz="4400">
+                <a:solidFill>
+                  <a:srgbClr val="FFFFFF"/>
+                </a:solidFill>
+                <a:latin typeface="Courier New"/>
+                <a:ea typeface="Courier New"/>
+                <a:cs typeface="Courier New"/>
+                <a:sym typeface="Courier New"/>
+              </a:defRPr>
+            </a:pPr>
+            <a:r>
+              <a:t> minutes INT CONSTRAINT positive CHECK (minutes &gt; 0),</a:t>
+            </a:r>
+          </a:p>
+          <a:p>
+            <a:pPr lvl="2" algn="l" defTabSz="2438400">
+              <a:lnSpc>
+                <a:spcPct val="110000"/>
+              </a:lnSpc>
+              <a:defRPr sz="4400">
+                <a:solidFill>
+                  <a:srgbClr val="FFFFFF"/>
+                </a:solidFill>
+                <a:latin typeface="Courier New"/>
+                <a:ea typeface="Courier New"/>
+                <a:cs typeface="Courier New"/>
+                <a:sym typeface="Courier New"/>
+              </a:defRPr>
+            </a:pPr>
+            <a:r>
+              <a:t> CONSTRAINT valid_premier CHECK (release_date &gt; premier_access)</a:t>
             </a:r>
           </a:p>
           <a:p>
             <a:pPr lvl="1" algn="l" defTabSz="2438400">
-              <a:defRPr sz="4600">
-                <a:solidFill>
-                  <a:srgbClr val="000000"/>
-                </a:solidFill>
-                <a:latin typeface="Courier New"/>
-                <a:ea typeface="Courier New"/>
-                <a:cs typeface="Courier New"/>
-                <a:sym typeface="Courier New"/>
-              </a:defRPr>
-            </a:pPr>
-            <a:r>
-              <a:t>SELECT * FROM actor</a:t>
-            </a:r>
-          </a:p>
-          <a:p>
-            <a:pPr lvl="1" algn="l" defTabSz="2438400">
-              <a:defRPr sz="4600">
-                <a:solidFill>
-                  <a:srgbClr val="000000"/>
-                </a:solidFill>
-                <a:latin typeface="Courier New"/>
-                <a:ea typeface="Courier New"/>
-                <a:cs typeface="Courier New"/>
-                <a:sym typeface="Courier New"/>
-              </a:defRPr>
-            </a:pPr>
-            <a:r>
-              <a:t>LIMIT 10</a:t>
-            </a:r>
-          </a:p>
-          <a:p>
-            <a:pPr algn="l" defTabSz="2438400">
-              <a:defRPr sz="4600">
-                <a:solidFill>
-                  <a:srgbClr val="000000"/>
+              <a:lnSpc>
+                <a:spcPct val="110000"/>
+              </a:lnSpc>
+              <a:defRPr sz="4400">
+                <a:solidFill>
+                  <a:srgbClr val="FFFFFF"/>
                 </a:solidFill>
                 <a:latin typeface="Courier New"/>
                 <a:ea typeface="Courier New"/>
@@ -5447,88 +5701,38 @@
           <a:chExt cx="0" cy="0"/>
         </a:xfrm>
       </p:grpSpPr>
-      <p:sp>
-        <p:nvSpPr>
-          <p:cNvPr id="224" name="Google Shape;66;p14"/>
-          <p:cNvSpPr/>
+      <p:pic>
+        <p:nvPicPr>
+          <p:cNvPr id="225" name="5f461d116006137.6059ac1f3a043.jpg" descr="5f461d116006137.6059ac1f3a043.jpg"/>
+          <p:cNvPicPr>
+            <a:picLocks noChangeAspect="1"/>
+          </p:cNvPicPr>
           <p:nvPr/>
-        </p:nvSpPr>
+        </p:nvPicPr>
+        <p:blipFill>
+          <a:blip r:embed="rId2">
+            <a:extLst/>
+          </a:blip>
+          <a:stretch>
+            <a:fillRect/>
+          </a:stretch>
+        </p:blipFill>
         <p:spPr>
           <a:xfrm>
-            <a:off x="-189734" y="-1"/>
-            <a:ext cx="24908800" cy="3644001"/>
+            <a:off x="-77249" y="-2562010"/>
+            <a:ext cx="24538498" cy="16359000"/>
           </a:xfrm>
           <a:prstGeom prst="rect">
             <a:avLst/>
           </a:prstGeom>
-          <a:solidFill>
-            <a:srgbClr val="264190"/>
-          </a:solidFill>
-          <a:ln w="76200">
-            <a:solidFill>
-              <a:srgbClr val="000000"/>
-            </a:solidFill>
+          <a:ln w="12700">
+            <a:miter lim="400000"/>
           </a:ln>
         </p:spPr>
-        <p:txBody>
-          <a:bodyPr lIns="0" tIns="0" rIns="0" bIns="0" anchor="ctr"/>
-          <a:lstStyle/>
-          <a:p>
-            <a:pPr algn="l" defTabSz="2438400">
-              <a:defRPr sz="3600">
-                <a:solidFill>
-                  <a:srgbClr val="000000"/>
-                </a:solidFill>
-                <a:latin typeface="Arial"/>
-                <a:ea typeface="Arial"/>
-                <a:cs typeface="Arial"/>
-                <a:sym typeface="Arial"/>
-              </a:defRPr>
-            </a:pPr>
-          </a:p>
-        </p:txBody>
-      </p:sp>
+      </p:pic>
       <p:sp>
         <p:nvSpPr>
-          <p:cNvPr id="225" name="Google Shape;67;p14"/>
-          <p:cNvSpPr/>
-          <p:nvPr/>
-        </p:nvSpPr>
-        <p:spPr>
-          <a:xfrm>
-            <a:off x="-379401" y="3528600"/>
-            <a:ext cx="24966402" cy="1"/>
-          </a:xfrm>
-          <a:prstGeom prst="line">
-            <a:avLst/>
-          </a:prstGeom>
-          <a:ln w="76200">
-            <a:solidFill>
-              <a:srgbClr val="000000"/>
-            </a:solidFill>
-          </a:ln>
-        </p:spPr>
-        <p:txBody>
-          <a:bodyPr lIns="0" tIns="0" rIns="0" bIns="0"/>
-          <a:lstStyle/>
-          <a:p>
-            <a:pPr algn="l" defTabSz="2438400">
-              <a:defRPr sz="3600">
-                <a:solidFill>
-                  <a:srgbClr val="000000"/>
-                </a:solidFill>
-                <a:latin typeface="Arial"/>
-                <a:ea typeface="Arial"/>
-                <a:cs typeface="Arial"/>
-                <a:sym typeface="Arial"/>
-              </a:defRPr>
-            </a:pPr>
-          </a:p>
-        </p:txBody>
-      </p:sp>
-      <p:sp>
-        <p:nvSpPr>
-          <p:cNvPr id="226" name="2. Google Shape;68;p14"/>
+          <p:cNvPr id="226" name="Google Shape;55;p13"/>
           <p:cNvSpPr txBox="1"/>
           <p:nvPr>
             <p:ph type="title"/>
@@ -5536,28 +5740,32 @@
         </p:nvSpPr>
         <p:spPr>
           <a:xfrm>
-            <a:off x="903866" y="589508"/>
-            <a:ext cx="22721602" cy="2464984"/>
+            <a:off x="831199" y="531199"/>
+            <a:ext cx="22721602" cy="2640801"/>
           </a:xfrm>
           <a:prstGeom prst="rect">
             <a:avLst/>
           </a:prstGeom>
         </p:spPr>
         <p:txBody>
-          <a:bodyPr anchor="ctr"/>
+          <a:bodyPr/>
           <a:lstStyle>
-            <a:lvl1pPr>
-              <a:defRPr b="1" sz="12000">
-                <a:solidFill>
-                  <a:srgbClr val="FFFFFF"/>
-                </a:solidFill>
+            <a:lvl1pPr defTabSz="2194559">
+              <a:defRPr sz="12420">
+                <a:solidFill>
+                  <a:srgbClr val="FFFFFF"/>
+                </a:solidFill>
+                <a:latin typeface="Avenir Book"/>
+                <a:ea typeface="Avenir Book"/>
+                <a:cs typeface="Avenir Book"/>
+                <a:sym typeface="Avenir Book"/>
               </a:defRPr>
             </a:lvl1pPr>
           </a:lstStyle>
           <a:p>
             <a:pPr/>
             <a:r>
-              <a:t>Updating Tables</a:t>
+              <a:t>Creating Tables from SELECT</a:t>
             </a:r>
           </a:p>
         </p:txBody>
@@ -5571,7 +5779,7 @@
         <p:spPr>
           <a:xfrm>
             <a:off x="1105416" y="3652449"/>
-            <a:ext cx="22955042" cy="8249256"/>
+            <a:ext cx="21996769" cy="9192181"/>
           </a:xfrm>
           <a:prstGeom prst="rect">
             <a:avLst/>
@@ -5591,53 +5799,24 @@
           </a:bodyPr>
           <a:lstStyle/>
           <a:p>
-            <a:pPr marL="1059872" indent="-970972" algn="l" defTabSz="2438400">
+            <a:pPr marL="660400" indent="-660400" algn="l" defTabSz="2438400">
               <a:lnSpc>
                 <a:spcPct val="120000"/>
               </a:lnSpc>
-              <a:buClr>
-                <a:srgbClr val="000000"/>
-              </a:buClr>
-              <a:buSzPts val="5200"/>
-              <a:buFont typeface="Arial"/>
-              <a:buChar char="●"/>
+              <a:buSzPct val="123000"/>
+              <a:buChar char="•"/>
               <a:defRPr sz="5200">
                 <a:solidFill>
-                  <a:srgbClr val="000000"/>
-                </a:solidFill>
-                <a:latin typeface="Arial"/>
-                <a:ea typeface="Arial"/>
-                <a:cs typeface="Arial"/>
-                <a:sym typeface="Arial"/>
-              </a:defRPr>
-            </a:pPr>
-            <a:r>
-              <a:t>When updating a table, you can add or drop columns, add rows, or change data points.</a:t>
-            </a:r>
-          </a:p>
-          <a:p>
-            <a:pPr marL="1059872" indent="-970972" algn="l" defTabSz="2438400">
-              <a:lnSpc>
-                <a:spcPct val="120000"/>
-              </a:lnSpc>
-              <a:buClr>
-                <a:srgbClr val="000000"/>
-              </a:buClr>
-              <a:buSzPts val="5200"/>
-              <a:buFont typeface="Arial"/>
-              <a:buChar char="●"/>
-              <a:defRPr sz="5200">
-                <a:solidFill>
-                  <a:srgbClr val="000000"/>
-                </a:solidFill>
-                <a:latin typeface="Arial"/>
-                <a:ea typeface="Arial"/>
-                <a:cs typeface="Arial"/>
-                <a:sym typeface="Arial"/>
-              </a:defRPr>
-            </a:pPr>
-            <a:r>
-              <a:t>Manipulating columns is done using the </a:t>
+                  <a:srgbClr val="FFFFFF"/>
+                </a:solidFill>
+                <a:latin typeface="Avenir Book"/>
+                <a:ea typeface="Avenir Book"/>
+                <a:cs typeface="Avenir Book"/>
+                <a:sym typeface="Avenir Book"/>
+              </a:defRPr>
+            </a:pPr>
+            <a:r>
+              <a:t>When creating a table, we could use an existing one by making a </a:t>
             </a:r>
             <a:r>
               <a:rPr>
@@ -5646,17 +5825,17 @@
                 <a:cs typeface="Courier New"/>
                 <a:sym typeface="Courier New"/>
               </a:rPr>
-              <a:t>ALTER TABLE</a:t>
-            </a:r>
-            <a:r>
-              <a:t> statement. The syntax is as follows:</a:t>
+              <a:t>SELECT</a:t>
+            </a:r>
+            <a:r>
+              <a:t> query on it. The syntax is:</a:t>
             </a:r>
           </a:p>
           <a:p>
             <a:pPr algn="l" defTabSz="2438400">
               <a:defRPr sz="5200">
                 <a:solidFill>
-                  <a:srgbClr val="000000"/>
+                  <a:srgbClr val="FFFFFF"/>
                 </a:solidFill>
                 <a:latin typeface="Courier New"/>
                 <a:ea typeface="Courier New"/>
@@ -5667,41 +5846,57 @@
           </a:p>
           <a:p>
             <a:pPr algn="l" defTabSz="2438400">
-              <a:defRPr sz="4600">
-                <a:solidFill>
-                  <a:srgbClr val="000000"/>
-                </a:solidFill>
-                <a:latin typeface="Courier New"/>
-                <a:ea typeface="Courier New"/>
-                <a:cs typeface="Courier New"/>
-                <a:sym typeface="Courier New"/>
-              </a:defRPr>
-            </a:pPr>
-            <a:r>
-              <a:t>ALTER TABLE {table_name}</a:t>
+              <a:defRPr sz="5000">
+                <a:solidFill>
+                  <a:srgbClr val="FFFFFF"/>
+                </a:solidFill>
+                <a:latin typeface="Courier New"/>
+                <a:ea typeface="Courier New"/>
+                <a:cs typeface="Courier New"/>
+                <a:sym typeface="Courier New"/>
+              </a:defRPr>
+            </a:pPr>
+            <a:r>
+              <a:t>CREATE TABLE {table_name} AS (</a:t>
+            </a:r>
+          </a:p>
+          <a:p>
+            <a:pPr lvl="1" algn="l" defTabSz="2438400">
+              <a:defRPr sz="5000">
+                <a:solidFill>
+                  <a:srgbClr val="FFFFFF"/>
+                </a:solidFill>
+                <a:latin typeface="Courier New"/>
+                <a:ea typeface="Courier New"/>
+                <a:cs typeface="Courier New"/>
+                <a:sym typeface="Courier New"/>
+              </a:defRPr>
+            </a:pPr>
+            <a:r>
+              <a:t>{SELECT_QUERY}</a:t>
             </a:r>
           </a:p>
           <a:p>
             <a:pPr algn="l" defTabSz="2438400">
-              <a:defRPr sz="4600">
-                <a:solidFill>
-                  <a:srgbClr val="000000"/>
-                </a:solidFill>
-                <a:latin typeface="Courier New"/>
-                <a:ea typeface="Courier New"/>
-                <a:cs typeface="Courier New"/>
-                <a:sym typeface="Courier New"/>
-              </a:defRPr>
-            </a:pPr>
-            <a:r>
-              <a:t>  ADD COLUMN {column name} {data_type};</a:t>
+              <a:defRPr sz="5000">
+                <a:solidFill>
+                  <a:srgbClr val="FFFFFF"/>
+                </a:solidFill>
+                <a:latin typeface="Courier New"/>
+                <a:ea typeface="Courier New"/>
+                <a:cs typeface="Courier New"/>
+                <a:sym typeface="Courier New"/>
+              </a:defRPr>
+            </a:pPr>
+            <a:r>
+              <a:t>);</a:t>
             </a:r>
           </a:p>
           <a:p>
             <a:pPr algn="l" defTabSz="2438400">
-              <a:defRPr sz="4600">
-                <a:solidFill>
-                  <a:srgbClr val="000000"/>
+              <a:defRPr sz="5000">
+                <a:solidFill>
+                  <a:srgbClr val="FFFFFF"/>
                 </a:solidFill>
                 <a:latin typeface="Courier New"/>
                 <a:ea typeface="Courier New"/>
@@ -5712,34 +5907,66 @@
           </a:p>
           <a:p>
             <a:pPr algn="l" defTabSz="2438400">
-              <a:defRPr sz="4600">
-                <a:solidFill>
-                  <a:srgbClr val="000000"/>
-                </a:solidFill>
-                <a:latin typeface="Courier New"/>
-                <a:ea typeface="Courier New"/>
-                <a:cs typeface="Courier New"/>
-                <a:sym typeface="Courier New"/>
-              </a:defRPr>
-            </a:pPr>
-            <a:r>
-              <a:t>ALTER TABLE {table_name}</a:t>
+              <a:defRPr sz="5000">
+                <a:solidFill>
+                  <a:srgbClr val="FFFFFF"/>
+                </a:solidFill>
+                <a:latin typeface="Courier New"/>
+                <a:ea typeface="Courier New"/>
+                <a:cs typeface="Courier New"/>
+                <a:sym typeface="Courier New"/>
+              </a:defRPr>
+            </a:pPr>
+            <a:r>
+              <a:t>CREATE TABLE actor_short AS (</a:t>
+            </a:r>
+          </a:p>
+          <a:p>
+            <a:pPr lvl="1" algn="l" defTabSz="2438400">
+              <a:defRPr sz="5000">
+                <a:solidFill>
+                  <a:srgbClr val="FFFFFF"/>
+                </a:solidFill>
+                <a:latin typeface="Courier New"/>
+                <a:ea typeface="Courier New"/>
+                <a:cs typeface="Courier New"/>
+                <a:sym typeface="Courier New"/>
+              </a:defRPr>
+            </a:pPr>
+            <a:r>
+              <a:t>SELECT * FROM actor</a:t>
+            </a:r>
+          </a:p>
+          <a:p>
+            <a:pPr lvl="1" algn="l" defTabSz="2438400">
+              <a:defRPr sz="5000">
+                <a:solidFill>
+                  <a:srgbClr val="FFFFFF"/>
+                </a:solidFill>
+                <a:latin typeface="Courier New"/>
+                <a:ea typeface="Courier New"/>
+                <a:cs typeface="Courier New"/>
+                <a:sym typeface="Courier New"/>
+              </a:defRPr>
+            </a:pPr>
+            <a:r>
+              <a:t>LIMIT 10</a:t>
             </a:r>
           </a:p>
           <a:p>
             <a:pPr algn="l" defTabSz="2438400">
-              <a:defRPr sz="4600">
-                <a:solidFill>
-                  <a:srgbClr val="000000"/>
-                </a:solidFill>
-                <a:latin typeface="Courier New"/>
-                <a:ea typeface="Courier New"/>
-                <a:cs typeface="Courier New"/>
-                <a:sym typeface="Courier New"/>
-              </a:defRPr>
-            </a:pPr>
-            <a:r>
-              <a:t>  DROP COLUMN {column name};</a:t>
+              <a:defRPr sz="5000">
+                <a:solidFill>
+                  <a:srgbClr val="FFFFFF"/>
+                </a:solidFill>
+                <a:latin typeface="Courier New"/>
+                <a:ea typeface="Courier New"/>
+                <a:cs typeface="Courier New"/>
+                <a:sym typeface="Courier New"/>
+              </a:defRPr>
+            </a:pPr>
+            <a:r>
+              <a:t>);</a:t>
             </a:r>
           </a:p>
         </p:txBody>
@@ -5777,88 +6004,38 @@
           <a:chExt cx="0" cy="0"/>
         </a:xfrm>
       </p:grpSpPr>
-      <p:sp>
-        <p:nvSpPr>
-          <p:cNvPr id="229" name="Google Shape;66;p14"/>
-          <p:cNvSpPr/>
+      <p:pic>
+        <p:nvPicPr>
+          <p:cNvPr id="229" name="5f461d116006137.6059ac1f3a043.jpg" descr="5f461d116006137.6059ac1f3a043.jpg"/>
+          <p:cNvPicPr>
+            <a:picLocks noChangeAspect="1"/>
+          </p:cNvPicPr>
           <p:nvPr/>
-        </p:nvSpPr>
+        </p:nvPicPr>
+        <p:blipFill>
+          <a:blip r:embed="rId2">
+            <a:extLst/>
+          </a:blip>
+          <a:stretch>
+            <a:fillRect/>
+          </a:stretch>
+        </p:blipFill>
         <p:spPr>
           <a:xfrm>
-            <a:off x="-189734" y="-1"/>
-            <a:ext cx="24908800" cy="3644001"/>
+            <a:off x="-77249" y="-2562010"/>
+            <a:ext cx="24538498" cy="16359000"/>
           </a:xfrm>
           <a:prstGeom prst="rect">
             <a:avLst/>
           </a:prstGeom>
-          <a:solidFill>
-            <a:srgbClr val="264190"/>
-          </a:solidFill>
-          <a:ln w="76200">
-            <a:solidFill>
-              <a:srgbClr val="000000"/>
-            </a:solidFill>
+          <a:ln w="12700">
+            <a:miter lim="400000"/>
           </a:ln>
         </p:spPr>
-        <p:txBody>
-          <a:bodyPr lIns="0" tIns="0" rIns="0" bIns="0" anchor="ctr"/>
-          <a:lstStyle/>
-          <a:p>
-            <a:pPr algn="l" defTabSz="2438400">
-              <a:defRPr sz="3600">
-                <a:solidFill>
-                  <a:srgbClr val="000000"/>
-                </a:solidFill>
-                <a:latin typeface="Arial"/>
-                <a:ea typeface="Arial"/>
-                <a:cs typeface="Arial"/>
-                <a:sym typeface="Arial"/>
-              </a:defRPr>
-            </a:pPr>
-          </a:p>
-        </p:txBody>
-      </p:sp>
+      </p:pic>
       <p:sp>
         <p:nvSpPr>
-          <p:cNvPr id="230" name="Google Shape;67;p14"/>
-          <p:cNvSpPr/>
-          <p:nvPr/>
-        </p:nvSpPr>
-        <p:spPr>
-          <a:xfrm>
-            <a:off x="-379401" y="3528600"/>
-            <a:ext cx="24966402" cy="1"/>
-          </a:xfrm>
-          <a:prstGeom prst="line">
-            <a:avLst/>
-          </a:prstGeom>
-          <a:ln w="76200">
-            <a:solidFill>
-              <a:srgbClr val="000000"/>
-            </a:solidFill>
-          </a:ln>
-        </p:spPr>
-        <p:txBody>
-          <a:bodyPr lIns="0" tIns="0" rIns="0" bIns="0"/>
-          <a:lstStyle/>
-          <a:p>
-            <a:pPr algn="l" defTabSz="2438400">
-              <a:defRPr sz="3600">
-                <a:solidFill>
-                  <a:srgbClr val="000000"/>
-                </a:solidFill>
-                <a:latin typeface="Arial"/>
-                <a:ea typeface="Arial"/>
-                <a:cs typeface="Arial"/>
-                <a:sym typeface="Arial"/>
-              </a:defRPr>
-            </a:pPr>
-          </a:p>
-        </p:txBody>
-      </p:sp>
-      <p:sp>
-        <p:nvSpPr>
-          <p:cNvPr id="231" name="2. Google Shape;68;p14"/>
+          <p:cNvPr id="230" name="Google Shape;55;p13"/>
           <p:cNvSpPr txBox="1"/>
           <p:nvPr>
             <p:ph type="title"/>
@@ -5866,42 +6043,46 @@
         </p:nvSpPr>
         <p:spPr>
           <a:xfrm>
-            <a:off x="903866" y="589508"/>
-            <a:ext cx="22721602" cy="2464984"/>
+            <a:off x="831199" y="531199"/>
+            <a:ext cx="22721602" cy="2640801"/>
           </a:xfrm>
           <a:prstGeom prst="rect">
             <a:avLst/>
           </a:prstGeom>
         </p:spPr>
         <p:txBody>
-          <a:bodyPr anchor="ctr"/>
+          <a:bodyPr/>
           <a:lstStyle>
-            <a:lvl1pPr>
-              <a:defRPr b="1" sz="12000">
-                <a:solidFill>
-                  <a:srgbClr val="FFFFFF"/>
-                </a:solidFill>
+            <a:lvl1pPr defTabSz="2194559">
+              <a:defRPr sz="12420">
+                <a:solidFill>
+                  <a:srgbClr val="FFFFFF"/>
+                </a:solidFill>
+                <a:latin typeface="Avenir Book"/>
+                <a:ea typeface="Avenir Book"/>
+                <a:cs typeface="Avenir Book"/>
+                <a:sym typeface="Avenir Book"/>
               </a:defRPr>
             </a:lvl1pPr>
           </a:lstStyle>
           <a:p>
             <a:pPr/>
             <a:r>
-              <a:t>Add rows</a:t>
+              <a:t>Updating Tables</a:t>
             </a:r>
           </a:p>
         </p:txBody>
       </p:sp>
       <p:sp>
         <p:nvSpPr>
-          <p:cNvPr id="232" name="Google Shape;69;p14"/>
+          <p:cNvPr id="231" name="Google Shape;69;p14"/>
           <p:cNvSpPr txBox="1"/>
           <p:nvPr/>
         </p:nvSpPr>
         <p:spPr>
           <a:xfrm>
             <a:off x="1105416" y="3652449"/>
-            <a:ext cx="22955042" cy="8160619"/>
+            <a:ext cx="22955042" cy="9184562"/>
           </a:xfrm>
           <a:prstGeom prst="rect">
             <a:avLst/>
@@ -5921,19 +6102,36 @@
           </a:bodyPr>
           <a:lstStyle/>
           <a:p>
-            <a:pPr marL="1059872" indent="-970972" algn="l" defTabSz="2438400">
+            <a:pPr marL="660400" indent="-660400" algn="l" defTabSz="2438400">
               <a:lnSpc>
                 <a:spcPct val="120000"/>
               </a:lnSpc>
-              <a:buClr>
-                <a:srgbClr val="000000"/>
-              </a:buClr>
-              <a:buSzPts val="5200"/>
-              <a:buFont typeface="Arial"/>
-              <a:buChar char="●"/>
+              <a:buSzPct val="123000"/>
+              <a:buChar char="•"/>
               <a:defRPr sz="5200">
                 <a:solidFill>
-                  <a:srgbClr val="000000"/>
+                  <a:srgbClr val="FFFFFF"/>
+                </a:solidFill>
+                <a:latin typeface="Avenir Book"/>
+                <a:ea typeface="Avenir Book"/>
+                <a:cs typeface="Avenir Book"/>
+                <a:sym typeface="Avenir Book"/>
+              </a:defRPr>
+            </a:pPr>
+            <a:r>
+              <a:t>When updating a table, you can add or drop columns, add rows, or change data points.</a:t>
+            </a:r>
+          </a:p>
+          <a:p>
+            <a:pPr marL="660400" indent="-660400" algn="l" defTabSz="2438400">
+              <a:lnSpc>
+                <a:spcPct val="120000"/>
+              </a:lnSpc>
+              <a:buSzPct val="123000"/>
+              <a:buChar char="•"/>
+              <a:defRPr sz="5200">
+                <a:solidFill>
+                  <a:srgbClr val="FFFFFF"/>
                 </a:solidFill>
                 <a:latin typeface="Arial"/>
                 <a:ea typeface="Arial"/>
@@ -5942,26 +6140,38 @@
               </a:defRPr>
             </a:pPr>
             <a:r>
-              <a:t>We can add rows using the </a:t>
-            </a:r>
-            <a:r>
               <a:rPr>
-                <a:latin typeface="Courier New"/>
-                <a:ea typeface="Courier New"/>
-                <a:cs typeface="Courier New"/>
-                <a:sym typeface="Courier New"/>
+                <a:latin typeface="Avenir Book"/>
+                <a:ea typeface="Avenir Book"/>
+                <a:cs typeface="Avenir Book"/>
+                <a:sym typeface="Avenir Book"/>
               </a:rPr>
-              <a:t>INSERT INTO </a:t>
-            </a:r>
-            <a:r>
-              <a:t>statement. The syntax is:</a:t>
+              <a:t>Manipulating columns is done using the </a:t>
+            </a:r>
+            <a:r>
+              <a:rPr>
+                <a:latin typeface="Courier New"/>
+                <a:ea typeface="Courier New"/>
+                <a:cs typeface="Courier New"/>
+                <a:sym typeface="Courier New"/>
+              </a:rPr>
+              <a:t>ALTER TABLE </a:t>
+            </a:r>
+            <a:r>
+              <a:rPr>
+                <a:latin typeface="Avenir Book"/>
+                <a:ea typeface="Avenir Book"/>
+                <a:cs typeface="Avenir Book"/>
+                <a:sym typeface="Avenir Book"/>
+              </a:rPr>
+              <a:t>statement. The syntax is as follows:</a:t>
             </a:r>
           </a:p>
           <a:p>
             <a:pPr algn="l" defTabSz="2438400">
               <a:defRPr sz="5200">
                 <a:solidFill>
-                  <a:srgbClr val="000000"/>
+                  <a:srgbClr val="FFFFFF"/>
                 </a:solidFill>
                 <a:latin typeface="Courier New"/>
                 <a:ea typeface="Courier New"/>
@@ -5972,41 +6182,41 @@
           </a:p>
           <a:p>
             <a:pPr algn="l" defTabSz="2438400">
-              <a:defRPr sz="4600">
-                <a:solidFill>
-                  <a:srgbClr val="000000"/>
-                </a:solidFill>
-                <a:latin typeface="Courier New"/>
-                <a:ea typeface="Courier New"/>
-                <a:cs typeface="Courier New"/>
-                <a:sym typeface="Courier New"/>
-              </a:defRPr>
-            </a:pPr>
-            <a:r>
-              <a:t>INSERT INTO {table_name} ({column_1}, {column_2}, …)</a:t>
+              <a:defRPr sz="5000">
+                <a:solidFill>
+                  <a:srgbClr val="FFFFFF"/>
+                </a:solidFill>
+                <a:latin typeface="Courier New"/>
+                <a:ea typeface="Courier New"/>
+                <a:cs typeface="Courier New"/>
+                <a:sym typeface="Courier New"/>
+              </a:defRPr>
+            </a:pPr>
+            <a:r>
+              <a:t>ALTER TABLE {table_name}</a:t>
             </a:r>
           </a:p>
           <a:p>
             <a:pPr algn="l" defTabSz="2438400">
-              <a:defRPr sz="4600">
-                <a:solidFill>
-                  <a:srgbClr val="000000"/>
-                </a:solidFill>
-                <a:latin typeface="Courier New"/>
-                <a:ea typeface="Courier New"/>
-                <a:cs typeface="Courier New"/>
-                <a:sym typeface="Courier New"/>
-              </a:defRPr>
-            </a:pPr>
-            <a:r>
-              <a:t>VALUES ({column_1}, {column_2}, …);</a:t>
+              <a:defRPr sz="5000">
+                <a:solidFill>
+                  <a:srgbClr val="FFFFFF"/>
+                </a:solidFill>
+                <a:latin typeface="Courier New"/>
+                <a:ea typeface="Courier New"/>
+                <a:cs typeface="Courier New"/>
+                <a:sym typeface="Courier New"/>
+              </a:defRPr>
+            </a:pPr>
+            <a:r>
+              <a:t>  ADD COLUMN {column name} {data_type} {constraint};</a:t>
             </a:r>
           </a:p>
           <a:p>
             <a:pPr algn="l" defTabSz="2438400">
-              <a:defRPr sz="4600">
-                <a:solidFill>
-                  <a:srgbClr val="000000"/>
+              <a:defRPr sz="5000">
+                <a:solidFill>
+                  <a:srgbClr val="FFFFFF"/>
                 </a:solidFill>
                 <a:latin typeface="Courier New"/>
                 <a:ea typeface="Courier New"/>
@@ -6017,95 +6227,34 @@
           </a:p>
           <a:p>
             <a:pPr algn="l" defTabSz="2438400">
-              <a:defRPr sz="4600">
-                <a:solidFill>
-                  <a:srgbClr val="000000"/>
-                </a:solidFill>
-                <a:latin typeface="Courier New"/>
-                <a:ea typeface="Courier New"/>
-                <a:cs typeface="Courier New"/>
-                <a:sym typeface="Courier New"/>
-              </a:defRPr>
-            </a:pPr>
-            <a:r>
-              <a:t>INSERT INTO {table_name} ({column_1}, {column_2}, …)</a:t>
+              <a:defRPr sz="5000">
+                <a:solidFill>
+                  <a:srgbClr val="FFFFFF"/>
+                </a:solidFill>
+                <a:latin typeface="Courier New"/>
+                <a:ea typeface="Courier New"/>
+                <a:cs typeface="Courier New"/>
+                <a:sym typeface="Courier New"/>
+              </a:defRPr>
+            </a:pPr>
+            <a:r>
+              <a:t>ALTER TABLE {table_name}</a:t>
             </a:r>
           </a:p>
           <a:p>
             <a:pPr algn="l" defTabSz="2438400">
-              <a:defRPr sz="4600">
-                <a:solidFill>
-                  <a:srgbClr val="000000"/>
-                </a:solidFill>
-                <a:latin typeface="Courier New"/>
-                <a:ea typeface="Courier New"/>
-                <a:cs typeface="Courier New"/>
-                <a:sym typeface="Courier New"/>
-              </a:defRPr>
-            </a:pPr>
-            <a:r>
-              <a:t>{SELECT QUERY};</a:t>
-            </a:r>
-          </a:p>
-          <a:p>
-            <a:pPr algn="l" defTabSz="2438400">
-              <a:defRPr sz="4600">
-                <a:solidFill>
-                  <a:srgbClr val="000000"/>
-                </a:solidFill>
-                <a:latin typeface="Courier New"/>
-                <a:ea typeface="Courier New"/>
-                <a:cs typeface="Courier New"/>
-                <a:sym typeface="Courier New"/>
-              </a:defRPr>
-            </a:pPr>
-          </a:p>
-          <a:p>
-            <a:pPr algn="l" defTabSz="2438400">
-              <a:defRPr sz="4600">
-                <a:solidFill>
-                  <a:srgbClr val="000000"/>
-                </a:solidFill>
-                <a:latin typeface="Courier New"/>
-                <a:ea typeface="Courier New"/>
-                <a:cs typeface="Courier New"/>
-                <a:sym typeface="Courier New"/>
-              </a:defRPr>
-            </a:pPr>
-            <a:r>
-              <a:t>INSERT INTO actor_short</a:t>
-            </a:r>
-          </a:p>
-          <a:p>
-            <a:pPr algn="l" defTabSz="2438400">
-              <a:defRPr sz="4600">
-                <a:solidFill>
-                  <a:srgbClr val="000000"/>
-                </a:solidFill>
-                <a:latin typeface="Courier New"/>
-                <a:ea typeface="Courier New"/>
-                <a:cs typeface="Courier New"/>
-                <a:sym typeface="Courier New"/>
-              </a:defRPr>
-            </a:pPr>
-            <a:r>
-              <a:t>SELECT * FROM actor</a:t>
-            </a:r>
-          </a:p>
-          <a:p>
-            <a:pPr algn="l" defTabSz="2438400">
-              <a:defRPr sz="4600">
-                <a:solidFill>
-                  <a:srgbClr val="000000"/>
-                </a:solidFill>
-                <a:latin typeface="Courier New"/>
-                <a:ea typeface="Courier New"/>
-                <a:cs typeface="Courier New"/>
-                <a:sym typeface="Courier New"/>
-              </a:defRPr>
-            </a:pPr>
-            <a:r>
-              <a:t>WHERE first_name LIKE '%EN';</a:t>
+              <a:defRPr sz="5000">
+                <a:solidFill>
+                  <a:srgbClr val="FFFFFF"/>
+                </a:solidFill>
+                <a:latin typeface="Courier New"/>
+                <a:ea typeface="Courier New"/>
+                <a:cs typeface="Courier New"/>
+                <a:sym typeface="Courier New"/>
+              </a:defRPr>
+            </a:pPr>
+            <a:r>
+              <a:t>  DROP COLUMN {column name};</a:t>
             </a:r>
           </a:p>
         </p:txBody>
@@ -6143,88 +6292,38 @@
           <a:chExt cx="0" cy="0"/>
         </a:xfrm>
       </p:grpSpPr>
-      <p:sp>
-        <p:nvSpPr>
-          <p:cNvPr id="234" name="Google Shape;66;p14"/>
-          <p:cNvSpPr/>
+      <p:pic>
+        <p:nvPicPr>
+          <p:cNvPr id="233" name="5f461d116006137.6059ac1f3a043.jpg" descr="5f461d116006137.6059ac1f3a043.jpg"/>
+          <p:cNvPicPr>
+            <a:picLocks noChangeAspect="1"/>
+          </p:cNvPicPr>
           <p:nvPr/>
-        </p:nvSpPr>
+        </p:nvPicPr>
+        <p:blipFill>
+          <a:blip r:embed="rId2">
+            <a:extLst/>
+          </a:blip>
+          <a:stretch>
+            <a:fillRect/>
+          </a:stretch>
+        </p:blipFill>
         <p:spPr>
           <a:xfrm>
-            <a:off x="-189734" y="-1"/>
-            <a:ext cx="24908800" cy="3644001"/>
+            <a:off x="-77249" y="-2562010"/>
+            <a:ext cx="24538498" cy="16359000"/>
           </a:xfrm>
           <a:prstGeom prst="rect">
             <a:avLst/>
           </a:prstGeom>
-          <a:solidFill>
-            <a:srgbClr val="264190"/>
-          </a:solidFill>
-          <a:ln w="76200">
-            <a:solidFill>
-              <a:srgbClr val="000000"/>
-            </a:solidFill>
+          <a:ln w="12700">
+            <a:miter lim="400000"/>
           </a:ln>
         </p:spPr>
-        <p:txBody>
-          <a:bodyPr lIns="0" tIns="0" rIns="0" bIns="0" anchor="ctr"/>
-          <a:lstStyle/>
-          <a:p>
-            <a:pPr algn="l" defTabSz="2438400">
-              <a:defRPr sz="3600">
-                <a:solidFill>
-                  <a:srgbClr val="000000"/>
-                </a:solidFill>
-                <a:latin typeface="Arial"/>
-                <a:ea typeface="Arial"/>
-                <a:cs typeface="Arial"/>
-                <a:sym typeface="Arial"/>
-              </a:defRPr>
-            </a:pPr>
-          </a:p>
-        </p:txBody>
-      </p:sp>
+      </p:pic>
       <p:sp>
         <p:nvSpPr>
-          <p:cNvPr id="235" name="Google Shape;67;p14"/>
-          <p:cNvSpPr/>
-          <p:nvPr/>
-        </p:nvSpPr>
-        <p:spPr>
-          <a:xfrm>
-            <a:off x="-379401" y="3528600"/>
-            <a:ext cx="24966402" cy="1"/>
-          </a:xfrm>
-          <a:prstGeom prst="line">
-            <a:avLst/>
-          </a:prstGeom>
-          <a:ln w="76200">
-            <a:solidFill>
-              <a:srgbClr val="000000"/>
-            </a:solidFill>
-          </a:ln>
-        </p:spPr>
-        <p:txBody>
-          <a:bodyPr lIns="0" tIns="0" rIns="0" bIns="0"/>
-          <a:lstStyle/>
-          <a:p>
-            <a:pPr algn="l" defTabSz="2438400">
-              <a:defRPr sz="3600">
-                <a:solidFill>
-                  <a:srgbClr val="000000"/>
-                </a:solidFill>
-                <a:latin typeface="Arial"/>
-                <a:ea typeface="Arial"/>
-                <a:cs typeface="Arial"/>
-                <a:sym typeface="Arial"/>
-              </a:defRPr>
-            </a:pPr>
-          </a:p>
-        </p:txBody>
-      </p:sp>
-      <p:sp>
-        <p:nvSpPr>
-          <p:cNvPr id="236" name="2. Google Shape;68;p14"/>
+          <p:cNvPr id="234" name="Google Shape;55;p13"/>
           <p:cNvSpPr txBox="1"/>
           <p:nvPr>
             <p:ph type="title"/>
@@ -6232,42 +6331,46 @@
         </p:nvSpPr>
         <p:spPr>
           <a:xfrm>
-            <a:off x="903866" y="589508"/>
-            <a:ext cx="22721602" cy="2464984"/>
+            <a:off x="831199" y="531199"/>
+            <a:ext cx="22721602" cy="2640801"/>
           </a:xfrm>
           <a:prstGeom prst="rect">
             <a:avLst/>
           </a:prstGeom>
         </p:spPr>
         <p:txBody>
-          <a:bodyPr anchor="ctr"/>
+          <a:bodyPr/>
           <a:lstStyle>
-            <a:lvl1pPr>
-              <a:defRPr b="1" sz="12000">
-                <a:solidFill>
-                  <a:srgbClr val="FFFFFF"/>
-                </a:solidFill>
+            <a:lvl1pPr defTabSz="2194559">
+              <a:defRPr sz="12420">
+                <a:solidFill>
+                  <a:srgbClr val="FFFFFF"/>
+                </a:solidFill>
+                <a:latin typeface="Avenir Book"/>
+                <a:ea typeface="Avenir Book"/>
+                <a:cs typeface="Avenir Book"/>
+                <a:sym typeface="Avenir Book"/>
               </a:defRPr>
             </a:lvl1pPr>
           </a:lstStyle>
           <a:p>
             <a:pPr/>
             <a:r>
-              <a:t>Update rows</a:t>
+              <a:t>Adding Rows</a:t>
             </a:r>
           </a:p>
         </p:txBody>
       </p:sp>
       <p:sp>
         <p:nvSpPr>
-          <p:cNvPr id="237" name="Google Shape;69;p14"/>
+          <p:cNvPr id="235" name="Google Shape;69;p14"/>
           <p:cNvSpPr txBox="1"/>
           <p:nvPr/>
         </p:nvSpPr>
         <p:spPr>
           <a:xfrm>
             <a:off x="1105416" y="3652449"/>
-            <a:ext cx="22955042" cy="9140737"/>
+            <a:ext cx="22955042" cy="9062641"/>
           </a:xfrm>
           <a:prstGeom prst="rect">
             <a:avLst/>
@@ -6287,19 +6390,15 @@
           </a:bodyPr>
           <a:lstStyle/>
           <a:p>
-            <a:pPr marL="1059872" indent="-970972" algn="l" defTabSz="2438400">
+            <a:pPr marL="660400" indent="-660400" algn="l" defTabSz="2438400">
               <a:lnSpc>
                 <a:spcPct val="120000"/>
               </a:lnSpc>
-              <a:buClr>
-                <a:srgbClr val="000000"/>
-              </a:buClr>
-              <a:buSzPts val="5200"/>
-              <a:buFont typeface="Arial"/>
-              <a:buChar char="●"/>
+              <a:buSzPct val="123000"/>
+              <a:buChar char="•"/>
               <a:defRPr sz="5200">
                 <a:solidFill>
-                  <a:srgbClr val="000000"/>
+                  <a:srgbClr val="FFFFFF"/>
                 </a:solidFill>
                 <a:latin typeface="Arial"/>
                 <a:ea typeface="Arial"/>
@@ -6308,19 +6407,13 @@
               </a:defRPr>
             </a:pPr>
             <a:r>
-              <a:t>We can update rows using the </a:t>
-            </a:r>
-            <a:r>
               <a:rPr>
-                <a:latin typeface="Courier New"/>
-                <a:ea typeface="Courier New"/>
-                <a:cs typeface="Courier New"/>
-                <a:sym typeface="Courier New"/>
+                <a:latin typeface="Avenir Book"/>
+                <a:ea typeface="Avenir Book"/>
+                <a:cs typeface="Avenir Book"/>
+                <a:sym typeface="Avenir Book"/>
               </a:rPr>
-              <a:t>UPDATE </a:t>
-            </a:r>
-            <a:r>
-              <a:t>statement. We need to tell the query what column to </a:t>
+              <a:t>We can add rows using the </a:t>
             </a:r>
             <a:r>
               <a:rPr>
@@ -6329,29 +6422,23 @@
                 <a:cs typeface="Courier New"/>
                 <a:sym typeface="Courier New"/>
               </a:rPr>
-              <a:t>SET </a:t>
-            </a:r>
-            <a:r>
-              <a:t>given a </a:t>
+              <a:t>INSERT INTO </a:t>
             </a:r>
             <a:r>
               <a:rPr>
-                <a:latin typeface="Courier New"/>
-                <a:ea typeface="Courier New"/>
-                <a:cs typeface="Courier New"/>
-                <a:sym typeface="Courier New"/>
+                <a:latin typeface="Avenir Book"/>
+                <a:ea typeface="Avenir Book"/>
+                <a:cs typeface="Avenir Book"/>
+                <a:sym typeface="Avenir Book"/>
               </a:rPr>
-              <a:t>WHERE</a:t>
-            </a:r>
-            <a:r>
-              <a:t> condition:</a:t>
+              <a:t>statement. The syntax is:</a:t>
             </a:r>
           </a:p>
           <a:p>
             <a:pPr algn="l" defTabSz="2438400">
               <a:defRPr sz="5200">
                 <a:solidFill>
-                  <a:srgbClr val="000000"/>
+                  <a:srgbClr val="FFFFFF"/>
                 </a:solidFill>
                 <a:latin typeface="Courier New"/>
                 <a:ea typeface="Courier New"/>
@@ -6362,143 +6449,140 @@
           </a:p>
           <a:p>
             <a:pPr algn="l" defTabSz="2438400">
-              <a:defRPr sz="4600">
-                <a:solidFill>
-                  <a:srgbClr val="000000"/>
-                </a:solidFill>
-                <a:latin typeface="Courier New"/>
-                <a:ea typeface="Courier New"/>
-                <a:cs typeface="Courier New"/>
-                <a:sym typeface="Courier New"/>
-              </a:defRPr>
-            </a:pPr>
-            <a:r>
-              <a:t>UPDATE {table_name}</a:t>
+              <a:defRPr sz="5200">
+                <a:solidFill>
+                  <a:srgbClr val="FFFFFF"/>
+                </a:solidFill>
+                <a:latin typeface="Courier New"/>
+                <a:ea typeface="Courier New"/>
+                <a:cs typeface="Courier New"/>
+                <a:sym typeface="Courier New"/>
+              </a:defRPr>
+            </a:pPr>
+            <a:r>
+              <a:t>INSERT INTO {table_name} ({column_1}, {column_2}, …)</a:t>
             </a:r>
           </a:p>
           <a:p>
             <a:pPr algn="l" defTabSz="2438400">
-              <a:defRPr sz="4600">
-                <a:solidFill>
-                  <a:srgbClr val="000000"/>
-                </a:solidFill>
-                <a:latin typeface="Courier New"/>
-                <a:ea typeface="Courier New"/>
-                <a:cs typeface="Courier New"/>
-                <a:sym typeface="Courier New"/>
-              </a:defRPr>
-            </a:pPr>
-            <a:r>
-              <a:t>SET {column_1} = {column_value_1}</a:t>
-            </a:r>
-          </a:p>
-          <a:p>
-            <a:pPr lvl="3" algn="l" defTabSz="2438400">
-              <a:defRPr sz="4600">
-                <a:solidFill>
-                  <a:srgbClr val="000000"/>
-                </a:solidFill>
-                <a:latin typeface="Courier New"/>
-                <a:ea typeface="Courier New"/>
-                <a:cs typeface="Courier New"/>
-                <a:sym typeface="Courier New"/>
-              </a:defRPr>
-            </a:pPr>
-            <a:r>
-              <a:t>{column_2} = {column_value_2}</a:t>
-            </a:r>
-          </a:p>
-          <a:p>
-            <a:pPr lvl="3" algn="l" defTabSz="2438400">
-              <a:defRPr sz="4600">
-                <a:solidFill>
-                  <a:srgbClr val="000000"/>
-                </a:solidFill>
-                <a:latin typeface="Courier New"/>
-                <a:ea typeface="Courier New"/>
-                <a:cs typeface="Courier New"/>
-                <a:sym typeface="Courier New"/>
-              </a:defRPr>
-            </a:pPr>
-            <a:r>
-              <a:t>…</a:t>
+              <a:defRPr sz="5200">
+                <a:solidFill>
+                  <a:srgbClr val="FFFFFF"/>
+                </a:solidFill>
+                <a:latin typeface="Courier New"/>
+                <a:ea typeface="Courier New"/>
+                <a:cs typeface="Courier New"/>
+                <a:sym typeface="Courier New"/>
+              </a:defRPr>
+            </a:pPr>
+            <a:r>
+              <a:t>VALUES ({column_1}, {column_2}, …);</a:t>
             </a:r>
           </a:p>
           <a:p>
             <a:pPr algn="l" defTabSz="2438400">
-              <a:defRPr sz="4600">
-                <a:solidFill>
-                  <a:srgbClr val="000000"/>
-                </a:solidFill>
-                <a:latin typeface="Courier New"/>
-                <a:ea typeface="Courier New"/>
-                <a:cs typeface="Courier New"/>
-                <a:sym typeface="Courier New"/>
-              </a:defRPr>
-            </a:pPr>
-            <a:r>
-              <a:t>WHERE {condition}</a:t>
-            </a:r>
+              <a:defRPr sz="5200">
+                <a:solidFill>
+                  <a:srgbClr val="FFFFFF"/>
+                </a:solidFill>
+                <a:latin typeface="Courier New"/>
+                <a:ea typeface="Courier New"/>
+                <a:cs typeface="Courier New"/>
+                <a:sym typeface="Courier New"/>
+              </a:defRPr>
+            </a:pPr>
           </a:p>
           <a:p>
             <a:pPr algn="l" defTabSz="2438400">
-              <a:defRPr sz="4600">
-                <a:solidFill>
-                  <a:srgbClr val="000000"/>
-                </a:solidFill>
-                <a:latin typeface="Courier New"/>
-                <a:ea typeface="Courier New"/>
-                <a:cs typeface="Courier New"/>
-                <a:sym typeface="Courier New"/>
-              </a:defRPr>
-            </a:pPr>
+              <a:defRPr sz="5200">
+                <a:solidFill>
+                  <a:srgbClr val="FFFFFF"/>
+                </a:solidFill>
+                <a:latin typeface="Courier New"/>
+                <a:ea typeface="Courier New"/>
+                <a:cs typeface="Courier New"/>
+                <a:sym typeface="Courier New"/>
+              </a:defRPr>
+            </a:pPr>
+            <a:r>
+              <a:t>INSERT INTO {table_name} ({column_1}, {column_2}, …)</a:t>
+            </a:r>
           </a:p>
           <a:p>
             <a:pPr algn="l" defTabSz="2438400">
-              <a:defRPr sz="4600">
-                <a:solidFill>
-                  <a:srgbClr val="000000"/>
-                </a:solidFill>
-                <a:latin typeface="Courier New"/>
-                <a:ea typeface="Courier New"/>
-                <a:cs typeface="Courier New"/>
-                <a:sym typeface="Courier New"/>
-              </a:defRPr>
-            </a:pPr>
-            <a:r>
-              <a:t>UPDATE actor_short</a:t>
+              <a:defRPr sz="5200">
+                <a:solidFill>
+                  <a:srgbClr val="FFFFFF"/>
+                </a:solidFill>
+                <a:latin typeface="Courier New"/>
+                <a:ea typeface="Courier New"/>
+                <a:cs typeface="Courier New"/>
+                <a:sym typeface="Courier New"/>
+              </a:defRPr>
+            </a:pPr>
+            <a:r>
+              <a:t>{SELECT QUERY};</a:t>
             </a:r>
           </a:p>
           <a:p>
             <a:pPr algn="l" defTabSz="2438400">
-              <a:defRPr sz="4600">
-                <a:solidFill>
-                  <a:srgbClr val="000000"/>
-                </a:solidFill>
-                <a:latin typeface="Courier New"/>
-                <a:ea typeface="Courier New"/>
-                <a:cs typeface="Courier New"/>
-                <a:sym typeface="Courier New"/>
-              </a:defRPr>
-            </a:pPr>
-            <a:r>
-              <a:t>SET last_name = ‘AFFLECK’</a:t>
-            </a:r>
+              <a:defRPr sz="5200">
+                <a:solidFill>
+                  <a:srgbClr val="FFFFFF"/>
+                </a:solidFill>
+                <a:latin typeface="Courier New"/>
+                <a:ea typeface="Courier New"/>
+                <a:cs typeface="Courier New"/>
+                <a:sym typeface="Courier New"/>
+              </a:defRPr>
+            </a:pPr>
           </a:p>
           <a:p>
             <a:pPr algn="l" defTabSz="2438400">
-              <a:defRPr sz="4600">
-                <a:solidFill>
-                  <a:srgbClr val="000000"/>
-                </a:solidFill>
-                <a:latin typeface="Courier New"/>
-                <a:ea typeface="Courier New"/>
-                <a:cs typeface="Courier New"/>
-                <a:sym typeface="Courier New"/>
-              </a:defRPr>
-            </a:pPr>
-            <a:r>
-              <a:t>WHERE first_name = ‘BEN’</a:t>
+              <a:defRPr sz="5200">
+                <a:solidFill>
+                  <a:srgbClr val="FFFFFF"/>
+                </a:solidFill>
+                <a:latin typeface="Courier New"/>
+                <a:ea typeface="Courier New"/>
+                <a:cs typeface="Courier New"/>
+                <a:sym typeface="Courier New"/>
+              </a:defRPr>
+            </a:pPr>
+            <a:r>
+              <a:t>INSERT INTO actor_short</a:t>
+            </a:r>
+          </a:p>
+          <a:p>
+            <a:pPr algn="l" defTabSz="2438400">
+              <a:defRPr sz="5200">
+                <a:solidFill>
+                  <a:srgbClr val="FFFFFF"/>
+                </a:solidFill>
+                <a:latin typeface="Courier New"/>
+                <a:ea typeface="Courier New"/>
+                <a:cs typeface="Courier New"/>
+                <a:sym typeface="Courier New"/>
+              </a:defRPr>
+            </a:pPr>
+            <a:r>
+              <a:t>SELECT * FROM actor</a:t>
+            </a:r>
+          </a:p>
+          <a:p>
+            <a:pPr algn="l" defTabSz="2438400">
+              <a:defRPr sz="5200">
+                <a:solidFill>
+                  <a:srgbClr val="FFFFFF"/>
+                </a:solidFill>
+                <a:latin typeface="Courier New"/>
+                <a:ea typeface="Courier New"/>
+                <a:cs typeface="Courier New"/>
+                <a:sym typeface="Courier New"/>
+              </a:defRPr>
+            </a:pPr>
+            <a:r>
+              <a:t>WHERE first_name LIKE '%EN';</a:t>
             </a:r>
           </a:p>
         </p:txBody>
@@ -6536,88 +6620,38 @@
           <a:chExt cx="0" cy="0"/>
         </a:xfrm>
       </p:grpSpPr>
-      <p:sp>
-        <p:nvSpPr>
-          <p:cNvPr id="239" name="Google Shape;66;p14"/>
-          <p:cNvSpPr/>
+      <p:pic>
+        <p:nvPicPr>
+          <p:cNvPr id="237" name="5f461d116006137.6059ac1f3a043.jpg" descr="5f461d116006137.6059ac1f3a043.jpg"/>
+          <p:cNvPicPr>
+            <a:picLocks noChangeAspect="1"/>
+          </p:cNvPicPr>
           <p:nvPr/>
-        </p:nvSpPr>
+        </p:nvPicPr>
+        <p:blipFill>
+          <a:blip r:embed="rId2">
+            <a:extLst/>
+          </a:blip>
+          <a:stretch>
+            <a:fillRect/>
+          </a:stretch>
+        </p:blipFill>
         <p:spPr>
           <a:xfrm>
-            <a:off x="-189734" y="-1"/>
-            <a:ext cx="24908800" cy="3644001"/>
+            <a:off x="-77249" y="-2562010"/>
+            <a:ext cx="24538498" cy="16359000"/>
           </a:xfrm>
           <a:prstGeom prst="rect">
             <a:avLst/>
           </a:prstGeom>
-          <a:solidFill>
-            <a:srgbClr val="264190"/>
-          </a:solidFill>
-          <a:ln w="76200">
-            <a:solidFill>
-              <a:srgbClr val="000000"/>
-            </a:solidFill>
+          <a:ln w="12700">
+            <a:miter lim="400000"/>
           </a:ln>
         </p:spPr>
-        <p:txBody>
-          <a:bodyPr lIns="0" tIns="0" rIns="0" bIns="0" anchor="ctr"/>
-          <a:lstStyle/>
-          <a:p>
-            <a:pPr algn="l" defTabSz="2438400">
-              <a:defRPr sz="3600">
-                <a:solidFill>
-                  <a:srgbClr val="000000"/>
-                </a:solidFill>
-                <a:latin typeface="Arial"/>
-                <a:ea typeface="Arial"/>
-                <a:cs typeface="Arial"/>
-                <a:sym typeface="Arial"/>
-              </a:defRPr>
-            </a:pPr>
-          </a:p>
-        </p:txBody>
-      </p:sp>
+      </p:pic>
       <p:sp>
         <p:nvSpPr>
-          <p:cNvPr id="240" name="Google Shape;67;p14"/>
-          <p:cNvSpPr/>
-          <p:nvPr/>
-        </p:nvSpPr>
-        <p:spPr>
-          <a:xfrm>
-            <a:off x="-379401" y="3528600"/>
-            <a:ext cx="24966402" cy="1"/>
-          </a:xfrm>
-          <a:prstGeom prst="line">
-            <a:avLst/>
-          </a:prstGeom>
-          <a:ln w="76200">
-            <a:solidFill>
-              <a:srgbClr val="000000"/>
-            </a:solidFill>
-          </a:ln>
-        </p:spPr>
-        <p:txBody>
-          <a:bodyPr lIns="0" tIns="0" rIns="0" bIns="0"/>
-          <a:lstStyle/>
-          <a:p>
-            <a:pPr algn="l" defTabSz="2438400">
-              <a:defRPr sz="3600">
-                <a:solidFill>
-                  <a:srgbClr val="000000"/>
-                </a:solidFill>
-                <a:latin typeface="Arial"/>
-                <a:ea typeface="Arial"/>
-                <a:cs typeface="Arial"/>
-                <a:sym typeface="Arial"/>
-              </a:defRPr>
-            </a:pPr>
-          </a:p>
-        </p:txBody>
-      </p:sp>
-      <p:sp>
-        <p:nvSpPr>
-          <p:cNvPr id="241" name="2. Google Shape;68;p14"/>
+          <p:cNvPr id="238" name="Google Shape;55;p13"/>
           <p:cNvSpPr txBox="1"/>
           <p:nvPr>
             <p:ph type="title"/>
@@ -6625,42 +6659,46 @@
         </p:nvSpPr>
         <p:spPr>
           <a:xfrm>
-            <a:off x="903866" y="589508"/>
-            <a:ext cx="22721602" cy="2464984"/>
+            <a:off x="831199" y="531199"/>
+            <a:ext cx="22721602" cy="2640801"/>
           </a:xfrm>
           <a:prstGeom prst="rect">
             <a:avLst/>
           </a:prstGeom>
         </p:spPr>
         <p:txBody>
-          <a:bodyPr anchor="ctr"/>
+          <a:bodyPr/>
           <a:lstStyle>
-            <a:lvl1pPr>
-              <a:defRPr b="1" sz="12000">
-                <a:solidFill>
-                  <a:srgbClr val="FFFFFF"/>
-                </a:solidFill>
+            <a:lvl1pPr defTabSz="2194559">
+              <a:defRPr sz="12420">
+                <a:solidFill>
+                  <a:srgbClr val="FFFFFF"/>
+                </a:solidFill>
+                <a:latin typeface="Avenir Book"/>
+                <a:ea typeface="Avenir Book"/>
+                <a:cs typeface="Avenir Book"/>
+                <a:sym typeface="Avenir Book"/>
               </a:defRPr>
             </a:lvl1pPr>
           </a:lstStyle>
           <a:p>
             <a:pPr/>
             <a:r>
-              <a:t>Update rows</a:t>
+              <a:t>Updating Rows</a:t>
             </a:r>
           </a:p>
         </p:txBody>
       </p:sp>
       <p:sp>
         <p:nvSpPr>
-          <p:cNvPr id="242" name="Google Shape;69;p14"/>
+          <p:cNvPr id="239" name="Google Shape;69;p14"/>
           <p:cNvSpPr txBox="1"/>
           <p:nvPr/>
         </p:nvSpPr>
         <p:spPr>
           <a:xfrm>
             <a:off x="1105416" y="3652449"/>
-            <a:ext cx="22955042" cy="6109380"/>
+            <a:ext cx="22955042" cy="9344581"/>
           </a:xfrm>
           <a:prstGeom prst="rect">
             <a:avLst/>
@@ -6680,19 +6718,15 @@
           </a:bodyPr>
           <a:lstStyle/>
           <a:p>
-            <a:pPr marL="1059872" indent="-970972" algn="l" defTabSz="2438400">
+            <a:pPr marL="660400" indent="-660400" algn="l" defTabSz="2438400">
               <a:lnSpc>
                 <a:spcPct val="120000"/>
               </a:lnSpc>
-              <a:buClr>
-                <a:srgbClr val="000000"/>
-              </a:buClr>
-              <a:buSzPts val="5200"/>
-              <a:buFont typeface="Arial"/>
-              <a:buChar char="●"/>
+              <a:buSzPct val="123000"/>
+              <a:buChar char="•"/>
               <a:defRPr sz="5200">
                 <a:solidFill>
-                  <a:srgbClr val="000000"/>
+                  <a:srgbClr val="FFFFFF"/>
                 </a:solidFill>
                 <a:latin typeface="Arial"/>
                 <a:ea typeface="Arial"/>
@@ -6701,14 +6735,74 @@
               </a:defRPr>
             </a:pPr>
             <a:r>
-              <a:t>You can use the same statement to delete values in a row</a:t>
+              <a:rPr>
+                <a:latin typeface="Avenir Book"/>
+                <a:ea typeface="Avenir Book"/>
+                <a:cs typeface="Avenir Book"/>
+                <a:sym typeface="Avenir Book"/>
+              </a:rPr>
+              <a:t>We can update rows using the </a:t>
+            </a:r>
+            <a:r>
+              <a:rPr>
+                <a:latin typeface="Courier New"/>
+                <a:ea typeface="Courier New"/>
+                <a:cs typeface="Courier New"/>
+                <a:sym typeface="Courier New"/>
+              </a:rPr>
+              <a:t>UPDATE</a:t>
+            </a:r>
+            <a:r>
+              <a:rPr>
+                <a:latin typeface="Avenir Book"/>
+                <a:ea typeface="Avenir Book"/>
+                <a:cs typeface="Avenir Book"/>
+                <a:sym typeface="Avenir Book"/>
+              </a:rPr>
+              <a:t> statement. We need to tell the query what column to </a:t>
+            </a:r>
+            <a:r>
+              <a:rPr>
+                <a:latin typeface="Courier New"/>
+                <a:ea typeface="Courier New"/>
+                <a:cs typeface="Courier New"/>
+                <a:sym typeface="Courier New"/>
+              </a:rPr>
+              <a:t>SET</a:t>
+            </a:r>
+            <a:r>
+              <a:rPr>
+                <a:latin typeface="Avenir Book"/>
+                <a:ea typeface="Avenir Book"/>
+                <a:cs typeface="Avenir Book"/>
+                <a:sym typeface="Avenir Book"/>
+              </a:rPr>
+              <a:t> given a </a:t>
+            </a:r>
+            <a:r>
+              <a:rPr>
+                <a:latin typeface="Courier New"/>
+                <a:ea typeface="Courier New"/>
+                <a:cs typeface="Courier New"/>
+                <a:sym typeface="Courier New"/>
+              </a:rPr>
+              <a:t>WHERE</a:t>
+            </a:r>
+            <a:r>
+              <a:rPr>
+                <a:latin typeface="Avenir Book"/>
+                <a:ea typeface="Avenir Book"/>
+                <a:cs typeface="Avenir Book"/>
+                <a:sym typeface="Avenir Book"/>
+              </a:rPr>
+              <a:t> condition:</a:t>
             </a:r>
           </a:p>
           <a:p>
             <a:pPr algn="l" defTabSz="2438400">
               <a:defRPr sz="5200">
                 <a:solidFill>
-                  <a:srgbClr val="000000"/>
+                  <a:srgbClr val="FFFFFF"/>
                 </a:solidFill>
                 <a:latin typeface="Courier New"/>
                 <a:ea typeface="Courier New"/>
@@ -6721,7 +6815,7 @@
             <a:pPr algn="l" defTabSz="2438400">
               <a:defRPr sz="4600">
                 <a:solidFill>
-                  <a:srgbClr val="000000"/>
+                  <a:srgbClr val="FFFFFF"/>
                 </a:solidFill>
                 <a:latin typeface="Courier New"/>
                 <a:ea typeface="Courier New"/>
@@ -6737,39 +6831,39 @@
             <a:pPr algn="l" defTabSz="2438400">
               <a:defRPr sz="4600">
                 <a:solidFill>
-                  <a:srgbClr val="000000"/>
-                </a:solidFill>
-                <a:latin typeface="Courier New"/>
-                <a:ea typeface="Courier New"/>
-                <a:cs typeface="Courier New"/>
-                <a:sym typeface="Courier New"/>
-              </a:defRPr>
-            </a:pPr>
-            <a:r>
-              <a:t>SET {column_1} = NULL</a:t>
+                  <a:srgbClr val="FFFFFF"/>
+                </a:solidFill>
+                <a:latin typeface="Courier New"/>
+                <a:ea typeface="Courier New"/>
+                <a:cs typeface="Courier New"/>
+                <a:sym typeface="Courier New"/>
+              </a:defRPr>
+            </a:pPr>
+            <a:r>
+              <a:t>SET {column_1} = {column_value_1}</a:t>
             </a:r>
           </a:p>
           <a:p>
             <a:pPr lvl="3" algn="l" defTabSz="2438400">
               <a:defRPr sz="4600">
                 <a:solidFill>
-                  <a:srgbClr val="000000"/>
-                </a:solidFill>
-                <a:latin typeface="Courier New"/>
-                <a:ea typeface="Courier New"/>
-                <a:cs typeface="Courier New"/>
-                <a:sym typeface="Courier New"/>
-              </a:defRPr>
-            </a:pPr>
-            <a:r>
-              <a:t>{column_2} = NULL</a:t>
+                  <a:srgbClr val="FFFFFF"/>
+                </a:solidFill>
+                <a:latin typeface="Courier New"/>
+                <a:ea typeface="Courier New"/>
+                <a:cs typeface="Courier New"/>
+                <a:sym typeface="Courier New"/>
+              </a:defRPr>
+            </a:pPr>
+            <a:r>
+              <a:t>{column_2} = {column_value_2}</a:t>
             </a:r>
           </a:p>
           <a:p>
             <a:pPr lvl="3" algn="l" defTabSz="2438400">
               <a:defRPr sz="4600">
                 <a:solidFill>
-                  <a:srgbClr val="000000"/>
+                  <a:srgbClr val="FFFFFF"/>
                 </a:solidFill>
                 <a:latin typeface="Courier New"/>
                 <a:ea typeface="Courier New"/>
@@ -6785,7 +6879,7 @@
             <a:pPr algn="l" defTabSz="2438400">
               <a:defRPr sz="4600">
                 <a:solidFill>
-                  <a:srgbClr val="000000"/>
+                  <a:srgbClr val="FFFFFF"/>
                 </a:solidFill>
                 <a:latin typeface="Courier New"/>
                 <a:ea typeface="Courier New"/>
@@ -6795,6 +6889,67 @@
             </a:pPr>
             <a:r>
               <a:t>WHERE {condition}</a:t>
+            </a:r>
+          </a:p>
+          <a:p>
+            <a:pPr algn="l" defTabSz="2438400">
+              <a:defRPr sz="4600">
+                <a:solidFill>
+                  <a:srgbClr val="FFFFFF"/>
+                </a:solidFill>
+                <a:latin typeface="Courier New"/>
+                <a:ea typeface="Courier New"/>
+                <a:cs typeface="Courier New"/>
+                <a:sym typeface="Courier New"/>
+              </a:defRPr>
+            </a:pPr>
+          </a:p>
+          <a:p>
+            <a:pPr algn="l" defTabSz="2438400">
+              <a:defRPr sz="4600">
+                <a:solidFill>
+                  <a:srgbClr val="FFFFFF"/>
+                </a:solidFill>
+                <a:latin typeface="Courier New"/>
+                <a:ea typeface="Courier New"/>
+                <a:cs typeface="Courier New"/>
+                <a:sym typeface="Courier New"/>
+              </a:defRPr>
+            </a:pPr>
+            <a:r>
+              <a:t>UPDATE actor_short</a:t>
+            </a:r>
+          </a:p>
+          <a:p>
+            <a:pPr algn="l" defTabSz="2438400">
+              <a:defRPr sz="4600">
+                <a:solidFill>
+                  <a:srgbClr val="FFFFFF"/>
+                </a:solidFill>
+                <a:latin typeface="Courier New"/>
+                <a:ea typeface="Courier New"/>
+                <a:cs typeface="Courier New"/>
+                <a:sym typeface="Courier New"/>
+              </a:defRPr>
+            </a:pPr>
+            <a:r>
+              <a:t>SET last_name = ‘AFFLECK’</a:t>
+            </a:r>
+          </a:p>
+          <a:p>
+            <a:pPr algn="l" defTabSz="2438400">
+              <a:defRPr sz="4600">
+                <a:solidFill>
+                  <a:srgbClr val="FFFFFF"/>
+                </a:solidFill>
+                <a:latin typeface="Courier New"/>
+                <a:ea typeface="Courier New"/>
+                <a:cs typeface="Courier New"/>
+                <a:sym typeface="Courier New"/>
+              </a:defRPr>
+            </a:pPr>
+            <a:r>
+              <a:t>WHERE first_name = ‘BEN’</a:t>
             </a:r>
           </a:p>
         </p:txBody>
@@ -6832,88 +6987,38 @@
           <a:chExt cx="0" cy="0"/>
         </a:xfrm>
       </p:grpSpPr>
-      <p:sp>
-        <p:nvSpPr>
-          <p:cNvPr id="244" name="Google Shape;66;p14"/>
-          <p:cNvSpPr/>
+      <p:pic>
+        <p:nvPicPr>
+          <p:cNvPr id="241" name="5f461d116006137.6059ac1f3a043.jpg" descr="5f461d116006137.6059ac1f3a043.jpg"/>
+          <p:cNvPicPr>
+            <a:picLocks noChangeAspect="1"/>
+          </p:cNvPicPr>
           <p:nvPr/>
-        </p:nvSpPr>
+        </p:nvPicPr>
+        <p:blipFill>
+          <a:blip r:embed="rId2">
+            <a:extLst/>
+          </a:blip>
+          <a:stretch>
+            <a:fillRect/>
+          </a:stretch>
+        </p:blipFill>
         <p:spPr>
           <a:xfrm>
-            <a:off x="-189734" y="-1"/>
-            <a:ext cx="24908800" cy="3644001"/>
+            <a:off x="-77249" y="-2562010"/>
+            <a:ext cx="24538498" cy="16359000"/>
           </a:xfrm>
           <a:prstGeom prst="rect">
             <a:avLst/>
           </a:prstGeom>
-          <a:solidFill>
-            <a:srgbClr val="264190"/>
-          </a:solidFill>
-          <a:ln w="76200">
-            <a:solidFill>
-              <a:srgbClr val="000000"/>
-            </a:solidFill>
+          <a:ln w="12700">
+            <a:miter lim="400000"/>
           </a:ln>
         </p:spPr>
-        <p:txBody>
-          <a:bodyPr lIns="0" tIns="0" rIns="0" bIns="0" anchor="ctr"/>
-          <a:lstStyle/>
-          <a:p>
-            <a:pPr algn="l" defTabSz="2438400">
-              <a:defRPr sz="3600">
-                <a:solidFill>
-                  <a:srgbClr val="000000"/>
-                </a:solidFill>
-                <a:latin typeface="Arial"/>
-                <a:ea typeface="Arial"/>
-                <a:cs typeface="Arial"/>
-                <a:sym typeface="Arial"/>
-              </a:defRPr>
-            </a:pPr>
-          </a:p>
-        </p:txBody>
-      </p:sp>
+      </p:pic>
       <p:sp>
         <p:nvSpPr>
-          <p:cNvPr id="245" name="Google Shape;67;p14"/>
-          <p:cNvSpPr/>
-          <p:nvPr/>
-        </p:nvSpPr>
-        <p:spPr>
-          <a:xfrm>
-            <a:off x="-379401" y="3528600"/>
-            <a:ext cx="24966402" cy="1"/>
-          </a:xfrm>
-          <a:prstGeom prst="line">
-            <a:avLst/>
-          </a:prstGeom>
-          <a:ln w="76200">
-            <a:solidFill>
-              <a:srgbClr val="000000"/>
-            </a:solidFill>
-          </a:ln>
-        </p:spPr>
-        <p:txBody>
-          <a:bodyPr lIns="0" tIns="0" rIns="0" bIns="0"/>
-          <a:lstStyle/>
-          <a:p>
-            <a:pPr algn="l" defTabSz="2438400">
-              <a:defRPr sz="3600">
-                <a:solidFill>
-                  <a:srgbClr val="000000"/>
-                </a:solidFill>
-                <a:latin typeface="Arial"/>
-                <a:ea typeface="Arial"/>
-                <a:cs typeface="Arial"/>
-                <a:sym typeface="Arial"/>
-              </a:defRPr>
-            </a:pPr>
-          </a:p>
-        </p:txBody>
-      </p:sp>
-      <p:sp>
-        <p:nvSpPr>
-          <p:cNvPr id="246" name="2. Google Shape;68;p14"/>
+          <p:cNvPr id="242" name="Google Shape;55;p13"/>
           <p:cNvSpPr txBox="1"/>
           <p:nvPr>
             <p:ph type="title"/>
@@ -6921,42 +7026,46 @@
         </p:nvSpPr>
         <p:spPr>
           <a:xfrm>
-            <a:off x="903866" y="589508"/>
-            <a:ext cx="22721602" cy="2464984"/>
+            <a:off x="831199" y="531199"/>
+            <a:ext cx="22721602" cy="2640801"/>
           </a:xfrm>
           <a:prstGeom prst="rect">
             <a:avLst/>
           </a:prstGeom>
         </p:spPr>
         <p:txBody>
-          <a:bodyPr anchor="ctr"/>
+          <a:bodyPr/>
           <a:lstStyle>
-            <a:lvl1pPr>
-              <a:defRPr b="1" sz="12000">
-                <a:solidFill>
-                  <a:srgbClr val="FFFFFF"/>
-                </a:solidFill>
+            <a:lvl1pPr defTabSz="2194559">
+              <a:defRPr sz="12420">
+                <a:solidFill>
+                  <a:srgbClr val="FFFFFF"/>
+                </a:solidFill>
+                <a:latin typeface="Avenir Book"/>
+                <a:ea typeface="Avenir Book"/>
+                <a:cs typeface="Avenir Book"/>
+                <a:sym typeface="Avenir Book"/>
               </a:defRPr>
             </a:lvl1pPr>
           </a:lstStyle>
           <a:p>
             <a:pPr/>
             <a:r>
-              <a:t>Deleting</a:t>
+              <a:t>Updating Rows</a:t>
             </a:r>
           </a:p>
         </p:txBody>
       </p:sp>
       <p:sp>
         <p:nvSpPr>
-          <p:cNvPr id="247" name="Google Shape;69;p14"/>
+          <p:cNvPr id="243" name="Google Shape;69;p14"/>
           <p:cNvSpPr txBox="1"/>
           <p:nvPr/>
         </p:nvSpPr>
         <p:spPr>
           <a:xfrm>
             <a:off x="1105416" y="3652449"/>
-            <a:ext cx="22955042" cy="6359060"/>
+            <a:ext cx="22955042" cy="6281341"/>
           </a:xfrm>
           <a:prstGeom prst="rect">
             <a:avLst/>
@@ -6976,60 +7085,31 @@
           </a:bodyPr>
           <a:lstStyle/>
           <a:p>
-            <a:pPr marL="1059872" indent="-970972" algn="l" defTabSz="2438400">
+            <a:pPr marL="660400" indent="-660400" algn="l" defTabSz="2438400">
               <a:lnSpc>
                 <a:spcPct val="120000"/>
               </a:lnSpc>
-              <a:buClr>
-                <a:srgbClr val="000000"/>
-              </a:buClr>
-              <a:buSzPts val="5200"/>
-              <a:buFont typeface="Arial"/>
-              <a:buChar char="●"/>
+              <a:buSzPct val="123000"/>
+              <a:buChar char="•"/>
               <a:defRPr sz="5200">
                 <a:solidFill>
-                  <a:srgbClr val="000000"/>
-                </a:solidFill>
-                <a:latin typeface="Arial"/>
-                <a:ea typeface="Arial"/>
-                <a:cs typeface="Arial"/>
-                <a:sym typeface="Arial"/>
-              </a:defRPr>
-            </a:pPr>
-            <a:r>
-              <a:t>You can delete rows, the content of a table, or a whole table</a:t>
-            </a:r>
-          </a:p>
-          <a:p>
-            <a:pPr marL="1059872" indent="-970972" algn="l" defTabSz="2438400">
-              <a:lnSpc>
-                <a:spcPct val="120000"/>
-              </a:lnSpc>
-              <a:buClr>
-                <a:srgbClr val="000000"/>
-              </a:buClr>
-              <a:buSzPts val="5200"/>
-              <a:buFont typeface="Arial"/>
-              <a:buChar char="●"/>
-              <a:defRPr sz="5200">
-                <a:solidFill>
-                  <a:srgbClr val="000000"/>
-                </a:solidFill>
-                <a:latin typeface="Arial"/>
-                <a:ea typeface="Arial"/>
-                <a:cs typeface="Arial"/>
-                <a:sym typeface="Arial"/>
-              </a:defRPr>
-            </a:pPr>
-            <a:r>
-              <a:t>The syntax for deleting a row is:</a:t>
+                  <a:srgbClr val="FFFFFF"/>
+                </a:solidFill>
+                <a:latin typeface="Avenir Book"/>
+                <a:ea typeface="Avenir Book"/>
+                <a:cs typeface="Avenir Book"/>
+                <a:sym typeface="Avenir Book"/>
+              </a:defRPr>
+            </a:pPr>
+            <a:r>
+              <a:t>You can use the same statement to delete values in a row</a:t>
             </a:r>
           </a:p>
           <a:p>
             <a:pPr algn="l" defTabSz="2438400">
               <a:defRPr sz="5200">
                 <a:solidFill>
-                  <a:srgbClr val="000000"/>
+                  <a:srgbClr val="FFFFFF"/>
                 </a:solidFill>
                 <a:latin typeface="Courier New"/>
                 <a:ea typeface="Courier New"/>
@@ -7042,77 +7122,80 @@
             <a:pPr algn="l" defTabSz="2438400">
               <a:defRPr sz="4600">
                 <a:solidFill>
-                  <a:srgbClr val="000000"/>
-                </a:solidFill>
-                <a:latin typeface="Courier New"/>
-                <a:ea typeface="Courier New"/>
-                <a:cs typeface="Courier New"/>
-                <a:sym typeface="Courier New"/>
-              </a:defRPr>
-            </a:pPr>
-            <a:r>
-              <a:t>DELETE FROM {table_name}</a:t>
+                  <a:srgbClr val="FFFFFF"/>
+                </a:solidFill>
+                <a:latin typeface="Courier New"/>
+                <a:ea typeface="Courier New"/>
+                <a:cs typeface="Courier New"/>
+                <a:sym typeface="Courier New"/>
+              </a:defRPr>
+            </a:pPr>
+            <a:r>
+              <a:t>UPDATE {table_name}</a:t>
             </a:r>
           </a:p>
           <a:p>
             <a:pPr algn="l" defTabSz="2438400">
               <a:defRPr sz="4600">
                 <a:solidFill>
-                  <a:srgbClr val="000000"/>
-                </a:solidFill>
-                <a:latin typeface="Courier New"/>
-                <a:ea typeface="Courier New"/>
-                <a:cs typeface="Courier New"/>
-                <a:sym typeface="Courier New"/>
-              </a:defRPr>
-            </a:pPr>
-            <a:r>
-              <a:t>WHERE {conditional};</a:t>
+                  <a:srgbClr val="FFFFFF"/>
+                </a:solidFill>
+                <a:latin typeface="Courier New"/>
+                <a:ea typeface="Courier New"/>
+                <a:cs typeface="Courier New"/>
+                <a:sym typeface="Courier New"/>
+              </a:defRPr>
+            </a:pPr>
+            <a:r>
+              <a:t>SET {column_1} = NULL</a:t>
+            </a:r>
+          </a:p>
+          <a:p>
+            <a:pPr lvl="3" algn="l" defTabSz="2438400">
+              <a:defRPr sz="4600">
+                <a:solidFill>
+                  <a:srgbClr val="FFFFFF"/>
+                </a:solidFill>
+                <a:latin typeface="Courier New"/>
+                <a:ea typeface="Courier New"/>
+                <a:cs typeface="Courier New"/>
+                <a:sym typeface="Courier New"/>
+              </a:defRPr>
+            </a:pPr>
+            <a:r>
+              <a:t>{column_2} = NULL</a:t>
+            </a:r>
+          </a:p>
+          <a:p>
+            <a:pPr lvl="3" algn="l" defTabSz="2438400">
+              <a:defRPr sz="4600">
+                <a:solidFill>
+                  <a:srgbClr val="FFFFFF"/>
+                </a:solidFill>
+                <a:latin typeface="Courier New"/>
+                <a:ea typeface="Courier New"/>
+                <a:cs typeface="Courier New"/>
+                <a:sym typeface="Courier New"/>
+              </a:defRPr>
+            </a:pPr>
+            <a:r>
+              <a:t>…</a:t>
             </a:r>
           </a:p>
           <a:p>
             <a:pPr algn="l" defTabSz="2438400">
               <a:defRPr sz="4600">
                 <a:solidFill>
-                  <a:srgbClr val="000000"/>
-                </a:solidFill>
-                <a:latin typeface="Courier New"/>
-                <a:ea typeface="Courier New"/>
-                <a:cs typeface="Courier New"/>
-                <a:sym typeface="Courier New"/>
-              </a:defRPr>
-            </a:pPr>
-          </a:p>
-          <a:p>
-            <a:pPr algn="l" defTabSz="2438400">
-              <a:defRPr sz="4600">
-                <a:solidFill>
-                  <a:srgbClr val="000000"/>
-                </a:solidFill>
-                <a:latin typeface="Courier New"/>
-                <a:ea typeface="Courier New"/>
-                <a:cs typeface="Courier New"/>
-                <a:sym typeface="Courier New"/>
-              </a:defRPr>
-            </a:pPr>
-            <a:r>
-              <a:t>DELETE FROM actor_short</a:t>
-            </a:r>
-          </a:p>
-          <a:p>
-            <a:pPr algn="l" defTabSz="2438400">
-              <a:defRPr sz="4600">
-                <a:solidFill>
-                  <a:srgbClr val="000000"/>
-                </a:solidFill>
-                <a:latin typeface="Courier New"/>
-                <a:ea typeface="Courier New"/>
-                <a:cs typeface="Courier New"/>
-                <a:sym typeface="Courier New"/>
-              </a:defRPr>
-            </a:pPr>
-            <a:r>
-              <a:t>WHERE actor_id = 83;</a:t>
+                  <a:srgbClr val="FFFFFF"/>
+                </a:solidFill>
+                <a:latin typeface="Courier New"/>
+                <a:ea typeface="Courier New"/>
+                <a:cs typeface="Courier New"/>
+                <a:sym typeface="Courier New"/>
+              </a:defRPr>
+            </a:pPr>
+            <a:r>
+              <a:t>WHERE {condition}</a:t>
             </a:r>
           </a:p>
         </p:txBody>
@@ -7150,88 +7233,38 @@
           <a:chExt cx="0" cy="0"/>
         </a:xfrm>
       </p:grpSpPr>
-      <p:sp>
-        <p:nvSpPr>
-          <p:cNvPr id="249" name="Google Shape;66;p14"/>
-          <p:cNvSpPr/>
+      <p:pic>
+        <p:nvPicPr>
+          <p:cNvPr id="245" name="5f461d116006137.6059ac1f3a043.jpg" descr="5f461d116006137.6059ac1f3a043.jpg"/>
+          <p:cNvPicPr>
+            <a:picLocks noChangeAspect="1"/>
+          </p:cNvPicPr>
           <p:nvPr/>
-        </p:nvSpPr>
+        </p:nvPicPr>
+        <p:blipFill>
+          <a:blip r:embed="rId2">
+            <a:extLst/>
+          </a:blip>
+          <a:stretch>
+            <a:fillRect/>
+          </a:stretch>
+        </p:blipFill>
         <p:spPr>
           <a:xfrm>
-            <a:off x="-189734" y="-1"/>
-            <a:ext cx="24908800" cy="3644001"/>
+            <a:off x="-77249" y="-2562010"/>
+            <a:ext cx="24538498" cy="16359000"/>
           </a:xfrm>
           <a:prstGeom prst="rect">
             <a:avLst/>
           </a:prstGeom>
-          <a:solidFill>
-            <a:srgbClr val="264190"/>
-          </a:solidFill>
-          <a:ln w="76200">
-            <a:solidFill>
-              <a:srgbClr val="000000"/>
-            </a:solidFill>
+          <a:ln w="12700">
+            <a:miter lim="400000"/>
           </a:ln>
         </p:spPr>
-        <p:txBody>
-          <a:bodyPr lIns="0" tIns="0" rIns="0" bIns="0" anchor="ctr"/>
-          <a:lstStyle/>
-          <a:p>
-            <a:pPr algn="l" defTabSz="2438400">
-              <a:defRPr sz="3600">
-                <a:solidFill>
-                  <a:srgbClr val="000000"/>
-                </a:solidFill>
-                <a:latin typeface="Arial"/>
-                <a:ea typeface="Arial"/>
-                <a:cs typeface="Arial"/>
-                <a:sym typeface="Arial"/>
-              </a:defRPr>
-            </a:pPr>
-          </a:p>
-        </p:txBody>
-      </p:sp>
+      </p:pic>
       <p:sp>
         <p:nvSpPr>
-          <p:cNvPr id="250" name="Google Shape;67;p14"/>
-          <p:cNvSpPr/>
-          <p:nvPr/>
-        </p:nvSpPr>
-        <p:spPr>
-          <a:xfrm>
-            <a:off x="-379401" y="3528600"/>
-            <a:ext cx="24966402" cy="1"/>
-          </a:xfrm>
-          <a:prstGeom prst="line">
-            <a:avLst/>
-          </a:prstGeom>
-          <a:ln w="76200">
-            <a:solidFill>
-              <a:srgbClr val="000000"/>
-            </a:solidFill>
-          </a:ln>
-        </p:spPr>
-        <p:txBody>
-          <a:bodyPr lIns="0" tIns="0" rIns="0" bIns="0"/>
-          <a:lstStyle/>
-          <a:p>
-            <a:pPr algn="l" defTabSz="2438400">
-              <a:defRPr sz="3600">
-                <a:solidFill>
-                  <a:srgbClr val="000000"/>
-                </a:solidFill>
-                <a:latin typeface="Arial"/>
-                <a:ea typeface="Arial"/>
-                <a:cs typeface="Arial"/>
-                <a:sym typeface="Arial"/>
-              </a:defRPr>
-            </a:pPr>
-          </a:p>
-        </p:txBody>
-      </p:sp>
-      <p:sp>
-        <p:nvSpPr>
-          <p:cNvPr id="251" name="2. Google Shape;68;p14"/>
+          <p:cNvPr id="246" name="Google Shape;55;p13"/>
           <p:cNvSpPr txBox="1"/>
           <p:nvPr>
             <p:ph type="title"/>
@@ -7239,42 +7272,46 @@
         </p:nvSpPr>
         <p:spPr>
           <a:xfrm>
-            <a:off x="903866" y="589508"/>
-            <a:ext cx="22721602" cy="2464984"/>
+            <a:off x="831199" y="531199"/>
+            <a:ext cx="22721602" cy="2640801"/>
           </a:xfrm>
           <a:prstGeom prst="rect">
             <a:avLst/>
           </a:prstGeom>
         </p:spPr>
         <p:txBody>
-          <a:bodyPr anchor="ctr"/>
+          <a:bodyPr/>
           <a:lstStyle>
-            <a:lvl1pPr>
-              <a:defRPr b="1" sz="12000">
-                <a:solidFill>
-                  <a:srgbClr val="FFFFFF"/>
-                </a:solidFill>
+            <a:lvl1pPr defTabSz="2194559">
+              <a:defRPr sz="12420">
+                <a:solidFill>
+                  <a:srgbClr val="FFFFFF"/>
+                </a:solidFill>
+                <a:latin typeface="Avenir Book"/>
+                <a:ea typeface="Avenir Book"/>
+                <a:cs typeface="Avenir Book"/>
+                <a:sym typeface="Avenir Book"/>
               </a:defRPr>
             </a:lvl1pPr>
           </a:lstStyle>
           <a:p>
             <a:pPr/>
             <a:r>
-              <a:t>Deleting</a:t>
+              <a:t>Deleting Rows</a:t>
             </a:r>
           </a:p>
         </p:txBody>
       </p:sp>
       <p:sp>
         <p:nvSpPr>
-          <p:cNvPr id="252" name="Google Shape;69;p14"/>
+          <p:cNvPr id="247" name="Google Shape;69;p14"/>
           <p:cNvSpPr txBox="1"/>
           <p:nvPr/>
         </p:nvSpPr>
         <p:spPr>
           <a:xfrm>
             <a:off x="1105416" y="3652449"/>
-            <a:ext cx="22955042" cy="8589939"/>
+            <a:ext cx="22955042" cy="6702981"/>
           </a:xfrm>
           <a:prstGeom prst="rect">
             <a:avLst/>
@@ -7294,35 +7331,52 @@
           </a:bodyPr>
           <a:lstStyle/>
           <a:p>
-            <a:pPr marL="1059872" indent="-970972" algn="l" defTabSz="2438400">
+            <a:pPr marL="660400" indent="-660400" algn="l" defTabSz="2438400">
               <a:lnSpc>
                 <a:spcPct val="120000"/>
               </a:lnSpc>
-              <a:buClr>
-                <a:srgbClr val="000000"/>
-              </a:buClr>
-              <a:buSzPts val="5200"/>
-              <a:buFont typeface="Arial"/>
-              <a:buChar char="●"/>
+              <a:buSzPct val="123000"/>
+              <a:buChar char="•"/>
               <a:defRPr sz="5200">
                 <a:solidFill>
-                  <a:srgbClr val="000000"/>
-                </a:solidFill>
-                <a:latin typeface="Arial"/>
-                <a:ea typeface="Arial"/>
-                <a:cs typeface="Arial"/>
-                <a:sym typeface="Arial"/>
-              </a:defRPr>
-            </a:pPr>
-            <a:r>
-              <a:t>The syntax for deleting the content of the table is:</a:t>
+                  <a:srgbClr val="FFFFFF"/>
+                </a:solidFill>
+                <a:latin typeface="Avenir Book"/>
+                <a:ea typeface="Avenir Book"/>
+                <a:cs typeface="Avenir Book"/>
+                <a:sym typeface="Avenir Book"/>
+              </a:defRPr>
+            </a:pPr>
+            <a:r>
+              <a:t>You can delete rows, the content of a table, or a whole table</a:t>
+            </a:r>
+          </a:p>
+          <a:p>
+            <a:pPr marL="660400" indent="-660400" algn="l" defTabSz="2438400">
+              <a:lnSpc>
+                <a:spcPct val="120000"/>
+              </a:lnSpc>
+              <a:buSzPct val="123000"/>
+              <a:buChar char="•"/>
+              <a:defRPr sz="5200">
+                <a:solidFill>
+                  <a:srgbClr val="FFFFFF"/>
+                </a:solidFill>
+                <a:latin typeface="Avenir Book"/>
+                <a:ea typeface="Avenir Book"/>
+                <a:cs typeface="Avenir Book"/>
+                <a:sym typeface="Avenir Book"/>
+              </a:defRPr>
+            </a:pPr>
+            <a:r>
+              <a:t>The syntax for deleting a row is:</a:t>
             </a:r>
           </a:p>
           <a:p>
             <a:pPr algn="l" defTabSz="2438400">
               <a:defRPr sz="5200">
                 <a:solidFill>
-                  <a:srgbClr val="000000"/>
+                  <a:srgbClr val="FFFFFF"/>
                 </a:solidFill>
                 <a:latin typeface="Courier New"/>
                 <a:ea typeface="Courier New"/>
@@ -7335,144 +7389,77 @@
             <a:pPr algn="l" defTabSz="2438400">
               <a:defRPr sz="4600">
                 <a:solidFill>
-                  <a:srgbClr val="000000"/>
-                </a:solidFill>
-                <a:latin typeface="Courier New"/>
-                <a:ea typeface="Courier New"/>
-                <a:cs typeface="Courier New"/>
-                <a:sym typeface="Courier New"/>
-              </a:defRPr>
-            </a:pPr>
-            <a:r>
-              <a:t>DELETE FROM {table name}</a:t>
+                  <a:srgbClr val="FFFFFF"/>
+                </a:solidFill>
+                <a:latin typeface="Courier New"/>
+                <a:ea typeface="Courier New"/>
+                <a:cs typeface="Courier New"/>
+                <a:sym typeface="Courier New"/>
+              </a:defRPr>
+            </a:pPr>
+            <a:r>
+              <a:t>DELETE FROM {table_name}</a:t>
             </a:r>
           </a:p>
           <a:p>
             <a:pPr algn="l" defTabSz="2438400">
               <a:defRPr sz="4600">
                 <a:solidFill>
-                  <a:srgbClr val="000000"/>
-                </a:solidFill>
-                <a:latin typeface="Courier New"/>
-                <a:ea typeface="Courier New"/>
-                <a:cs typeface="Courier New"/>
-                <a:sym typeface="Courier New"/>
-              </a:defRPr>
-            </a:pPr>
+                  <a:srgbClr val="FFFFFF"/>
+                </a:solidFill>
+                <a:latin typeface="Courier New"/>
+                <a:ea typeface="Courier New"/>
+                <a:cs typeface="Courier New"/>
+                <a:sym typeface="Courier New"/>
+              </a:defRPr>
+            </a:pPr>
+            <a:r>
+              <a:t>WHERE {conditional};</a:t>
+            </a:r>
           </a:p>
           <a:p>
             <a:pPr algn="l" defTabSz="2438400">
               <a:defRPr sz="4600">
                 <a:solidFill>
-                  <a:srgbClr val="000000"/>
-                </a:solidFill>
-                <a:latin typeface="Courier New"/>
-                <a:ea typeface="Courier New"/>
-                <a:cs typeface="Courier New"/>
-                <a:sym typeface="Courier New"/>
-              </a:defRPr>
-            </a:pPr>
-            <a:r>
-              <a:t>DELETE FROM actor_short</a:t>
-            </a:r>
+                  <a:srgbClr val="FFFFFF"/>
+                </a:solidFill>
+                <a:latin typeface="Courier New"/>
+                <a:ea typeface="Courier New"/>
+                <a:cs typeface="Courier New"/>
+                <a:sym typeface="Courier New"/>
+              </a:defRPr>
+            </a:pPr>
           </a:p>
           <a:p>
             <a:pPr algn="l" defTabSz="2438400">
               <a:defRPr sz="4600">
                 <a:solidFill>
-                  <a:srgbClr val="000000"/>
-                </a:solidFill>
-                <a:latin typeface="Courier New"/>
-                <a:ea typeface="Courier New"/>
-                <a:cs typeface="Courier New"/>
-                <a:sym typeface="Courier New"/>
-              </a:defRPr>
-            </a:pPr>
-          </a:p>
-          <a:p>
-            <a:pPr marL="1059872" indent="-970972" algn="l" defTabSz="2438400">
-              <a:lnSpc>
-                <a:spcPct val="120000"/>
-              </a:lnSpc>
-              <a:buClr>
-                <a:srgbClr val="000000"/>
-              </a:buClr>
-              <a:buSzPts val="5200"/>
-              <a:buFont typeface="Arial"/>
-              <a:buChar char="●"/>
-              <a:defRPr sz="5200">
-                <a:solidFill>
-                  <a:srgbClr val="000000"/>
-                </a:solidFill>
-                <a:latin typeface="Arial"/>
-                <a:ea typeface="Arial"/>
-                <a:cs typeface="Arial"/>
-                <a:sym typeface="Arial"/>
-              </a:defRPr>
-            </a:pPr>
-            <a:r>
-              <a:t>The syntax for deleting the whole table is:</a:t>
-            </a:r>
-          </a:p>
-          <a:p>
-            <a:pPr algn="l" defTabSz="2438400">
-              <a:lnSpc>
-                <a:spcPct val="120000"/>
-              </a:lnSpc>
-              <a:defRPr sz="5200">
-                <a:solidFill>
-                  <a:srgbClr val="000000"/>
-                </a:solidFill>
-                <a:latin typeface="Arial"/>
-                <a:ea typeface="Arial"/>
-                <a:cs typeface="Arial"/>
-                <a:sym typeface="Arial"/>
-              </a:defRPr>
-            </a:pPr>
+                  <a:srgbClr val="FFFFFF"/>
+                </a:solidFill>
+                <a:latin typeface="Courier New"/>
+                <a:ea typeface="Courier New"/>
+                <a:cs typeface="Courier New"/>
+                <a:sym typeface="Courier New"/>
+              </a:defRPr>
+            </a:pPr>
+            <a:r>
+              <a:t>DELETE FROM actor_short</a:t>
+            </a:r>
           </a:p>
           <a:p>
             <a:pPr algn="l" defTabSz="2438400">
               <a:defRPr sz="4600">
                 <a:solidFill>
-                  <a:srgbClr val="000000"/>
-                </a:solidFill>
-                <a:latin typeface="Courier New"/>
-                <a:ea typeface="Courier New"/>
-                <a:cs typeface="Courier New"/>
-                <a:sym typeface="Courier New"/>
-              </a:defRPr>
-            </a:pPr>
-            <a:r>
-              <a:t>DROP TABLE {table name}</a:t>
-            </a:r>
-          </a:p>
-          <a:p>
-            <a:pPr algn="l" defTabSz="2438400">
-              <a:defRPr sz="4600">
-                <a:solidFill>
-                  <a:srgbClr val="000000"/>
-                </a:solidFill>
-                <a:latin typeface="Courier New"/>
-                <a:ea typeface="Courier New"/>
-                <a:cs typeface="Courier New"/>
-                <a:sym typeface="Courier New"/>
-              </a:defRPr>
-            </a:pPr>
-          </a:p>
-          <a:p>
-            <a:pPr algn="l" defTabSz="2438400">
-              <a:defRPr sz="4600">
-                <a:solidFill>
-                  <a:srgbClr val="000000"/>
-                </a:solidFill>
-                <a:latin typeface="Courier New"/>
-                <a:ea typeface="Courier New"/>
-                <a:cs typeface="Courier New"/>
-                <a:sym typeface="Courier New"/>
-              </a:defRPr>
-            </a:pPr>
-            <a:r>
-              <a:t>DROP TABLE actor_short</a:t>
+                  <a:srgbClr val="FFFFFF"/>
+                </a:solidFill>
+                <a:latin typeface="Courier New"/>
+                <a:ea typeface="Courier New"/>
+                <a:cs typeface="Courier New"/>
+                <a:sym typeface="Courier New"/>
+              </a:defRPr>
+            </a:pPr>
+            <a:r>
+              <a:t>WHERE actor_id = 83;</a:t>
             </a:r>
           </a:p>
         </p:txBody>
@@ -7510,88 +7497,38 @@
           <a:chExt cx="0" cy="0"/>
         </a:xfrm>
       </p:grpSpPr>
-      <p:sp>
-        <p:nvSpPr>
-          <p:cNvPr id="254" name="Google Shape;66;p14"/>
-          <p:cNvSpPr/>
+      <p:pic>
+        <p:nvPicPr>
+          <p:cNvPr id="249" name="5f461d116006137.6059ac1f3a043.jpg" descr="5f461d116006137.6059ac1f3a043.jpg"/>
+          <p:cNvPicPr>
+            <a:picLocks noChangeAspect="1"/>
+          </p:cNvPicPr>
           <p:nvPr/>
-        </p:nvSpPr>
+        </p:nvPicPr>
+        <p:blipFill>
+          <a:blip r:embed="rId2">
+            <a:extLst/>
+          </a:blip>
+          <a:stretch>
+            <a:fillRect/>
+          </a:stretch>
+        </p:blipFill>
         <p:spPr>
           <a:xfrm>
-            <a:off x="-189734" y="-1"/>
-            <a:ext cx="24908800" cy="3644001"/>
+            <a:off x="-77249" y="-2562010"/>
+            <a:ext cx="24538498" cy="16359000"/>
           </a:xfrm>
           <a:prstGeom prst="rect">
             <a:avLst/>
           </a:prstGeom>
-          <a:solidFill>
-            <a:srgbClr val="264190"/>
-          </a:solidFill>
-          <a:ln w="76200">
-            <a:solidFill>
-              <a:srgbClr val="000000"/>
-            </a:solidFill>
+          <a:ln w="12700">
+            <a:miter lim="400000"/>
           </a:ln>
         </p:spPr>
-        <p:txBody>
-          <a:bodyPr lIns="0" tIns="0" rIns="0" bIns="0" anchor="ctr"/>
-          <a:lstStyle/>
-          <a:p>
-            <a:pPr algn="l" defTabSz="2438400">
-              <a:defRPr sz="3600">
-                <a:solidFill>
-                  <a:srgbClr val="000000"/>
-                </a:solidFill>
-                <a:latin typeface="Arial"/>
-                <a:ea typeface="Arial"/>
-                <a:cs typeface="Arial"/>
-                <a:sym typeface="Arial"/>
-              </a:defRPr>
-            </a:pPr>
-          </a:p>
-        </p:txBody>
-      </p:sp>
+      </p:pic>
       <p:sp>
         <p:nvSpPr>
-          <p:cNvPr id="255" name="Google Shape;67;p14"/>
-          <p:cNvSpPr/>
-          <p:nvPr/>
-        </p:nvSpPr>
-        <p:spPr>
-          <a:xfrm>
-            <a:off x="-379401" y="3528600"/>
-            <a:ext cx="24966402" cy="1"/>
-          </a:xfrm>
-          <a:prstGeom prst="line">
-            <a:avLst/>
-          </a:prstGeom>
-          <a:ln w="76200">
-            <a:solidFill>
-              <a:srgbClr val="000000"/>
-            </a:solidFill>
-          </a:ln>
-        </p:spPr>
-        <p:txBody>
-          <a:bodyPr lIns="0" tIns="0" rIns="0" bIns="0"/>
-          <a:lstStyle/>
-          <a:p>
-            <a:pPr algn="l" defTabSz="2438400">
-              <a:defRPr sz="3600">
-                <a:solidFill>
-                  <a:srgbClr val="000000"/>
-                </a:solidFill>
-                <a:latin typeface="Arial"/>
-                <a:ea typeface="Arial"/>
-                <a:cs typeface="Arial"/>
-                <a:sym typeface="Arial"/>
-              </a:defRPr>
-            </a:pPr>
-          </a:p>
-        </p:txBody>
-      </p:sp>
-      <p:sp>
-        <p:nvSpPr>
-          <p:cNvPr id="256" name="2. Google Shape;68;p14"/>
+          <p:cNvPr id="250" name="Google Shape;55;p13"/>
           <p:cNvSpPr txBox="1"/>
           <p:nvPr>
             <p:ph type="title"/>
@@ -7599,42 +7536,46 @@
         </p:nvSpPr>
         <p:spPr>
           <a:xfrm>
-            <a:off x="903866" y="589508"/>
-            <a:ext cx="22721602" cy="2464984"/>
+            <a:off x="831199" y="531199"/>
+            <a:ext cx="22721602" cy="2640801"/>
           </a:xfrm>
           <a:prstGeom prst="rect">
             <a:avLst/>
           </a:prstGeom>
         </p:spPr>
         <p:txBody>
-          <a:bodyPr anchor="ctr"/>
+          <a:bodyPr/>
           <a:lstStyle>
-            <a:lvl1pPr>
-              <a:defRPr b="1" sz="12000">
-                <a:solidFill>
-                  <a:srgbClr val="FFFFFF"/>
-                </a:solidFill>
+            <a:lvl1pPr defTabSz="2194559">
+              <a:defRPr sz="12420">
+                <a:solidFill>
+                  <a:srgbClr val="FFFFFF"/>
+                </a:solidFill>
+                <a:latin typeface="Avenir Book"/>
+                <a:ea typeface="Avenir Book"/>
+                <a:cs typeface="Avenir Book"/>
+                <a:sym typeface="Avenir Book"/>
               </a:defRPr>
             </a:lvl1pPr>
           </a:lstStyle>
           <a:p>
             <a:pPr/>
             <a:r>
-              <a:t>Challenge</a:t>
+              <a:t>Deleting</a:t>
             </a:r>
           </a:p>
         </p:txBody>
       </p:sp>
       <p:sp>
         <p:nvSpPr>
-          <p:cNvPr id="257" name="Google Shape;69;p14"/>
+          <p:cNvPr id="251" name="Google Shape;69;p14"/>
           <p:cNvSpPr txBox="1"/>
           <p:nvPr/>
         </p:nvSpPr>
         <p:spPr>
           <a:xfrm>
             <a:off x="1105416" y="3652449"/>
-            <a:ext cx="22955042" cy="3048155"/>
+            <a:ext cx="22955042" cy="8933861"/>
           </a:xfrm>
           <a:prstGeom prst="rect">
             <a:avLst/>
@@ -7654,19 +7595,126 @@
           </a:bodyPr>
           <a:lstStyle/>
           <a:p>
-            <a:pPr marL="1059872" indent="-970972" algn="l" defTabSz="2438400">
+            <a:pPr marL="660400" indent="-660400" algn="l" defTabSz="2438400">
               <a:lnSpc>
                 <a:spcPct val="120000"/>
               </a:lnSpc>
-              <a:buClr>
-                <a:srgbClr val="000000"/>
-              </a:buClr>
-              <a:buSzPts val="5200"/>
-              <a:buFont typeface="Arial"/>
-              <a:buChar char="●"/>
+              <a:buSzPct val="123000"/>
+              <a:buChar char="•"/>
               <a:defRPr sz="5200">
                 <a:solidFill>
-                  <a:srgbClr val="000000"/>
+                  <a:srgbClr val="FFFFFF"/>
+                </a:solidFill>
+                <a:latin typeface="Avenir Book"/>
+                <a:ea typeface="Avenir Book"/>
+                <a:cs typeface="Avenir Book"/>
+                <a:sym typeface="Avenir Book"/>
+              </a:defRPr>
+            </a:pPr>
+            <a:r>
+              <a:t>The syntax for deleting the content of the table is:</a:t>
+            </a:r>
+          </a:p>
+          <a:p>
+            <a:pPr algn="l" defTabSz="2438400">
+              <a:defRPr sz="5200">
+                <a:solidFill>
+                  <a:srgbClr val="FFFFFF"/>
+                </a:solidFill>
+                <a:latin typeface="Courier New"/>
+                <a:ea typeface="Courier New"/>
+                <a:cs typeface="Courier New"/>
+                <a:sym typeface="Courier New"/>
+              </a:defRPr>
+            </a:pPr>
+          </a:p>
+          <a:p>
+            <a:pPr algn="l" defTabSz="2438400">
+              <a:defRPr sz="4600">
+                <a:solidFill>
+                  <a:srgbClr val="FFFFFF"/>
+                </a:solidFill>
+                <a:latin typeface="Courier New"/>
+                <a:ea typeface="Courier New"/>
+                <a:cs typeface="Courier New"/>
+                <a:sym typeface="Courier New"/>
+              </a:defRPr>
+            </a:pPr>
+            <a:r>
+              <a:t>DELETE FROM {table name}</a:t>
+            </a:r>
+          </a:p>
+          <a:p>
+            <a:pPr algn="l" defTabSz="2438400">
+              <a:defRPr sz="4600">
+                <a:solidFill>
+                  <a:srgbClr val="FFFFFF"/>
+                </a:solidFill>
+                <a:latin typeface="Courier New"/>
+                <a:ea typeface="Courier New"/>
+                <a:cs typeface="Courier New"/>
+                <a:sym typeface="Courier New"/>
+              </a:defRPr>
+            </a:pPr>
+          </a:p>
+          <a:p>
+            <a:pPr algn="l" defTabSz="2438400">
+              <a:defRPr sz="4600">
+                <a:solidFill>
+                  <a:srgbClr val="FFFFFF"/>
+                </a:solidFill>
+                <a:latin typeface="Courier New"/>
+                <a:ea typeface="Courier New"/>
+                <a:cs typeface="Courier New"/>
+                <a:sym typeface="Courier New"/>
+              </a:defRPr>
+            </a:pPr>
+            <a:r>
+              <a:t>DELETE FROM actor_short</a:t>
+            </a:r>
+          </a:p>
+          <a:p>
+            <a:pPr algn="l" defTabSz="2438400">
+              <a:defRPr sz="4600">
+                <a:solidFill>
+                  <a:srgbClr val="FFFFFF"/>
+                </a:solidFill>
+                <a:latin typeface="Courier New"/>
+                <a:ea typeface="Courier New"/>
+                <a:cs typeface="Courier New"/>
+                <a:sym typeface="Courier New"/>
+              </a:defRPr>
+            </a:pPr>
+          </a:p>
+          <a:p>
+            <a:pPr marL="660400" indent="-660400" algn="l" defTabSz="2438400">
+              <a:lnSpc>
+                <a:spcPct val="120000"/>
+              </a:lnSpc>
+              <a:buSzPct val="123000"/>
+              <a:buChar char="•"/>
+              <a:defRPr sz="5200">
+                <a:solidFill>
+                  <a:srgbClr val="FFFFFF"/>
+                </a:solidFill>
+                <a:latin typeface="Avenir Book"/>
+                <a:ea typeface="Avenir Book"/>
+                <a:cs typeface="Avenir Book"/>
+                <a:sym typeface="Avenir Book"/>
+              </a:defRPr>
+            </a:pPr>
+            <a:r>
+              <a:t>The syntax for deleting the whole table is:</a:t>
+            </a:r>
+          </a:p>
+          <a:p>
+            <a:pPr algn="l" defTabSz="2438400">
+              <a:lnSpc>
+                <a:spcPct val="120000"/>
+              </a:lnSpc>
+              <a:defRPr sz="5200">
+                <a:solidFill>
+                  <a:srgbClr val="FFFFFF"/>
                 </a:solidFill>
                 <a:latin typeface="Arial"/>
                 <a:ea typeface="Arial"/>
@@ -7674,91 +7722,54 @@
                 <a:sym typeface="Arial"/>
               </a:defRPr>
             </a:pPr>
-            <a:r>
-              <a:t>Go to pgAdmin4 and create a new Database</a:t>
-            </a:r>
-          </a:p>
-          <a:p>
-            <a:pPr marL="1059872" indent="-970972" algn="l" defTabSz="2438400">
-              <a:lnSpc>
-                <a:spcPct val="120000"/>
-              </a:lnSpc>
-              <a:buClr>
-                <a:srgbClr val="000000"/>
-              </a:buClr>
-              <a:buSzPts val="5200"/>
-              <a:buFont typeface="Arial"/>
-              <a:buChar char="●"/>
-              <a:defRPr sz="5200">
-                <a:solidFill>
-                  <a:srgbClr val="000000"/>
-                </a:solidFill>
-                <a:latin typeface="Arial"/>
-                <a:ea typeface="Arial"/>
-                <a:cs typeface="Arial"/>
-                <a:sym typeface="Arial"/>
-              </a:defRPr>
-            </a:pPr>
-            <a:r>
-              <a:t>Create a table named employee_details with the following values</a:t>
-            </a:r>
-          </a:p>
-          <a:p>
-            <a:pPr marL="1059872" indent="-970972" algn="l" defTabSz="2438400">
-              <a:lnSpc>
-                <a:spcPct val="120000"/>
-              </a:lnSpc>
-              <a:buClr>
-                <a:srgbClr val="000000"/>
-              </a:buClr>
-              <a:buSzPts val="5200"/>
-              <a:buFont typeface="Arial"/>
-              <a:buChar char="●"/>
-              <a:defRPr sz="5200">
-                <a:solidFill>
-                  <a:srgbClr val="000000"/>
-                </a:solidFill>
-                <a:latin typeface="Arial"/>
-                <a:ea typeface="Arial"/>
-                <a:cs typeface="Arial"/>
-                <a:sym typeface="Arial"/>
-              </a:defRPr>
-            </a:pPr>
-            <a:r>
-              <a:t>Take into account the constraints</a:t>
+          </a:p>
+          <a:p>
+            <a:pPr algn="l" defTabSz="2438400">
+              <a:defRPr sz="4600">
+                <a:solidFill>
+                  <a:srgbClr val="FFFFFF"/>
+                </a:solidFill>
+                <a:latin typeface="Courier New"/>
+                <a:ea typeface="Courier New"/>
+                <a:cs typeface="Courier New"/>
+                <a:sym typeface="Courier New"/>
+              </a:defRPr>
+            </a:pPr>
+            <a:r>
+              <a:t>DROP TABLE {table name}</a:t>
+            </a:r>
+          </a:p>
+          <a:p>
+            <a:pPr algn="l" defTabSz="2438400">
+              <a:defRPr sz="4600">
+                <a:solidFill>
+                  <a:srgbClr val="FFFFFF"/>
+                </a:solidFill>
+                <a:latin typeface="Courier New"/>
+                <a:ea typeface="Courier New"/>
+                <a:cs typeface="Courier New"/>
+                <a:sym typeface="Courier New"/>
+              </a:defRPr>
+            </a:pPr>
+          </a:p>
+          <a:p>
+            <a:pPr algn="l" defTabSz="2438400">
+              <a:defRPr sz="4600">
+                <a:solidFill>
+                  <a:srgbClr val="FFFFFF"/>
+                </a:solidFill>
+                <a:latin typeface="Courier New"/>
+                <a:ea typeface="Courier New"/>
+                <a:cs typeface="Courier New"/>
+                <a:sym typeface="Courier New"/>
+              </a:defRPr>
+            </a:pPr>
+            <a:r>
+              <a:t>DROP TABLE actor_short</a:t>
             </a:r>
           </a:p>
         </p:txBody>
       </p:sp>
-      <p:pic>
-        <p:nvPicPr>
-          <p:cNvPr id="258" name="Captura de pantalla 2021-07-17 a las 14.21.39.png" descr="Captura de pantalla 2021-07-17 a las 14.21.39.png"/>
-          <p:cNvPicPr>
-            <a:picLocks noChangeAspect="1"/>
-          </p:cNvPicPr>
-          <p:nvPr/>
-        </p:nvPicPr>
-        <p:blipFill>
-          <a:blip r:embed="rId2">
-            <a:extLst/>
-          </a:blip>
-          <a:stretch>
-            <a:fillRect/>
-          </a:stretch>
-        </p:blipFill>
-        <p:spPr>
-          <a:xfrm>
-            <a:off x="7662876" y="6786352"/>
-            <a:ext cx="9203581" cy="6522927"/>
-          </a:xfrm>
-          <a:prstGeom prst="rect">
-            <a:avLst/>
-          </a:prstGeom>
-          <a:ln w="12700">
-            <a:miter lim="400000"/>
-          </a:ln>
-        </p:spPr>
-      </p:pic>
     </p:spTree>
   </p:cSld>
   <p:clrMapOvr>
@@ -7792,88 +7803,38 @@
           <a:chExt cx="0" cy="0"/>
         </a:xfrm>
       </p:grpSpPr>
-      <p:sp>
-        <p:nvSpPr>
-          <p:cNvPr id="260" name="Google Shape;66;p14"/>
-          <p:cNvSpPr/>
+      <p:pic>
+        <p:nvPicPr>
+          <p:cNvPr id="253" name="5f461d116006137.6059ac1f3a043.jpg" descr="5f461d116006137.6059ac1f3a043.jpg"/>
+          <p:cNvPicPr>
+            <a:picLocks noChangeAspect="1"/>
+          </p:cNvPicPr>
           <p:nvPr/>
-        </p:nvSpPr>
+        </p:nvPicPr>
+        <p:blipFill>
+          <a:blip r:embed="rId2">
+            <a:extLst/>
+          </a:blip>
+          <a:stretch>
+            <a:fillRect/>
+          </a:stretch>
+        </p:blipFill>
         <p:spPr>
           <a:xfrm>
-            <a:off x="-189734" y="-1"/>
-            <a:ext cx="24908800" cy="3644001"/>
+            <a:off x="-77249" y="-2562010"/>
+            <a:ext cx="24538498" cy="16359000"/>
           </a:xfrm>
           <a:prstGeom prst="rect">
             <a:avLst/>
           </a:prstGeom>
-          <a:solidFill>
-            <a:srgbClr val="264190"/>
-          </a:solidFill>
-          <a:ln w="76200">
-            <a:solidFill>
-              <a:srgbClr val="000000"/>
-            </a:solidFill>
+          <a:ln w="12700">
+            <a:miter lim="400000"/>
           </a:ln>
         </p:spPr>
-        <p:txBody>
-          <a:bodyPr lIns="0" tIns="0" rIns="0" bIns="0" anchor="ctr"/>
-          <a:lstStyle/>
-          <a:p>
-            <a:pPr algn="l" defTabSz="2438400">
-              <a:defRPr sz="3600">
-                <a:solidFill>
-                  <a:srgbClr val="000000"/>
-                </a:solidFill>
-                <a:latin typeface="Arial"/>
-                <a:ea typeface="Arial"/>
-                <a:cs typeface="Arial"/>
-                <a:sym typeface="Arial"/>
-              </a:defRPr>
-            </a:pPr>
-          </a:p>
-        </p:txBody>
-      </p:sp>
+      </p:pic>
       <p:sp>
         <p:nvSpPr>
-          <p:cNvPr id="261" name="Google Shape;67;p14"/>
-          <p:cNvSpPr/>
-          <p:nvPr/>
-        </p:nvSpPr>
-        <p:spPr>
-          <a:xfrm>
-            <a:off x="-379401" y="3528600"/>
-            <a:ext cx="24966402" cy="1"/>
-          </a:xfrm>
-          <a:prstGeom prst="line">
-            <a:avLst/>
-          </a:prstGeom>
-          <a:ln w="76200">
-            <a:solidFill>
-              <a:srgbClr val="000000"/>
-            </a:solidFill>
-          </a:ln>
-        </p:spPr>
-        <p:txBody>
-          <a:bodyPr lIns="0" tIns="0" rIns="0" bIns="0"/>
-          <a:lstStyle/>
-          <a:p>
-            <a:pPr algn="l" defTabSz="2438400">
-              <a:defRPr sz="3600">
-                <a:solidFill>
-                  <a:srgbClr val="000000"/>
-                </a:solidFill>
-                <a:latin typeface="Arial"/>
-                <a:ea typeface="Arial"/>
-                <a:cs typeface="Arial"/>
-                <a:sym typeface="Arial"/>
-              </a:defRPr>
-            </a:pPr>
-          </a:p>
-        </p:txBody>
-      </p:sp>
-      <p:sp>
-        <p:nvSpPr>
-          <p:cNvPr id="262" name="2. Google Shape;68;p14"/>
+          <p:cNvPr id="254" name="Google Shape;55;p13"/>
           <p:cNvSpPr txBox="1"/>
           <p:nvPr>
             <p:ph type="title"/>
@@ -7881,42 +7842,46 @@
         </p:nvSpPr>
         <p:spPr>
           <a:xfrm>
-            <a:off x="903866" y="589508"/>
-            <a:ext cx="22721602" cy="2464984"/>
+            <a:off x="831199" y="531199"/>
+            <a:ext cx="22721602" cy="2640801"/>
           </a:xfrm>
           <a:prstGeom prst="rect">
             <a:avLst/>
           </a:prstGeom>
         </p:spPr>
         <p:txBody>
-          <a:bodyPr anchor="ctr"/>
+          <a:bodyPr/>
           <a:lstStyle>
-            <a:lvl1pPr>
-              <a:defRPr b="1" sz="12000">
-                <a:solidFill>
-                  <a:srgbClr val="FFFFFF"/>
-                </a:solidFill>
+            <a:lvl1pPr defTabSz="2194559">
+              <a:defRPr sz="12420">
+                <a:solidFill>
+                  <a:srgbClr val="FFFFFF"/>
+                </a:solidFill>
+                <a:latin typeface="Avenir Book"/>
+                <a:ea typeface="Avenir Book"/>
+                <a:cs typeface="Avenir Book"/>
+                <a:sym typeface="Avenir Book"/>
               </a:defRPr>
             </a:lvl1pPr>
           </a:lstStyle>
           <a:p>
             <a:pPr/>
             <a:r>
-              <a:t>Challenge</a:t>
+              <a:t>Practical</a:t>
             </a:r>
           </a:p>
         </p:txBody>
       </p:sp>
       <p:sp>
         <p:nvSpPr>
-          <p:cNvPr id="263" name="Google Shape;69;p14"/>
+          <p:cNvPr id="255" name="Google Shape;69;p14"/>
           <p:cNvSpPr txBox="1"/>
           <p:nvPr/>
         </p:nvSpPr>
         <p:spPr>
           <a:xfrm>
             <a:off x="1105416" y="3652449"/>
-            <a:ext cx="22955042" cy="2138076"/>
+            <a:ext cx="22955042" cy="3553381"/>
           </a:xfrm>
           <a:prstGeom prst="rect">
             <a:avLst/>
@@ -7936,49 +7901,62 @@
           </a:bodyPr>
           <a:lstStyle/>
           <a:p>
-            <a:pPr marL="1059872" indent="-970972" algn="l" defTabSz="2438400">
+            <a:pPr marL="660400" indent="-660400" algn="l" defTabSz="2438400">
               <a:lnSpc>
                 <a:spcPct val="120000"/>
               </a:lnSpc>
-              <a:buClr>
-                <a:srgbClr val="000000"/>
-              </a:buClr>
-              <a:buSzPts val="5200"/>
-              <a:buFont typeface="Arial"/>
-              <a:buChar char="●"/>
+              <a:buSzPct val="123000"/>
+              <a:buChar char="•"/>
               <a:defRPr sz="5200">
                 <a:solidFill>
-                  <a:srgbClr val="000000"/>
-                </a:solidFill>
-                <a:latin typeface="Arial"/>
-                <a:ea typeface="Arial"/>
-                <a:cs typeface="Arial"/>
-                <a:sym typeface="Arial"/>
-              </a:defRPr>
-            </a:pPr>
-            <a:r>
-              <a:t>Create a table named employee_salary with the following values</a:t>
-            </a:r>
-          </a:p>
-          <a:p>
-            <a:pPr marL="1059872" indent="-970972" algn="l" defTabSz="2438400">
+                  <a:srgbClr val="FFFFFF"/>
+                </a:solidFill>
+                <a:latin typeface="Avenir Book"/>
+                <a:ea typeface="Avenir Book"/>
+                <a:cs typeface="Avenir Book"/>
+                <a:sym typeface="Avenir Book"/>
+              </a:defRPr>
+            </a:pPr>
+            <a:r>
+              <a:t>Go to pgAdmin4 and create a new Database</a:t>
+            </a:r>
+          </a:p>
+          <a:p>
+            <a:pPr marL="660400" indent="-660400" algn="l" defTabSz="2438400">
               <a:lnSpc>
                 <a:spcPct val="120000"/>
               </a:lnSpc>
-              <a:buClr>
-                <a:srgbClr val="000000"/>
-              </a:buClr>
-              <a:buSzPts val="5200"/>
-              <a:buFont typeface="Arial"/>
-              <a:buChar char="●"/>
+              <a:buSzPct val="123000"/>
+              <a:buChar char="•"/>
               <a:defRPr sz="5200">
                 <a:solidFill>
-                  <a:srgbClr val="000000"/>
-                </a:solidFill>
-                <a:latin typeface="Arial"/>
-                <a:ea typeface="Arial"/>
-                <a:cs typeface="Arial"/>
-                <a:sym typeface="Arial"/>
+                  <a:srgbClr val="FFFFFF"/>
+                </a:solidFill>
+                <a:latin typeface="Avenir Book"/>
+                <a:ea typeface="Avenir Book"/>
+                <a:cs typeface="Avenir Book"/>
+                <a:sym typeface="Avenir Book"/>
+              </a:defRPr>
+            </a:pPr>
+            <a:r>
+              <a:t>Create a table named employee_details with the following values</a:t>
+            </a:r>
+          </a:p>
+          <a:p>
+            <a:pPr marL="660400" indent="-660400" algn="l" defTabSz="2438400">
+              <a:lnSpc>
+                <a:spcPct val="120000"/>
+              </a:lnSpc>
+              <a:buSzPct val="123000"/>
+              <a:buChar char="•"/>
+              <a:defRPr sz="5200">
+                <a:solidFill>
+                  <a:srgbClr val="FFFFFF"/>
+                </a:solidFill>
+                <a:latin typeface="Avenir Book"/>
+                <a:ea typeface="Avenir Book"/>
+                <a:cs typeface="Avenir Book"/>
+                <a:sym typeface="Avenir Book"/>
               </a:defRPr>
             </a:pPr>
             <a:r>
@@ -7989,14 +7967,14 @@
       </p:sp>
       <p:pic>
         <p:nvPicPr>
-          <p:cNvPr id="264" name="Captura de pantalla 2021-07-17 a las 14.23.40.png" descr="Captura de pantalla 2021-07-17 a las 14.23.40.png"/>
+          <p:cNvPr id="256" name="Captura de pantalla 2021-07-17 a las 14.21.39.png" descr="Captura de pantalla 2021-07-17 a las 14.21.39.png"/>
           <p:cNvPicPr>
             <a:picLocks noChangeAspect="1"/>
           </p:cNvPicPr>
           <p:nvPr/>
         </p:nvPicPr>
         <p:blipFill>
-          <a:blip r:embed="rId2">
+          <a:blip r:embed="rId3">
             <a:extLst/>
           </a:blip>
           <a:stretch>
@@ -8005,8 +7983,8 @@
         </p:blipFill>
         <p:spPr>
           <a:xfrm>
-            <a:off x="6177314" y="5876273"/>
-            <a:ext cx="11852972" cy="5804918"/>
+            <a:off x="7590209" y="7071880"/>
+            <a:ext cx="9203582" cy="6522927"/>
           </a:xfrm>
           <a:prstGeom prst="rect">
             <a:avLst/>
@@ -8016,57 +7994,6 @@
           </a:ln>
         </p:spPr>
       </p:pic>
-      <p:sp>
-        <p:nvSpPr>
-          <p:cNvPr id="265" name="Google Shape;69;p14"/>
-          <p:cNvSpPr txBox="1"/>
-          <p:nvPr/>
-        </p:nvSpPr>
-        <p:spPr>
-          <a:xfrm>
-            <a:off x="5769962" y="12212032"/>
-            <a:ext cx="12989409" cy="1006044"/>
-          </a:xfrm>
-          <a:prstGeom prst="rect">
-            <a:avLst/>
-          </a:prstGeom>
-          <a:ln w="12700">
-            <a:miter lim="400000"/>
-          </a:ln>
-          <a:extLst>
-            <a:ext uri="{C572A759-6A51-4108-AA02-DFA0A04FC94B}">
-              <ma14:wrappingTextBoxFlag xmlns:ma14="http://schemas.microsoft.com/office/mac/drawingml/2011/main" val="1"/>
-            </a:ext>
-          </a:extLst>
-        </p:spPr>
-        <p:txBody>
-          <a:bodyPr lIns="243799" tIns="243799" rIns="243799" bIns="243799">
-            <a:spAutoFit/>
-          </a:bodyPr>
-          <a:lstStyle>
-            <a:lvl1pPr algn="l" defTabSz="2438400">
-              <a:lnSpc>
-                <a:spcPct val="120000"/>
-              </a:lnSpc>
-              <a:defRPr i="1" sz="3600">
-                <a:solidFill>
-                  <a:srgbClr val="000000"/>
-                </a:solidFill>
-                <a:latin typeface="Arial"/>
-                <a:ea typeface="Arial"/>
-                <a:cs typeface="Arial"/>
-                <a:sym typeface="Arial"/>
-              </a:defRPr>
-            </a:lvl1pPr>
-          </a:lstStyle>
-          <a:p>
-            <a:pPr/>
-            <a:r>
-              <a:t>Don’t delete the database! We will use it in the next lesson</a:t>
-            </a:r>
-          </a:p>
-        </p:txBody>
-      </p:sp>
     </p:spTree>
   </p:cSld>
   <p:clrMapOvr>
@@ -8100,88 +8027,38 @@
           <a:chExt cx="0" cy="0"/>
         </a:xfrm>
       </p:grpSpPr>
-      <p:sp>
-        <p:nvSpPr>
-          <p:cNvPr id="174" name="Google Shape;66;p14"/>
-          <p:cNvSpPr/>
+      <p:pic>
+        <p:nvPicPr>
+          <p:cNvPr id="185" name="5f461d116006137.6059ac1f3a043.jpg" descr="5f461d116006137.6059ac1f3a043.jpg"/>
+          <p:cNvPicPr>
+            <a:picLocks noChangeAspect="1"/>
+          </p:cNvPicPr>
           <p:nvPr/>
-        </p:nvSpPr>
+        </p:nvPicPr>
+        <p:blipFill>
+          <a:blip r:embed="rId2">
+            <a:extLst/>
+          </a:blip>
+          <a:stretch>
+            <a:fillRect/>
+          </a:stretch>
+        </p:blipFill>
         <p:spPr>
           <a:xfrm>
-            <a:off x="-189734" y="-1"/>
-            <a:ext cx="24908800" cy="3644001"/>
+            <a:off x="-77249" y="-2562010"/>
+            <a:ext cx="24538498" cy="16359000"/>
           </a:xfrm>
           <a:prstGeom prst="rect">
             <a:avLst/>
           </a:prstGeom>
-          <a:solidFill>
-            <a:srgbClr val="264190"/>
-          </a:solidFill>
-          <a:ln w="76200">
-            <a:solidFill>
-              <a:srgbClr val="000000"/>
-            </a:solidFill>
+          <a:ln w="12700">
+            <a:miter lim="400000"/>
           </a:ln>
         </p:spPr>
-        <p:txBody>
-          <a:bodyPr lIns="0" tIns="0" rIns="0" bIns="0" anchor="ctr"/>
-          <a:lstStyle/>
-          <a:p>
-            <a:pPr algn="l" defTabSz="2438400">
-              <a:defRPr sz="3600">
-                <a:solidFill>
-                  <a:srgbClr val="F5B679"/>
-                </a:solidFill>
-                <a:latin typeface="Arial"/>
-                <a:ea typeface="Arial"/>
-                <a:cs typeface="Arial"/>
-                <a:sym typeface="Arial"/>
-              </a:defRPr>
-            </a:pPr>
-          </a:p>
-        </p:txBody>
-      </p:sp>
+      </p:pic>
       <p:sp>
         <p:nvSpPr>
-          <p:cNvPr id="175" name="Google Shape;67;p14"/>
-          <p:cNvSpPr/>
-          <p:nvPr/>
-        </p:nvSpPr>
-        <p:spPr>
-          <a:xfrm>
-            <a:off x="-379401" y="3528600"/>
-            <a:ext cx="24966402" cy="1"/>
-          </a:xfrm>
-          <a:prstGeom prst="line">
-            <a:avLst/>
-          </a:prstGeom>
-          <a:ln w="76200">
-            <a:solidFill>
-              <a:srgbClr val="000000"/>
-            </a:solidFill>
-          </a:ln>
-        </p:spPr>
-        <p:txBody>
-          <a:bodyPr lIns="0" tIns="0" rIns="0" bIns="0"/>
-          <a:lstStyle/>
-          <a:p>
-            <a:pPr algn="l" defTabSz="2438400">
-              <a:defRPr sz="3600">
-                <a:solidFill>
-                  <a:srgbClr val="000000"/>
-                </a:solidFill>
-                <a:latin typeface="Arial"/>
-                <a:ea typeface="Arial"/>
-                <a:cs typeface="Arial"/>
-                <a:sym typeface="Arial"/>
-              </a:defRPr>
-            </a:pPr>
-          </a:p>
-        </p:txBody>
-      </p:sp>
-      <p:sp>
-        <p:nvSpPr>
-          <p:cNvPr id="176" name="2. Google Shape;68;p14"/>
+          <p:cNvPr id="186" name="Google Shape;55;p13"/>
           <p:cNvSpPr txBox="1"/>
           <p:nvPr>
             <p:ph type="title"/>
@@ -8189,42 +8066,283 @@
         </p:nvSpPr>
         <p:spPr>
           <a:xfrm>
-            <a:off x="903866" y="589508"/>
-            <a:ext cx="22721602" cy="2464984"/>
+            <a:off x="831199" y="531199"/>
+            <a:ext cx="22721602" cy="2640801"/>
           </a:xfrm>
           <a:prstGeom prst="rect">
             <a:avLst/>
           </a:prstGeom>
         </p:spPr>
         <p:txBody>
-          <a:bodyPr anchor="ctr"/>
+          <a:bodyPr/>
           <a:lstStyle>
-            <a:lvl1pPr>
-              <a:defRPr b="1" sz="12000">
-                <a:solidFill>
-                  <a:srgbClr val="FFFFFF"/>
-                </a:solidFill>
+            <a:lvl1pPr defTabSz="2194559">
+              <a:defRPr sz="12420">
+                <a:solidFill>
+                  <a:srgbClr val="FFFFFF"/>
+                </a:solidFill>
+                <a:latin typeface="Avenir Book"/>
+                <a:ea typeface="Avenir Book"/>
+                <a:cs typeface="Avenir Book"/>
+                <a:sym typeface="Avenir Book"/>
               </a:defRPr>
             </a:lvl1pPr>
           </a:lstStyle>
           <a:p>
             <a:pPr/>
             <a:r>
-              <a:t>Creating Tables</a:t>
+              <a:t>Contents</a:t>
             </a:r>
           </a:p>
         </p:txBody>
       </p:sp>
       <p:sp>
         <p:nvSpPr>
-          <p:cNvPr id="177" name="Google Shape;69;p14"/>
+          <p:cNvPr id="187" name="CRUD (Create, Read, Update, Delete)…"/>
+          <p:cNvSpPr txBox="1"/>
+          <p:nvPr/>
+        </p:nvSpPr>
+        <p:spPr>
+          <a:xfrm>
+            <a:off x="4490426" y="4044949"/>
+            <a:ext cx="15403148" cy="5626101"/>
+          </a:xfrm>
+          <a:prstGeom prst="rect">
+            <a:avLst/>
+          </a:prstGeom>
+          <a:ln w="12700">
+            <a:miter lim="400000"/>
+          </a:ln>
+          <a:extLst>
+            <a:ext uri="{C572A759-6A51-4108-AA02-DFA0A04FC94B}">
+              <ma14:wrappingTextBoxFlag xmlns:ma14="http://schemas.microsoft.com/office/mac/drawingml/2011/main" val="1"/>
+            </a:ext>
+          </a:extLst>
+        </p:spPr>
+        <p:txBody>
+          <a:bodyPr lIns="50800" tIns="50800" rIns="50800" bIns="50800" anchor="ctr">
+            <a:spAutoFit/>
+          </a:bodyPr>
+          <a:lstStyle/>
+          <a:p>
+            <a:pPr marL="609600" indent="-609600" algn="l" defTabSz="2438400">
+              <a:lnSpc>
+                <a:spcPct val="120000"/>
+              </a:lnSpc>
+              <a:buSzPct val="123000"/>
+              <a:buChar char="•"/>
+              <a:defRPr sz="5500">
+                <a:solidFill>
+                  <a:srgbClr val="FFFFFF"/>
+                </a:solidFill>
+                <a:latin typeface="Avenir Book"/>
+                <a:ea typeface="Avenir Book"/>
+                <a:cs typeface="Avenir Book"/>
+                <a:sym typeface="Avenir Book"/>
+              </a:defRPr>
+            </a:pPr>
+            <a:r>
+              <a:t>CRUD (Create, Read, Update, Delete)</a:t>
+            </a:r>
+          </a:p>
+          <a:p>
+            <a:pPr lvl="1" marL="1219200" indent="-609600" algn="l" defTabSz="2438400">
+              <a:lnSpc>
+                <a:spcPct val="120000"/>
+              </a:lnSpc>
+              <a:buSzPct val="123000"/>
+              <a:buChar char="•"/>
+              <a:defRPr sz="5500">
+                <a:solidFill>
+                  <a:srgbClr val="FFFFFF"/>
+                </a:solidFill>
+                <a:latin typeface="Avenir Book"/>
+                <a:ea typeface="Avenir Book"/>
+                <a:cs typeface="Avenir Book"/>
+                <a:sym typeface="Avenir Book"/>
+              </a:defRPr>
+            </a:pPr>
+            <a:r>
+              <a:t>Create: Using CREATE TABLE</a:t>
+            </a:r>
+          </a:p>
+          <a:p>
+            <a:pPr lvl="1" marL="1219200" indent="-609600" algn="l" defTabSz="2438400">
+              <a:lnSpc>
+                <a:spcPct val="120000"/>
+              </a:lnSpc>
+              <a:buSzPct val="123000"/>
+              <a:buChar char="•"/>
+              <a:defRPr sz="5500">
+                <a:solidFill>
+                  <a:srgbClr val="FFFFFF"/>
+                </a:solidFill>
+                <a:latin typeface="Avenir Book"/>
+                <a:ea typeface="Avenir Book"/>
+                <a:cs typeface="Avenir Book"/>
+                <a:sym typeface="Avenir Book"/>
+              </a:defRPr>
+            </a:pPr>
+            <a:r>
+              <a:t>Read: Using SELECT (we already know this!)</a:t>
+            </a:r>
+          </a:p>
+          <a:p>
+            <a:pPr lvl="1" marL="1219200" indent="-609600" algn="l" defTabSz="2438400">
+              <a:lnSpc>
+                <a:spcPct val="120000"/>
+              </a:lnSpc>
+              <a:buSzPct val="123000"/>
+              <a:buChar char="•"/>
+              <a:defRPr sz="5500">
+                <a:solidFill>
+                  <a:srgbClr val="FFFFFF"/>
+                </a:solidFill>
+                <a:latin typeface="Avenir Book"/>
+                <a:ea typeface="Avenir Book"/>
+                <a:cs typeface="Avenir Book"/>
+                <a:sym typeface="Avenir Book"/>
+              </a:defRPr>
+            </a:pPr>
+            <a:r>
+              <a:t>Update: Using ALTER TABLE</a:t>
+            </a:r>
+          </a:p>
+          <a:p>
+            <a:pPr lvl="1" marL="1219200" indent="-609600" algn="l" defTabSz="2438400">
+              <a:lnSpc>
+                <a:spcPct val="120000"/>
+              </a:lnSpc>
+              <a:buSzPct val="123000"/>
+              <a:buChar char="•"/>
+              <a:defRPr sz="5500">
+                <a:solidFill>
+                  <a:srgbClr val="FFFFFF"/>
+                </a:solidFill>
+                <a:latin typeface="Avenir Book"/>
+                <a:ea typeface="Avenir Book"/>
+                <a:cs typeface="Avenir Book"/>
+                <a:sym typeface="Avenir Book"/>
+              </a:defRPr>
+            </a:pPr>
+            <a:r>
+              <a:t>Delete: Using DROP TABLE</a:t>
+            </a:r>
+          </a:p>
+        </p:txBody>
+      </p:sp>
+    </p:spTree>
+  </p:cSld>
+  <p:clrMapOvr>
+    <a:masterClrMapping/>
+  </p:clrMapOvr>
+  <p:transition xmlns:p14="http://schemas.microsoft.com/office/powerpoint/2010/main" spd="med" advClick="1"/>
+</p:sld>
+</file>
+
+<file path=ppt/slides/slide20.xml><?xml version="1.0" encoding="utf-8"?>
+<p:sld xmlns:a="http://schemas.openxmlformats.org/drawingml/2006/main" xmlns:r="http://schemas.openxmlformats.org/officeDocument/2006/relationships" xmlns:p="http://schemas.openxmlformats.org/presentationml/2006/main" xmlns:m="http://schemas.openxmlformats.org/officeDocument/2006/math" xmlns:a14="http://schemas.microsoft.com/office/drawing/2010/main" showMasterSp="1" showMasterPhAnim="1">
+  <p:cSld>
+    <p:bg>
+      <p:bgPr>
+        <a:solidFill>
+          <a:srgbClr val="EDDACC"/>
+        </a:solidFill>
+      </p:bgPr>
+    </p:bg>
+    <p:spTree>
+      <p:nvGrpSpPr>
+        <p:cNvPr id="1" name=""/>
+        <p:cNvGrpSpPr/>
+        <p:nvPr/>
+      </p:nvGrpSpPr>
+      <p:grpSpPr>
+        <a:xfrm>
+          <a:off x="0" y="0"/>
+          <a:ext cx="0" cy="0"/>
+          <a:chOff x="0" y="0"/>
+          <a:chExt cx="0" cy="0"/>
+        </a:xfrm>
+      </p:grpSpPr>
+      <p:pic>
+        <p:nvPicPr>
+          <p:cNvPr id="258" name="5f461d116006137.6059ac1f3a043.jpg" descr="5f461d116006137.6059ac1f3a043.jpg"/>
+          <p:cNvPicPr>
+            <a:picLocks noChangeAspect="1"/>
+          </p:cNvPicPr>
+          <p:nvPr/>
+        </p:nvPicPr>
+        <p:blipFill>
+          <a:blip r:embed="rId2">
+            <a:extLst/>
+          </a:blip>
+          <a:stretch>
+            <a:fillRect/>
+          </a:stretch>
+        </p:blipFill>
+        <p:spPr>
+          <a:xfrm>
+            <a:off x="-77249" y="-2562010"/>
+            <a:ext cx="24538498" cy="16359000"/>
+          </a:xfrm>
+          <a:prstGeom prst="rect">
+            <a:avLst/>
+          </a:prstGeom>
+          <a:ln w="12700">
+            <a:miter lim="400000"/>
+          </a:ln>
+        </p:spPr>
+      </p:pic>
+      <p:sp>
+        <p:nvSpPr>
+          <p:cNvPr id="259" name="Google Shape;55;p13"/>
+          <p:cNvSpPr txBox="1"/>
+          <p:nvPr>
+            <p:ph type="title"/>
+          </p:nvPr>
+        </p:nvSpPr>
+        <p:spPr>
+          <a:xfrm>
+            <a:off x="831199" y="531199"/>
+            <a:ext cx="22721602" cy="2640801"/>
+          </a:xfrm>
+          <a:prstGeom prst="rect">
+            <a:avLst/>
+          </a:prstGeom>
+        </p:spPr>
+        <p:txBody>
+          <a:bodyPr/>
+          <a:lstStyle>
+            <a:lvl1pPr defTabSz="2194559">
+              <a:defRPr sz="12420">
+                <a:solidFill>
+                  <a:srgbClr val="FFFFFF"/>
+                </a:solidFill>
+                <a:latin typeface="Avenir Book"/>
+                <a:ea typeface="Avenir Book"/>
+                <a:cs typeface="Avenir Book"/>
+                <a:sym typeface="Avenir Book"/>
+              </a:defRPr>
+            </a:lvl1pPr>
+          </a:lstStyle>
+          <a:p>
+            <a:pPr/>
+            <a:r>
+              <a:t>Practical</a:t>
+            </a:r>
+          </a:p>
+        </p:txBody>
+      </p:sp>
+      <p:sp>
+        <p:nvSpPr>
+          <p:cNvPr id="260" name="Google Shape;69;p14"/>
           <p:cNvSpPr txBox="1"/>
           <p:nvPr/>
         </p:nvSpPr>
         <p:spPr>
           <a:xfrm>
             <a:off x="1105416" y="3652449"/>
-            <a:ext cx="22955042" cy="9640095"/>
+            <a:ext cx="22955042" cy="2471341"/>
           </a:xfrm>
           <a:prstGeom prst="rect">
             <a:avLst/>
@@ -8244,193 +8362,125 @@
           </a:bodyPr>
           <a:lstStyle/>
           <a:p>
-            <a:pPr algn="l" defTabSz="2438400">
+            <a:pPr marL="660400" indent="-660400" algn="l" defTabSz="2438400">
               <a:lnSpc>
                 <a:spcPct val="120000"/>
               </a:lnSpc>
+              <a:buSzPct val="123000"/>
+              <a:buChar char="•"/>
               <a:defRPr sz="5200">
                 <a:solidFill>
-                  <a:srgbClr val="000000"/>
+                  <a:srgbClr val="FFFFFF"/>
+                </a:solidFill>
+                <a:latin typeface="Avenir Book"/>
+                <a:ea typeface="Avenir Book"/>
+                <a:cs typeface="Avenir Book"/>
+                <a:sym typeface="Avenir Book"/>
+              </a:defRPr>
+            </a:pPr>
+            <a:r>
+              <a:t>Create a table named employee_salary with the following values</a:t>
+            </a:r>
+          </a:p>
+          <a:p>
+            <a:pPr marL="660400" indent="-660400" algn="l" defTabSz="2438400">
+              <a:lnSpc>
+                <a:spcPct val="120000"/>
+              </a:lnSpc>
+              <a:buSzPct val="123000"/>
+              <a:buChar char="•"/>
+              <a:defRPr sz="5200">
+                <a:solidFill>
+                  <a:srgbClr val="FFFFFF"/>
+                </a:solidFill>
+                <a:latin typeface="Avenir Book"/>
+                <a:ea typeface="Avenir Book"/>
+                <a:cs typeface="Avenir Book"/>
+                <a:sym typeface="Avenir Book"/>
+              </a:defRPr>
+            </a:pPr>
+            <a:r>
+              <a:t>Take into account the constraints</a:t>
+            </a:r>
+          </a:p>
+        </p:txBody>
+      </p:sp>
+      <p:pic>
+        <p:nvPicPr>
+          <p:cNvPr id="261" name="Captura de pantalla 2021-07-17 a las 14.23.40.png" descr="Captura de pantalla 2021-07-17 a las 14.23.40.png"/>
+          <p:cNvPicPr>
+            <a:picLocks noChangeAspect="1"/>
+          </p:cNvPicPr>
+          <p:nvPr/>
+        </p:nvPicPr>
+        <p:blipFill>
+          <a:blip r:embed="rId3">
+            <a:extLst/>
+          </a:blip>
+          <a:stretch>
+            <a:fillRect/>
+          </a:stretch>
+        </p:blipFill>
+        <p:spPr>
+          <a:xfrm>
+            <a:off x="6265514" y="6604239"/>
+            <a:ext cx="11852972" cy="5804918"/>
+          </a:xfrm>
+          <a:prstGeom prst="rect">
+            <a:avLst/>
+          </a:prstGeom>
+          <a:ln w="12700">
+            <a:miter lim="400000"/>
+          </a:ln>
+        </p:spPr>
+      </p:pic>
+      <p:sp>
+        <p:nvSpPr>
+          <p:cNvPr id="262" name="Google Shape;69;p14"/>
+          <p:cNvSpPr txBox="1"/>
+          <p:nvPr/>
+        </p:nvSpPr>
+        <p:spPr>
+          <a:xfrm>
+            <a:off x="5697295" y="12668875"/>
+            <a:ext cx="12989410" cy="1006043"/>
+          </a:xfrm>
+          <a:prstGeom prst="rect">
+            <a:avLst/>
+          </a:prstGeom>
+          <a:ln w="12700">
+            <a:miter lim="400000"/>
+          </a:ln>
+          <a:extLst>
+            <a:ext uri="{C572A759-6A51-4108-AA02-DFA0A04FC94B}">
+              <ma14:wrappingTextBoxFlag xmlns:ma14="http://schemas.microsoft.com/office/mac/drawingml/2011/main" val="1"/>
+            </a:ext>
+          </a:extLst>
+        </p:spPr>
+        <p:txBody>
+          <a:bodyPr lIns="243799" tIns="243799" rIns="243799" bIns="243799">
+            <a:spAutoFit/>
+          </a:bodyPr>
+          <a:lstStyle>
+            <a:lvl1pPr algn="l" defTabSz="2438400">
+              <a:lnSpc>
+                <a:spcPct val="120000"/>
+              </a:lnSpc>
+              <a:defRPr i="1" sz="3600">
+                <a:solidFill>
+                  <a:srgbClr val="FFFFFF"/>
                 </a:solidFill>
                 <a:latin typeface="Arial"/>
                 <a:ea typeface="Arial"/>
                 <a:cs typeface="Arial"/>
                 <a:sym typeface="Arial"/>
               </a:defRPr>
-            </a:pPr>
-            <a:r>
-              <a:t>We can create a new blank table or create a new one from existing tables using </a:t>
-            </a:r>
-            <a:r>
-              <a:rPr>
-                <a:latin typeface="Courier New"/>
-                <a:ea typeface="Courier New"/>
-                <a:cs typeface="Courier New"/>
-                <a:sym typeface="Courier New"/>
-              </a:rPr>
-              <a:t>SELECT</a:t>
-            </a:r>
-          </a:p>
-          <a:p>
-            <a:pPr marL="1059872" indent="-970972" algn="l" defTabSz="2438400">
-              <a:lnSpc>
-                <a:spcPct val="120000"/>
-              </a:lnSpc>
-              <a:buClr>
-                <a:srgbClr val="000000"/>
-              </a:buClr>
-              <a:buSzPts val="5200"/>
-              <a:buFont typeface="Arial"/>
-              <a:buChar char="●"/>
-              <a:defRPr sz="5200">
-                <a:solidFill>
-                  <a:srgbClr val="000000"/>
-                </a:solidFill>
-                <a:latin typeface="Arial"/>
-                <a:ea typeface="Arial"/>
-                <a:cs typeface="Arial"/>
-                <a:sym typeface="Arial"/>
-              </a:defRPr>
-            </a:pPr>
-            <a:r>
-              <a:t>Blank tables can be created using the </a:t>
-            </a:r>
-            <a:r>
-              <a:rPr>
-                <a:latin typeface="Courier New"/>
-                <a:ea typeface="Courier New"/>
-                <a:cs typeface="Courier New"/>
-                <a:sym typeface="Courier New"/>
-              </a:rPr>
-              <a:t>CREATE TABLE</a:t>
-            </a:r>
-            <a:r>
-              <a:t> statement. The syntax is as follows:</a:t>
-            </a:r>
-          </a:p>
-          <a:p>
-            <a:pPr algn="l" defTabSz="2438400">
-              <a:defRPr sz="5200">
-                <a:solidFill>
-                  <a:srgbClr val="000000"/>
-                </a:solidFill>
-                <a:latin typeface="Courier New"/>
-                <a:ea typeface="Courier New"/>
-                <a:cs typeface="Courier New"/>
-                <a:sym typeface="Courier New"/>
-              </a:defRPr>
-            </a:pPr>
-          </a:p>
-          <a:p>
-            <a:pPr algn="l" defTabSz="2438400">
-              <a:defRPr sz="4600">
-                <a:solidFill>
-                  <a:srgbClr val="000000"/>
-                </a:solidFill>
-                <a:latin typeface="Courier New"/>
-                <a:ea typeface="Courier New"/>
-                <a:cs typeface="Courier New"/>
-                <a:sym typeface="Courier New"/>
-              </a:defRPr>
-            </a:pPr>
-            <a:r>
-              <a:t>CREATE TABLE {table_name} (</a:t>
-            </a:r>
-          </a:p>
-          <a:p>
-            <a:pPr lvl="1" algn="l" defTabSz="2438400">
-              <a:defRPr sz="4600">
-                <a:solidFill>
-                  <a:srgbClr val="000000"/>
-                </a:solidFill>
-                <a:latin typeface="Courier New"/>
-                <a:ea typeface="Courier New"/>
-                <a:cs typeface="Courier New"/>
-                <a:sym typeface="Courier New"/>
-              </a:defRPr>
-            </a:pPr>
-            <a:r>
-              <a:t>{column_name_1} {data_type_1} {column_constraint_1},</a:t>
-            </a:r>
-          </a:p>
-          <a:p>
-            <a:pPr lvl="1" algn="l" defTabSz="2438400">
-              <a:defRPr sz="4600">
-                <a:solidFill>
-                  <a:srgbClr val="000000"/>
-                </a:solidFill>
-                <a:latin typeface="Courier New"/>
-                <a:ea typeface="Courier New"/>
-                <a:cs typeface="Courier New"/>
-                <a:sym typeface="Courier New"/>
-              </a:defRPr>
-            </a:pPr>
-            <a:r>
-              <a:t>{column_name_2} {data_type_2} {column_constraint_2},</a:t>
-            </a:r>
-          </a:p>
-          <a:p>
-            <a:pPr lvl="1" algn="l" defTabSz="2438400">
-              <a:defRPr sz="4600">
-                <a:solidFill>
-                  <a:srgbClr val="000000"/>
-                </a:solidFill>
-                <a:latin typeface="Courier New"/>
-                <a:ea typeface="Courier New"/>
-                <a:cs typeface="Courier New"/>
-                <a:sym typeface="Courier New"/>
-              </a:defRPr>
-            </a:pPr>
-            <a:r>
-              <a:t>…</a:t>
-            </a:r>
-          </a:p>
-          <a:p>
-            <a:pPr lvl="1" algn="l" defTabSz="2438400">
-              <a:defRPr sz="4600">
-                <a:solidFill>
-                  <a:srgbClr val="000000"/>
-                </a:solidFill>
-                <a:latin typeface="Courier New"/>
-                <a:ea typeface="Courier New"/>
-                <a:cs typeface="Courier New"/>
-                <a:sym typeface="Courier New"/>
-              </a:defRPr>
-            </a:pPr>
-            <a:r>
-              <a:t>{column_name_last} {data_type_last} {column_constraint_last},</a:t>
-            </a:r>
-          </a:p>
-          <a:p>
-            <a:pPr lvl="1" algn="l" defTabSz="2438400">
-              <a:defRPr sz="4600">
-                <a:solidFill>
-                  <a:srgbClr val="000000"/>
-                </a:solidFill>
-                <a:latin typeface="Courier New"/>
-                <a:ea typeface="Courier New"/>
-                <a:cs typeface="Courier New"/>
-                <a:sym typeface="Courier New"/>
-              </a:defRPr>
-            </a:pPr>
-            <a:r>
-              <a:t>{additional_contraints}</a:t>
-            </a:r>
-          </a:p>
-          <a:p>
-            <a:pPr algn="l" defTabSz="2438400">
-              <a:defRPr sz="4600">
-                <a:solidFill>
-                  <a:srgbClr val="000000"/>
-                </a:solidFill>
-                <a:latin typeface="Courier New"/>
-                <a:ea typeface="Courier New"/>
-                <a:cs typeface="Courier New"/>
-                <a:sym typeface="Courier New"/>
-              </a:defRPr>
-            </a:pPr>
-            <a:r>
-              <a:t>);</a:t>
+            </a:lvl1pPr>
+          </a:lstStyle>
+          <a:p>
+            <a:pPr/>
+            <a:r>
+              <a:t>Don’t delete the database! We will use it in the next lesson</a:t>
             </a:r>
           </a:p>
         </p:txBody>
@@ -8468,88 +8518,38 @@
           <a:chExt cx="0" cy="0"/>
         </a:xfrm>
       </p:grpSpPr>
-      <p:sp>
-        <p:nvSpPr>
-          <p:cNvPr id="179" name="Google Shape;66;p14"/>
-          <p:cNvSpPr/>
+      <p:pic>
+        <p:nvPicPr>
+          <p:cNvPr id="189" name="5f461d116006137.6059ac1f3a043.jpg" descr="5f461d116006137.6059ac1f3a043.jpg"/>
+          <p:cNvPicPr>
+            <a:picLocks noChangeAspect="1"/>
+          </p:cNvPicPr>
           <p:nvPr/>
-        </p:nvSpPr>
+        </p:nvPicPr>
+        <p:blipFill>
+          <a:blip r:embed="rId2">
+            <a:extLst/>
+          </a:blip>
+          <a:stretch>
+            <a:fillRect/>
+          </a:stretch>
+        </p:blipFill>
         <p:spPr>
           <a:xfrm>
-            <a:off x="-189734" y="-1"/>
-            <a:ext cx="24908800" cy="3644001"/>
+            <a:off x="-77249" y="-2562010"/>
+            <a:ext cx="24538498" cy="16359000"/>
           </a:xfrm>
           <a:prstGeom prst="rect">
             <a:avLst/>
           </a:prstGeom>
-          <a:solidFill>
-            <a:srgbClr val="264190"/>
-          </a:solidFill>
-          <a:ln w="76200">
-            <a:solidFill>
-              <a:srgbClr val="000000"/>
-            </a:solidFill>
+          <a:ln w="12700">
+            <a:miter lim="400000"/>
           </a:ln>
         </p:spPr>
-        <p:txBody>
-          <a:bodyPr lIns="0" tIns="0" rIns="0" bIns="0" anchor="ctr"/>
-          <a:lstStyle/>
-          <a:p>
-            <a:pPr algn="l" defTabSz="2438400">
-              <a:defRPr sz="3600">
-                <a:solidFill>
-                  <a:srgbClr val="000000"/>
-                </a:solidFill>
-                <a:latin typeface="Arial"/>
-                <a:ea typeface="Arial"/>
-                <a:cs typeface="Arial"/>
-                <a:sym typeface="Arial"/>
-              </a:defRPr>
-            </a:pPr>
-          </a:p>
-        </p:txBody>
-      </p:sp>
+      </p:pic>
       <p:sp>
         <p:nvSpPr>
-          <p:cNvPr id="180" name="Google Shape;67;p14"/>
-          <p:cNvSpPr/>
-          <p:nvPr/>
-        </p:nvSpPr>
-        <p:spPr>
-          <a:xfrm>
-            <a:off x="-379401" y="3528600"/>
-            <a:ext cx="24966402" cy="1"/>
-          </a:xfrm>
-          <a:prstGeom prst="line">
-            <a:avLst/>
-          </a:prstGeom>
-          <a:ln w="76200">
-            <a:solidFill>
-              <a:srgbClr val="000000"/>
-            </a:solidFill>
-          </a:ln>
-        </p:spPr>
-        <p:txBody>
-          <a:bodyPr lIns="0" tIns="0" rIns="0" bIns="0"/>
-          <a:lstStyle/>
-          <a:p>
-            <a:pPr algn="l" defTabSz="2438400">
-              <a:defRPr sz="3600">
-                <a:solidFill>
-                  <a:srgbClr val="000000"/>
-                </a:solidFill>
-                <a:latin typeface="Arial"/>
-                <a:ea typeface="Arial"/>
-                <a:cs typeface="Arial"/>
-                <a:sym typeface="Arial"/>
-              </a:defRPr>
-            </a:pPr>
-          </a:p>
-        </p:txBody>
-      </p:sp>
-      <p:sp>
-        <p:nvSpPr>
-          <p:cNvPr id="181" name="2. Google Shape;68;p14"/>
+          <p:cNvPr id="190" name="Google Shape;55;p13"/>
           <p:cNvSpPr txBox="1"/>
           <p:nvPr>
             <p:ph type="title"/>
@@ -8557,21 +8557,25 @@
         </p:nvSpPr>
         <p:spPr>
           <a:xfrm>
-            <a:off x="903866" y="589508"/>
-            <a:ext cx="22721602" cy="2464984"/>
+            <a:off x="831199" y="531199"/>
+            <a:ext cx="22721602" cy="2640801"/>
           </a:xfrm>
           <a:prstGeom prst="rect">
             <a:avLst/>
           </a:prstGeom>
         </p:spPr>
         <p:txBody>
-          <a:bodyPr anchor="ctr"/>
+          <a:bodyPr/>
           <a:lstStyle>
-            <a:lvl1pPr>
-              <a:defRPr b="1" sz="12000">
-                <a:solidFill>
-                  <a:srgbClr val="FFFFFF"/>
-                </a:solidFill>
+            <a:lvl1pPr defTabSz="2194559">
+              <a:defRPr sz="12420">
+                <a:solidFill>
+                  <a:srgbClr val="FFFFFF"/>
+                </a:solidFill>
+                <a:latin typeface="Avenir Book"/>
+                <a:ea typeface="Avenir Book"/>
+                <a:cs typeface="Avenir Book"/>
+                <a:sym typeface="Avenir Book"/>
               </a:defRPr>
             </a:lvl1pPr>
           </a:lstStyle>
@@ -8585,14 +8589,14 @@
       </p:sp>
       <p:sp>
         <p:nvSpPr>
-          <p:cNvPr id="182" name="Google Shape;69;p14"/>
+          <p:cNvPr id="191" name="Google Shape;69;p14"/>
           <p:cNvSpPr txBox="1"/>
           <p:nvPr/>
         </p:nvSpPr>
         <p:spPr>
           <a:xfrm>
-            <a:off x="1105416" y="4916503"/>
-            <a:ext cx="21996769" cy="8429928"/>
+            <a:off x="1105416" y="3652449"/>
+            <a:ext cx="22955042" cy="10231071"/>
           </a:xfrm>
           <a:prstGeom prst="rect">
             <a:avLst/>
@@ -8612,313 +8616,222 @@
           </a:bodyPr>
           <a:lstStyle/>
           <a:p>
-            <a:pPr marL="660400" indent="-660400" algn="l" defTabSz="2438400">
-              <a:lnSpc>
-                <a:spcPct val="110000"/>
-              </a:lnSpc>
-              <a:buSzPct val="123000"/>
-              <a:buChar char="•"/>
+            <a:pPr algn="l" defTabSz="2438400">
+              <a:lnSpc>
+                <a:spcPct val="120000"/>
+              </a:lnSpc>
               <a:defRPr sz="5200">
                 <a:solidFill>
-                  <a:srgbClr val="000000"/>
-                </a:solidFill>
-                <a:latin typeface="Courier New"/>
-                <a:ea typeface="Courier New"/>
-                <a:cs typeface="Courier New"/>
-                <a:sym typeface="Courier New"/>
-              </a:defRPr>
-            </a:pPr>
-            <a:r>
-              <a:t>{table_name}</a:t>
-            </a:r>
-            <a:r>
-              <a:rPr>
+                  <a:srgbClr val="FFFFFF"/>
+                </a:solidFill>
                 <a:latin typeface="Arial"/>
                 <a:ea typeface="Arial"/>
                 <a:cs typeface="Arial"/>
                 <a:sym typeface="Arial"/>
+              </a:defRPr>
+            </a:pPr>
+            <a:r>
+              <a:rPr>
+                <a:latin typeface="Avenir Book"/>
+                <a:ea typeface="Avenir Book"/>
+                <a:cs typeface="Avenir Book"/>
+                <a:sym typeface="Avenir Book"/>
               </a:rPr>
-              <a:t> is the name of the table</a:t>
-            </a:r>
-            <a:endParaRPr>
-              <a:latin typeface="Arial"/>
-              <a:ea typeface="Arial"/>
-              <a:cs typeface="Arial"/>
-              <a:sym typeface="Arial"/>
-            </a:endParaRPr>
+              <a:t>We can create a new blank table or create a new one from existing tables using</a:t>
+            </a:r>
+            <a:r>
+              <a:t> </a:t>
+            </a:r>
+            <a:r>
+              <a:rPr>
+                <a:latin typeface="Courier New"/>
+                <a:ea typeface="Courier New"/>
+                <a:cs typeface="Courier New"/>
+                <a:sym typeface="Courier New"/>
+              </a:rPr>
+              <a:t>SELECT</a:t>
+            </a:r>
           </a:p>
           <a:p>
             <a:pPr marL="660400" indent="-660400" algn="l" defTabSz="2438400">
               <a:lnSpc>
-                <a:spcPct val="110000"/>
+                <a:spcPct val="120000"/>
               </a:lnSpc>
               <a:buSzPct val="123000"/>
               <a:buChar char="•"/>
               <a:defRPr sz="5200">
                 <a:solidFill>
-                  <a:srgbClr val="000000"/>
-                </a:solidFill>
-                <a:latin typeface="Courier New"/>
-                <a:ea typeface="Courier New"/>
-                <a:cs typeface="Courier New"/>
-                <a:sym typeface="Courier New"/>
-              </a:defRPr>
-            </a:pPr>
-            <a:r>
-              <a:t>{column_name}</a:t>
-            </a:r>
-            <a:r>
-              <a:rPr>
+                  <a:srgbClr val="FFFFFF"/>
+                </a:solidFill>
                 <a:latin typeface="Arial"/>
                 <a:ea typeface="Arial"/>
                 <a:cs typeface="Arial"/>
                 <a:sym typeface="Arial"/>
+              </a:defRPr>
+            </a:pPr>
+            <a:r>
+              <a:rPr>
+                <a:latin typeface="Avenir Book"/>
+                <a:ea typeface="Avenir Book"/>
+                <a:cs typeface="Avenir Book"/>
+                <a:sym typeface="Avenir Book"/>
               </a:rPr>
-              <a:t> is the name of the column</a:t>
+              <a:t>Blank tables can be created using the</a:t>
+            </a:r>
+            <a:r>
+              <a:t> </a:t>
+            </a:r>
+            <a:r>
+              <a:rPr>
+                <a:latin typeface="Courier New"/>
+                <a:ea typeface="Courier New"/>
+                <a:cs typeface="Courier New"/>
+                <a:sym typeface="Courier New"/>
+              </a:rPr>
+              <a:t>CREATE TABLE</a:t>
+            </a:r>
+            <a:r>
+              <a:t> </a:t>
+            </a:r>
+            <a:r>
+              <a:rPr>
+                <a:latin typeface="Avenir Book"/>
+                <a:ea typeface="Avenir Book"/>
+                <a:cs typeface="Avenir Book"/>
+                <a:sym typeface="Avenir Book"/>
+              </a:rPr>
+              <a:t>statement. The syntax is as follows:</a:t>
             </a:r>
             <a:endParaRPr>
-              <a:latin typeface="Arial"/>
-              <a:ea typeface="Arial"/>
-              <a:cs typeface="Arial"/>
-              <a:sym typeface="Arial"/>
+              <a:latin typeface="Avenir Book"/>
+              <a:ea typeface="Avenir Book"/>
+              <a:cs typeface="Avenir Book"/>
+              <a:sym typeface="Avenir Book"/>
             </a:endParaRPr>
           </a:p>
           <a:p>
-            <a:pPr marL="660400" indent="-660400" algn="l" defTabSz="2438400">
-              <a:lnSpc>
-                <a:spcPct val="110000"/>
-              </a:lnSpc>
-              <a:buSzPct val="123000"/>
-              <a:buChar char="•"/>
+            <a:pPr algn="l" defTabSz="2438400">
               <a:defRPr sz="5200">
                 <a:solidFill>
-                  <a:srgbClr val="000000"/>
-                </a:solidFill>
-                <a:latin typeface="Courier New"/>
-                <a:ea typeface="Courier New"/>
-                <a:cs typeface="Courier New"/>
-                <a:sym typeface="Courier New"/>
-              </a:defRPr>
-            </a:pPr>
-            <a:r>
-              <a:t>{data_type}</a:t>
-            </a:r>
-            <a:r>
-              <a:rPr>
-                <a:latin typeface="Arial"/>
-                <a:ea typeface="Arial"/>
-                <a:cs typeface="Arial"/>
-                <a:sym typeface="Arial"/>
-              </a:rPr>
-              <a:t> is the data type of the column:</a:t>
-            </a:r>
-            <a:endParaRPr>
-              <a:latin typeface="Arial"/>
-              <a:ea typeface="Arial"/>
-              <a:cs typeface="Arial"/>
-              <a:sym typeface="Arial"/>
-            </a:endParaRPr>
-          </a:p>
-          <a:p>
-            <a:pPr lvl="1" marL="1270000" indent="-660400" algn="l" defTabSz="2438400">
-              <a:lnSpc>
-                <a:spcPct val="110000"/>
-              </a:lnSpc>
-              <a:buSzPct val="123000"/>
-              <a:buChar char="•"/>
-              <a:defRPr sz="5200">
-                <a:solidFill>
-                  <a:srgbClr val="000000"/>
-                </a:solidFill>
-                <a:latin typeface="Courier New"/>
-                <a:ea typeface="Courier New"/>
-                <a:cs typeface="Courier New"/>
-                <a:sym typeface="Courier New"/>
-              </a:defRPr>
-            </a:pPr>
-            <a:r>
-              <a:t>INT: </a:t>
-            </a:r>
-            <a:r>
-              <a:rPr>
-                <a:latin typeface="Arial"/>
-                <a:ea typeface="Arial"/>
-                <a:cs typeface="Arial"/>
-                <a:sym typeface="Arial"/>
-              </a:rPr>
-              <a:t>−2,147,483,648 to 2,147,483,647</a:t>
-            </a:r>
-          </a:p>
-          <a:p>
-            <a:pPr lvl="1" marL="1270000" indent="-660400" algn="l" defTabSz="2438400">
-              <a:lnSpc>
-                <a:spcPct val="110000"/>
-              </a:lnSpc>
-              <a:buSzPct val="123000"/>
-              <a:buChar char="•"/>
-              <a:defRPr sz="5200">
-                <a:solidFill>
-                  <a:srgbClr val="000000"/>
-                </a:solidFill>
-                <a:latin typeface="Courier New"/>
-                <a:ea typeface="Courier New"/>
-                <a:cs typeface="Courier New"/>
-                <a:sym typeface="Courier New"/>
-              </a:defRPr>
-            </a:pPr>
-            <a:r>
-              <a:t>text: </a:t>
-            </a:r>
-            <a:r>
-              <a:rPr>
-                <a:latin typeface="Arial"/>
-                <a:ea typeface="Arial"/>
-                <a:cs typeface="Arial"/>
-                <a:sym typeface="Arial"/>
-              </a:rPr>
-              <a:t>Holds a string with a maximum length of 65,535 bytes</a:t>
-            </a:r>
-          </a:p>
-          <a:p>
-            <a:pPr lvl="1" marL="1270000" indent="-660400" algn="l" defTabSz="2438400">
-              <a:lnSpc>
-                <a:spcPct val="110000"/>
-              </a:lnSpc>
-              <a:buSzPct val="123000"/>
-              <a:buChar char="•"/>
-              <a:defRPr sz="5200">
-                <a:solidFill>
-                  <a:srgbClr val="000000"/>
-                </a:solidFill>
-                <a:latin typeface="Courier New"/>
-                <a:ea typeface="Courier New"/>
-                <a:cs typeface="Courier New"/>
-                <a:sym typeface="Courier New"/>
-              </a:defRPr>
-            </a:pPr>
-            <a:r>
-              <a:t>CHAR(size)</a:t>
-            </a:r>
-            <a:r>
-              <a:rPr>
-                <a:latin typeface="Arial"/>
-                <a:ea typeface="Arial"/>
-                <a:cs typeface="Arial"/>
-                <a:sym typeface="Arial"/>
-              </a:rPr>
-              <a:t>: A fixed length string</a:t>
-            </a:r>
-          </a:p>
-          <a:p>
-            <a:pPr lvl="1" marL="1270000" indent="-660400" algn="l" defTabSz="2438400">
-              <a:lnSpc>
-                <a:spcPct val="110000"/>
-              </a:lnSpc>
-              <a:buSzPct val="123000"/>
-              <a:buChar char="•"/>
-              <a:defRPr sz="5200">
-                <a:solidFill>
-                  <a:srgbClr val="000000"/>
-                </a:solidFill>
-                <a:latin typeface="Courier New"/>
-                <a:ea typeface="Courier New"/>
-                <a:cs typeface="Courier New"/>
-                <a:sym typeface="Courier New"/>
-              </a:defRPr>
-            </a:pPr>
-            <a:r>
-              <a:t>VARCHAR(size)</a:t>
-            </a:r>
-            <a:r>
-              <a:rPr>
-                <a:latin typeface="Arial"/>
-                <a:ea typeface="Arial"/>
-                <a:cs typeface="Arial"/>
-                <a:sym typeface="Arial"/>
-              </a:rPr>
-              <a:t>: A fixed length string</a:t>
-            </a:r>
-            <a:endParaRPr>
-              <a:latin typeface="Arial"/>
-              <a:ea typeface="Arial"/>
-              <a:cs typeface="Arial"/>
-              <a:sym typeface="Arial"/>
-            </a:endParaRPr>
-          </a:p>
-          <a:p>
-            <a:pPr lvl="1" marL="1270000" indent="-660400" algn="l" defTabSz="2438400">
-              <a:lnSpc>
-                <a:spcPct val="110000"/>
-              </a:lnSpc>
-              <a:buSzPct val="123000"/>
-              <a:buChar char="•"/>
-              <a:defRPr sz="5200">
-                <a:solidFill>
-                  <a:srgbClr val="000000"/>
-                </a:solidFill>
-                <a:latin typeface="Courier New"/>
-                <a:ea typeface="Courier New"/>
-                <a:cs typeface="Courier New"/>
-                <a:sym typeface="Courier New"/>
-              </a:defRPr>
-            </a:pPr>
-            <a:r>
-              <a:t>DATE:</a:t>
-            </a:r>
-            <a:r>
-              <a:rPr>
-                <a:latin typeface="Arial"/>
-                <a:ea typeface="Arial"/>
-                <a:cs typeface="Arial"/>
-                <a:sym typeface="Arial"/>
-              </a:rPr>
-              <a:t> YYYY-MM-DD</a:t>
-            </a:r>
-            <a:endParaRPr>
-              <a:latin typeface="Arial"/>
-              <a:ea typeface="Arial"/>
-              <a:cs typeface="Arial"/>
-              <a:sym typeface="Arial"/>
-            </a:endParaRPr>
-          </a:p>
-          <a:p>
-            <a:pPr lvl="1" marL="1270000" indent="-660400" algn="l" defTabSz="2438400">
-              <a:lnSpc>
-                <a:spcPct val="110000"/>
-              </a:lnSpc>
-              <a:buSzPct val="123000"/>
-              <a:buChar char="•"/>
-              <a:defRPr sz="5200">
-                <a:solidFill>
-                  <a:srgbClr val="000000"/>
-                </a:solidFill>
-                <a:latin typeface="Courier New"/>
-                <a:ea typeface="Courier New"/>
-                <a:cs typeface="Courier New"/>
-                <a:sym typeface="Courier New"/>
-              </a:defRPr>
-            </a:pPr>
-            <a:r>
-              <a:rPr>
-                <a:latin typeface="Arial"/>
-                <a:ea typeface="Arial"/>
-                <a:cs typeface="Arial"/>
-                <a:sym typeface="Arial"/>
-              </a:rPr>
-              <a:t>To see more data types, go to this </a:t>
-            </a:r>
-            <a:r>
-              <a:rPr u="sng">
-                <a:solidFill>
-                  <a:schemeClr val="accent6"/>
-                </a:solidFill>
-                <a:latin typeface="Arial"/>
-                <a:ea typeface="Arial"/>
-                <a:cs typeface="Arial"/>
-                <a:sym typeface="Arial"/>
-                <a:hlinkClick r:id="rId2" invalidUrl="" action="" tgtFrame="" tooltip="" history="1" highlightClick="0" endSnd="0"/>
-              </a:rPr>
-              <a:t>link</a:t>
+                  <a:srgbClr val="FFFFFF"/>
+                </a:solidFill>
+                <a:latin typeface="Courier New"/>
+                <a:ea typeface="Courier New"/>
+                <a:cs typeface="Courier New"/>
+                <a:sym typeface="Courier New"/>
+              </a:defRPr>
+            </a:pPr>
+          </a:p>
+          <a:p>
+            <a:pPr algn="l" defTabSz="2438400">
+              <a:defRPr sz="4600">
+                <a:solidFill>
+                  <a:srgbClr val="FFFFFF"/>
+                </a:solidFill>
+                <a:latin typeface="Courier New"/>
+                <a:ea typeface="Courier New"/>
+                <a:cs typeface="Courier New"/>
+                <a:sym typeface="Courier New"/>
+              </a:defRPr>
+            </a:pPr>
+            <a:r>
+              <a:t>CREATE TABLE {table_name} (</a:t>
+            </a:r>
+          </a:p>
+          <a:p>
+            <a:pPr lvl="1" algn="l" defTabSz="2438400">
+              <a:defRPr sz="4600">
+                <a:solidFill>
+                  <a:srgbClr val="FFFFFF"/>
+                </a:solidFill>
+                <a:latin typeface="Courier New"/>
+                <a:ea typeface="Courier New"/>
+                <a:cs typeface="Courier New"/>
+                <a:sym typeface="Courier New"/>
+              </a:defRPr>
+            </a:pPr>
+            <a:r>
+              <a:t>{column_name_1} {data_type_1} {column_constraint_1},</a:t>
+            </a:r>
+          </a:p>
+          <a:p>
+            <a:pPr lvl="1" algn="l" defTabSz="2438400">
+              <a:defRPr sz="4600">
+                <a:solidFill>
+                  <a:srgbClr val="FFFFFF"/>
+                </a:solidFill>
+                <a:latin typeface="Courier New"/>
+                <a:ea typeface="Courier New"/>
+                <a:cs typeface="Courier New"/>
+                <a:sym typeface="Courier New"/>
+              </a:defRPr>
+            </a:pPr>
+            <a:r>
+              <a:t>{column_name_2} {data_type_2} {column_constraint_2},</a:t>
+            </a:r>
+          </a:p>
+          <a:p>
+            <a:pPr lvl="1" algn="l" defTabSz="2438400">
+              <a:defRPr sz="4600">
+                <a:solidFill>
+                  <a:srgbClr val="FFFFFF"/>
+                </a:solidFill>
+                <a:latin typeface="Courier New"/>
+                <a:ea typeface="Courier New"/>
+                <a:cs typeface="Courier New"/>
+                <a:sym typeface="Courier New"/>
+              </a:defRPr>
+            </a:pPr>
+            <a:r>
+              <a:t>…</a:t>
+            </a:r>
+          </a:p>
+          <a:p>
+            <a:pPr lvl="1" algn="l" defTabSz="2438400">
+              <a:defRPr sz="4600">
+                <a:solidFill>
+                  <a:srgbClr val="FFFFFF"/>
+                </a:solidFill>
+                <a:latin typeface="Courier New"/>
+                <a:ea typeface="Courier New"/>
+                <a:cs typeface="Courier New"/>
+                <a:sym typeface="Courier New"/>
+              </a:defRPr>
+            </a:pPr>
+            <a:r>
+              <a:t>{column_name_last} {data_type_last} {column_constraint_last},</a:t>
+            </a:r>
+          </a:p>
+          <a:p>
+            <a:pPr lvl="1" algn="l" defTabSz="2438400">
+              <a:defRPr sz="4600">
+                <a:solidFill>
+                  <a:srgbClr val="FFFFFF"/>
+                </a:solidFill>
+                <a:latin typeface="Courier New"/>
+                <a:ea typeface="Courier New"/>
+                <a:cs typeface="Courier New"/>
+                <a:sym typeface="Courier New"/>
+              </a:defRPr>
+            </a:pPr>
+            <a:r>
+              <a:t>{additional_contraints}</a:t>
+            </a:r>
+          </a:p>
+          <a:p>
+            <a:pPr algn="l" defTabSz="2438400">
+              <a:defRPr sz="4600">
+                <a:solidFill>
+                  <a:srgbClr val="FFFFFF"/>
+                </a:solidFill>
+                <a:latin typeface="Courier New"/>
+                <a:ea typeface="Courier New"/>
+                <a:cs typeface="Courier New"/>
+                <a:sym typeface="Courier New"/>
+              </a:defRPr>
+            </a:pPr>
+            <a:r>
+              <a:t>);</a:t>
             </a:r>
           </a:p>
         </p:txBody>
@@ -8956,88 +8869,38 @@
           <a:chExt cx="0" cy="0"/>
         </a:xfrm>
       </p:grpSpPr>
-      <p:sp>
-        <p:nvSpPr>
-          <p:cNvPr id="184" name="Google Shape;66;p14"/>
-          <p:cNvSpPr/>
+      <p:pic>
+        <p:nvPicPr>
+          <p:cNvPr id="193" name="5f461d116006137.6059ac1f3a043.jpg" descr="5f461d116006137.6059ac1f3a043.jpg"/>
+          <p:cNvPicPr>
+            <a:picLocks noChangeAspect="1"/>
+          </p:cNvPicPr>
           <p:nvPr/>
-        </p:nvSpPr>
+        </p:nvPicPr>
+        <p:blipFill>
+          <a:blip r:embed="rId2">
+            <a:extLst/>
+          </a:blip>
+          <a:stretch>
+            <a:fillRect/>
+          </a:stretch>
+        </p:blipFill>
         <p:spPr>
           <a:xfrm>
-            <a:off x="-189734" y="-1"/>
-            <a:ext cx="24908800" cy="3644001"/>
+            <a:off x="-77249" y="-2562010"/>
+            <a:ext cx="24538498" cy="16359000"/>
           </a:xfrm>
           <a:prstGeom prst="rect">
             <a:avLst/>
           </a:prstGeom>
-          <a:solidFill>
-            <a:srgbClr val="264190"/>
-          </a:solidFill>
-          <a:ln w="76200">
-            <a:solidFill>
-              <a:srgbClr val="000000"/>
-            </a:solidFill>
+          <a:ln w="12700">
+            <a:miter lim="400000"/>
           </a:ln>
         </p:spPr>
-        <p:txBody>
-          <a:bodyPr lIns="0" tIns="0" rIns="0" bIns="0" anchor="ctr"/>
-          <a:lstStyle/>
-          <a:p>
-            <a:pPr algn="l" defTabSz="2438400">
-              <a:defRPr sz="3600">
-                <a:solidFill>
-                  <a:srgbClr val="000000"/>
-                </a:solidFill>
-                <a:latin typeface="Arial"/>
-                <a:ea typeface="Arial"/>
-                <a:cs typeface="Arial"/>
-                <a:sym typeface="Arial"/>
-              </a:defRPr>
-            </a:pPr>
-          </a:p>
-        </p:txBody>
-      </p:sp>
+      </p:pic>
       <p:sp>
         <p:nvSpPr>
-          <p:cNvPr id="185" name="Google Shape;67;p14"/>
-          <p:cNvSpPr/>
-          <p:nvPr/>
-        </p:nvSpPr>
-        <p:spPr>
-          <a:xfrm>
-            <a:off x="-379401" y="3528600"/>
-            <a:ext cx="24966402" cy="1"/>
-          </a:xfrm>
-          <a:prstGeom prst="line">
-            <a:avLst/>
-          </a:prstGeom>
-          <a:ln w="76200">
-            <a:solidFill>
-              <a:srgbClr val="000000"/>
-            </a:solidFill>
-          </a:ln>
-        </p:spPr>
-        <p:txBody>
-          <a:bodyPr lIns="0" tIns="0" rIns="0" bIns="0"/>
-          <a:lstStyle/>
-          <a:p>
-            <a:pPr algn="l" defTabSz="2438400">
-              <a:defRPr sz="3600">
-                <a:solidFill>
-                  <a:srgbClr val="000000"/>
-                </a:solidFill>
-                <a:latin typeface="Arial"/>
-                <a:ea typeface="Arial"/>
-                <a:cs typeface="Arial"/>
-                <a:sym typeface="Arial"/>
-              </a:defRPr>
-            </a:pPr>
-          </a:p>
-        </p:txBody>
-      </p:sp>
-      <p:sp>
-        <p:nvSpPr>
-          <p:cNvPr id="186" name="2. Google Shape;68;p14"/>
+          <p:cNvPr id="194" name="Google Shape;55;p13"/>
           <p:cNvSpPr txBox="1"/>
           <p:nvPr>
             <p:ph type="title"/>
@@ -9045,42 +8908,46 @@
         </p:nvSpPr>
         <p:spPr>
           <a:xfrm>
-            <a:off x="903866" y="589508"/>
-            <a:ext cx="22721602" cy="2464984"/>
+            <a:off x="831199" y="531199"/>
+            <a:ext cx="22721602" cy="2640801"/>
           </a:xfrm>
           <a:prstGeom prst="rect">
             <a:avLst/>
           </a:prstGeom>
         </p:spPr>
         <p:txBody>
-          <a:bodyPr anchor="ctr"/>
+          <a:bodyPr/>
           <a:lstStyle>
-            <a:lvl1pPr>
-              <a:defRPr b="1" sz="12000">
-                <a:solidFill>
-                  <a:srgbClr val="FFFFFF"/>
-                </a:solidFill>
+            <a:lvl1pPr defTabSz="2194559">
+              <a:defRPr sz="12420">
+                <a:solidFill>
+                  <a:srgbClr val="FFFFFF"/>
+                </a:solidFill>
+                <a:latin typeface="Avenir Book"/>
+                <a:ea typeface="Avenir Book"/>
+                <a:cs typeface="Avenir Book"/>
+                <a:sym typeface="Avenir Book"/>
               </a:defRPr>
             </a:lvl1pPr>
           </a:lstStyle>
           <a:p>
             <a:pPr/>
             <a:r>
-              <a:t>Creating Tables - Constraints</a:t>
+              <a:t>Creating Tables</a:t>
             </a:r>
           </a:p>
         </p:txBody>
       </p:sp>
       <p:sp>
         <p:nvSpPr>
-          <p:cNvPr id="187" name="Google Shape;69;p14"/>
+          <p:cNvPr id="195" name="Google Shape;69;p14"/>
           <p:cNvSpPr txBox="1"/>
           <p:nvPr/>
         </p:nvSpPr>
         <p:spPr>
           <a:xfrm>
-            <a:off x="1105416" y="4002708"/>
-            <a:ext cx="21996769" cy="9740314"/>
+            <a:off x="1193616" y="3860053"/>
+            <a:ext cx="21996769" cy="9475496"/>
           </a:xfrm>
           <a:prstGeom prst="rect">
             <a:avLst/>
@@ -9108,16 +8975,16 @@
               <a:buChar char="•"/>
               <a:defRPr sz="5200">
                 <a:solidFill>
-                  <a:srgbClr val="000000"/>
-                </a:solidFill>
-                <a:latin typeface="Courier New"/>
-                <a:ea typeface="Courier New"/>
-                <a:cs typeface="Courier New"/>
-                <a:sym typeface="Courier New"/>
-              </a:defRPr>
-            </a:pPr>
-            <a:r>
-              <a:t>{column_constraint}</a:t>
+                  <a:srgbClr val="FFFFFF"/>
+                </a:solidFill>
+                <a:latin typeface="Courier New"/>
+                <a:ea typeface="Courier New"/>
+                <a:cs typeface="Courier New"/>
+                <a:sym typeface="Courier New"/>
+              </a:defRPr>
+            </a:pPr>
+            <a:r>
+              <a:t>{table_name}</a:t>
             </a:r>
             <a:r>
               <a:rPr>
@@ -9126,17 +8993,26 @@
                 <a:cs typeface="Arial"/>
                 <a:sym typeface="Arial"/>
               </a:rPr>
-              <a:t> one or more optional keywords giving special properties to the column:</a:t>
+              <a:t> </a:t>
+            </a:r>
+            <a:r>
+              <a:rPr>
+                <a:latin typeface="Avenir Book"/>
+                <a:ea typeface="Avenir Book"/>
+                <a:cs typeface="Avenir Book"/>
+                <a:sym typeface="Avenir Book"/>
+              </a:rPr>
+              <a:t>is the name of the table</a:t>
             </a:r>
             <a:endParaRPr>
-              <a:latin typeface="Arial"/>
-              <a:ea typeface="Arial"/>
-              <a:cs typeface="Arial"/>
-              <a:sym typeface="Arial"/>
+              <a:latin typeface="Avenir Book"/>
+              <a:ea typeface="Avenir Book"/>
+              <a:cs typeface="Avenir Book"/>
+              <a:sym typeface="Avenir Book"/>
             </a:endParaRPr>
           </a:p>
           <a:p>
-            <a:pPr lvl="2" marL="1879600" indent="-660400" algn="l" defTabSz="2438400">
+            <a:pPr marL="660400" indent="-660400" algn="l" defTabSz="2438400">
               <a:lnSpc>
                 <a:spcPct val="110000"/>
               </a:lnSpc>
@@ -9144,16 +9020,16 @@
               <a:buChar char="•"/>
               <a:defRPr sz="5200">
                 <a:solidFill>
-                  <a:srgbClr val="000000"/>
-                </a:solidFill>
-                <a:latin typeface="Courier New"/>
-                <a:ea typeface="Courier New"/>
-                <a:cs typeface="Courier New"/>
-                <a:sym typeface="Courier New"/>
-              </a:defRPr>
-            </a:pPr>
-            <a:r>
-              <a:t>CHECK: </a:t>
+                  <a:srgbClr val="FFFFFF"/>
+                </a:solidFill>
+                <a:latin typeface="Courier New"/>
+                <a:ea typeface="Courier New"/>
+                <a:cs typeface="Courier New"/>
+                <a:sym typeface="Courier New"/>
+              </a:defRPr>
+            </a:pPr>
+            <a:r>
+              <a:t>{column_name}</a:t>
             </a:r>
             <a:r>
               <a:rPr>
@@ -9162,17 +9038,26 @@
                 <a:cs typeface="Arial"/>
                 <a:sym typeface="Arial"/>
               </a:rPr>
-              <a:t>Ensure that a boolean condition is met</a:t>
+              <a:t> </a:t>
+            </a:r>
+            <a:r>
+              <a:rPr>
+                <a:latin typeface="Avenir Book"/>
+                <a:ea typeface="Avenir Book"/>
+                <a:cs typeface="Avenir Book"/>
+                <a:sym typeface="Avenir Book"/>
+              </a:rPr>
+              <a:t>is the name of the column</a:t>
             </a:r>
             <a:endParaRPr>
-              <a:latin typeface="Arial"/>
-              <a:ea typeface="Arial"/>
-              <a:cs typeface="Arial"/>
-              <a:sym typeface="Arial"/>
+              <a:latin typeface="Avenir Book"/>
+              <a:ea typeface="Avenir Book"/>
+              <a:cs typeface="Avenir Book"/>
+              <a:sym typeface="Avenir Book"/>
             </a:endParaRPr>
           </a:p>
           <a:p>
-            <a:pPr lvl="2" marL="1879600" indent="-660400" algn="l" defTabSz="2438400">
+            <a:pPr marL="660400" indent="-660400" algn="l" defTabSz="2438400">
               <a:lnSpc>
                 <a:spcPct val="110000"/>
               </a:lnSpc>
@@ -9180,16 +9065,16 @@
               <a:buChar char="•"/>
               <a:defRPr sz="5200">
                 <a:solidFill>
-                  <a:srgbClr val="000000"/>
-                </a:solidFill>
-                <a:latin typeface="Courier New"/>
-                <a:ea typeface="Courier New"/>
-                <a:cs typeface="Courier New"/>
-                <a:sym typeface="Courier New"/>
-              </a:defRPr>
-            </a:pPr>
-            <a:r>
-              <a:t>NOT_NULL:</a:t>
+                  <a:srgbClr val="FFFFFF"/>
+                </a:solidFill>
+                <a:latin typeface="Courier New"/>
+                <a:ea typeface="Courier New"/>
+                <a:cs typeface="Courier New"/>
+                <a:sym typeface="Courier New"/>
+              </a:defRPr>
+            </a:pPr>
+            <a:r>
+              <a:t>{data_type}</a:t>
             </a:r>
             <a:r>
               <a:rPr>
@@ -9198,11 +9083,26 @@
                 <a:cs typeface="Arial"/>
                 <a:sym typeface="Arial"/>
               </a:rPr>
-              <a:t> Ensure that no row has a NULL value</a:t>
-            </a:r>
-          </a:p>
-          <a:p>
-            <a:pPr lvl="2" marL="1879600" indent="-660400" algn="l" defTabSz="2438400">
+              <a:t> </a:t>
+            </a:r>
+            <a:r>
+              <a:rPr>
+                <a:latin typeface="Avenir Book"/>
+                <a:ea typeface="Avenir Book"/>
+                <a:cs typeface="Avenir Book"/>
+                <a:sym typeface="Avenir Book"/>
+              </a:rPr>
+              <a:t>is the data type of the column:</a:t>
+            </a:r>
+            <a:endParaRPr>
+              <a:latin typeface="Avenir Book"/>
+              <a:ea typeface="Avenir Book"/>
+              <a:cs typeface="Avenir Book"/>
+              <a:sym typeface="Avenir Book"/>
+            </a:endParaRPr>
+          </a:p>
+          <a:p>
+            <a:pPr lvl="1" marL="1270000" indent="-660400" algn="l" defTabSz="2438400">
               <a:lnSpc>
                 <a:spcPct val="110000"/>
               </a:lnSpc>
@@ -9210,16 +9110,16 @@
               <a:buChar char="•"/>
               <a:defRPr sz="5200">
                 <a:solidFill>
-                  <a:srgbClr val="000000"/>
-                </a:solidFill>
-                <a:latin typeface="Courier New"/>
-                <a:ea typeface="Courier New"/>
-                <a:cs typeface="Courier New"/>
-                <a:sym typeface="Courier New"/>
-              </a:defRPr>
-            </a:pPr>
-            <a:r>
-              <a:t>UNIQUE:</a:t>
+                  <a:srgbClr val="FFFFFF"/>
+                </a:solidFill>
+                <a:latin typeface="Courier New"/>
+                <a:ea typeface="Courier New"/>
+                <a:cs typeface="Courier New"/>
+                <a:sym typeface="Courier New"/>
+              </a:defRPr>
+            </a:pPr>
+            <a:r>
+              <a:t>INT: </a:t>
             </a:r>
             <a:r>
               <a:rPr>
@@ -9228,11 +9128,26 @@
                 <a:cs typeface="Arial"/>
                 <a:sym typeface="Arial"/>
               </a:rPr>
-              <a:t> Ensure that all values are different</a:t>
-            </a:r>
-          </a:p>
-          <a:p>
-            <a:pPr lvl="2" marL="1879600" indent="-660400" algn="l" defTabSz="2438400">
+              <a:t>−</a:t>
+            </a:r>
+            <a:r>
+              <a:rPr>
+                <a:latin typeface="Avenir Book"/>
+                <a:ea typeface="Avenir Book"/>
+                <a:cs typeface="Avenir Book"/>
+                <a:sym typeface="Avenir Book"/>
+              </a:rPr>
+              <a:t>2,147,483,648 to 2,147,483,647</a:t>
+            </a:r>
+            <a:endParaRPr>
+              <a:latin typeface="Avenir Book"/>
+              <a:ea typeface="Avenir Book"/>
+              <a:cs typeface="Avenir Book"/>
+              <a:sym typeface="Avenir Book"/>
+            </a:endParaRPr>
+          </a:p>
+          <a:p>
+            <a:pPr lvl="1" marL="1270000" indent="-660400" algn="l" defTabSz="2438400">
               <a:lnSpc>
                 <a:spcPct val="110000"/>
               </a:lnSpc>
@@ -9240,16 +9155,52 @@
               <a:buChar char="•"/>
               <a:defRPr sz="5200">
                 <a:solidFill>
-                  <a:srgbClr val="000000"/>
-                </a:solidFill>
-                <a:latin typeface="Courier New"/>
-                <a:ea typeface="Courier New"/>
-                <a:cs typeface="Courier New"/>
-                <a:sym typeface="Courier New"/>
-              </a:defRPr>
-            </a:pPr>
-            <a:r>
-              <a:t>PRIMARY KEY:</a:t>
+                  <a:srgbClr val="FFFFFF"/>
+                </a:solidFill>
+                <a:latin typeface="Courier New"/>
+                <a:ea typeface="Courier New"/>
+                <a:cs typeface="Courier New"/>
+                <a:sym typeface="Courier New"/>
+              </a:defRPr>
+            </a:pPr>
+            <a:r>
+              <a:t>text: </a:t>
+            </a:r>
+            <a:r>
+              <a:rPr>
+                <a:latin typeface="Avenir Book"/>
+                <a:ea typeface="Avenir Book"/>
+                <a:cs typeface="Avenir Book"/>
+                <a:sym typeface="Avenir Book"/>
+              </a:rPr>
+              <a:t>Holds a string with a maximum length of 65,535 bytes</a:t>
+            </a:r>
+            <a:endParaRPr>
+              <a:latin typeface="Avenir Book"/>
+              <a:ea typeface="Avenir Book"/>
+              <a:cs typeface="Avenir Book"/>
+              <a:sym typeface="Avenir Book"/>
+            </a:endParaRPr>
+          </a:p>
+          <a:p>
+            <a:pPr lvl="1" marL="1270000" indent="-660400" algn="l" defTabSz="2438400">
+              <a:lnSpc>
+                <a:spcPct val="110000"/>
+              </a:lnSpc>
+              <a:buSzPct val="123000"/>
+              <a:buChar char="•"/>
+              <a:defRPr sz="5200">
+                <a:solidFill>
+                  <a:srgbClr val="FFFFFF"/>
+                </a:solidFill>
+                <a:latin typeface="Courier New"/>
+                <a:ea typeface="Courier New"/>
+                <a:cs typeface="Courier New"/>
+                <a:sym typeface="Courier New"/>
+              </a:defRPr>
+            </a:pPr>
+            <a:r>
+              <a:t>CHAR(size)</a:t>
             </a:r>
             <a:r>
               <a:rPr>
@@ -9258,10 +9209,43 @@
                 <a:cs typeface="Arial"/>
                 <a:sym typeface="Arial"/>
               </a:rPr>
-              <a:t> Combination of </a:t>
-            </a:r>
-            <a:r>
-              <a:t>NOT_NULL</a:t>
+              <a:t>: </a:t>
+            </a:r>
+            <a:r>
+              <a:rPr>
+                <a:latin typeface="Avenir Book"/>
+                <a:ea typeface="Avenir Book"/>
+                <a:cs typeface="Avenir Book"/>
+                <a:sym typeface="Avenir Book"/>
+              </a:rPr>
+              <a:t>A fixed length string</a:t>
+            </a:r>
+            <a:endParaRPr>
+              <a:latin typeface="Avenir Book"/>
+              <a:ea typeface="Avenir Book"/>
+              <a:cs typeface="Avenir Book"/>
+              <a:sym typeface="Avenir Book"/>
+            </a:endParaRPr>
+          </a:p>
+          <a:p>
+            <a:pPr lvl="1" marL="1270000" indent="-660400" algn="l" defTabSz="2438400">
+              <a:lnSpc>
+                <a:spcPct val="110000"/>
+              </a:lnSpc>
+              <a:buSzPct val="123000"/>
+              <a:buChar char="•"/>
+              <a:defRPr sz="5200">
+                <a:solidFill>
+                  <a:srgbClr val="FFFFFF"/>
+                </a:solidFill>
+                <a:latin typeface="Courier New"/>
+                <a:ea typeface="Courier New"/>
+                <a:cs typeface="Courier New"/>
+                <a:sym typeface="Courier New"/>
+              </a:defRPr>
+            </a:pPr>
+            <a:r>
+              <a:t>VARCHAR(size)</a:t>
             </a:r>
             <a:r>
               <a:rPr>
@@ -9270,10 +9254,43 @@
                 <a:cs typeface="Arial"/>
                 <a:sym typeface="Arial"/>
               </a:rPr>
-              <a:t> and </a:t>
-            </a:r>
-            <a:r>
-              <a:t>UNIQUE.</a:t>
+              <a:t>: </a:t>
+            </a:r>
+            <a:r>
+              <a:rPr>
+                <a:latin typeface="Avenir Book"/>
+                <a:ea typeface="Avenir Book"/>
+                <a:cs typeface="Avenir Book"/>
+                <a:sym typeface="Avenir Book"/>
+              </a:rPr>
+              <a:t>A fixed length string</a:t>
+            </a:r>
+            <a:endParaRPr>
+              <a:latin typeface="Avenir Book"/>
+              <a:ea typeface="Avenir Book"/>
+              <a:cs typeface="Avenir Book"/>
+              <a:sym typeface="Avenir Book"/>
+            </a:endParaRPr>
+          </a:p>
+          <a:p>
+            <a:pPr lvl="1" marL="1270000" indent="-660400" algn="l" defTabSz="2438400">
+              <a:lnSpc>
+                <a:spcPct val="110000"/>
+              </a:lnSpc>
+              <a:buSzPct val="123000"/>
+              <a:buChar char="•"/>
+              <a:defRPr sz="5200">
+                <a:solidFill>
+                  <a:srgbClr val="FFFFFF"/>
+                </a:solidFill>
+                <a:latin typeface="Courier New"/>
+                <a:ea typeface="Courier New"/>
+                <a:cs typeface="Courier New"/>
+                <a:sym typeface="Courier New"/>
+              </a:defRPr>
+            </a:pPr>
+            <a:r>
+              <a:t>DATE:</a:t>
             </a:r>
             <a:r>
               <a:rPr>
@@ -9282,17 +9299,26 @@
                 <a:cs typeface="Arial"/>
                 <a:sym typeface="Arial"/>
               </a:rPr>
-              <a:t> Helps the RDBSM finding the key quicker</a:t>
+              <a:t> </a:t>
+            </a:r>
+            <a:r>
+              <a:rPr>
+                <a:latin typeface="Avenir Book"/>
+                <a:ea typeface="Avenir Book"/>
+                <a:cs typeface="Avenir Book"/>
+                <a:sym typeface="Avenir Book"/>
+              </a:rPr>
+              <a:t>YYYY-MM-DD</a:t>
             </a:r>
             <a:endParaRPr>
-              <a:latin typeface="Arial"/>
-              <a:ea typeface="Arial"/>
-              <a:cs typeface="Arial"/>
-              <a:sym typeface="Arial"/>
+              <a:latin typeface="Avenir Book"/>
+              <a:ea typeface="Avenir Book"/>
+              <a:cs typeface="Avenir Book"/>
+              <a:sym typeface="Avenir Book"/>
             </a:endParaRPr>
           </a:p>
           <a:p>
-            <a:pPr lvl="2" marL="1879600" indent="-660400" algn="l" defTabSz="2438400">
+            <a:pPr lvl="1" marL="1270000" indent="-660400" algn="l" defTabSz="2438400">
               <a:lnSpc>
                 <a:spcPct val="110000"/>
               </a:lnSpc>
@@ -9308,6 +9334,18 @@
                 <a:sym typeface="Courier New"/>
               </a:defRPr>
             </a:pPr>
+            <a:r>
+              <a:rPr>
+                <a:solidFill>
+                  <a:srgbClr val="FFFFFF"/>
+                </a:solidFill>
+                <a:latin typeface="Avenir Book"/>
+                <a:ea typeface="Avenir Book"/>
+                <a:cs typeface="Avenir Book"/>
+                <a:sym typeface="Avenir Book"/>
+              </a:rPr>
+              <a:t>To see more data types, go to this</a:t>
+            </a:r>
             <a:r>
               <a:rPr>
                 <a:latin typeface="Arial"/>
@@ -9315,59 +9353,20 @@
                 <a:cs typeface="Arial"/>
                 <a:sym typeface="Arial"/>
               </a:rPr>
-              <a:t>For more constraints, visit this </a:t>
+              <a:t> </a:t>
             </a:r>
             <a:r>
               <a:rPr u="sng">
                 <a:solidFill>
-                  <a:schemeClr val="accent3">
-                    <a:hueOff val="914338"/>
-                    <a:satOff val="31515"/>
-                    <a:lumOff val="-30790"/>
-                  </a:schemeClr>
+                  <a:schemeClr val="accent2"/>
                 </a:solidFill>
                 <a:latin typeface="Arial"/>
                 <a:ea typeface="Arial"/>
                 <a:cs typeface="Arial"/>
                 <a:sym typeface="Arial"/>
-                <a:hlinkClick r:id="rId2" invalidUrl="" action="" tgtFrame="" tooltip="" history="1" highlightClick="0" endSnd="0"/>
+                <a:hlinkClick r:id="rId3" invalidUrl="" action="" tgtFrame="" tooltip="" history="1" highlightClick="0" endSnd="0"/>
               </a:rPr>
               <a:t>link</a:t>
-            </a:r>
-          </a:p>
-          <a:p>
-            <a:pPr algn="l" defTabSz="2438400">
-              <a:lnSpc>
-                <a:spcPct val="110000"/>
-              </a:lnSpc>
-              <a:defRPr sz="5200">
-                <a:solidFill>
-                  <a:srgbClr val="000000"/>
-                </a:solidFill>
-                <a:latin typeface="Courier New"/>
-                <a:ea typeface="Courier New"/>
-                <a:cs typeface="Courier New"/>
-                <a:sym typeface="Courier New"/>
-              </a:defRPr>
-            </a:pPr>
-          </a:p>
-          <a:p>
-            <a:pPr algn="l" defTabSz="2438400">
-              <a:lnSpc>
-                <a:spcPct val="110000"/>
-              </a:lnSpc>
-              <a:defRPr i="1" sz="4600">
-                <a:solidFill>
-                  <a:srgbClr val="000000"/>
-                </a:solidFill>
-                <a:latin typeface="Arial"/>
-                <a:ea typeface="Arial"/>
-                <a:cs typeface="Arial"/>
-                <a:sym typeface="Arial"/>
-              </a:defRPr>
-            </a:pPr>
-            <a:r>
-              <a:t>Remember that the table starts blank, and then we populate data. The added data will be limited by the data type constraints we set now.</a:t>
             </a:r>
           </a:p>
         </p:txBody>
@@ -9405,88 +9404,38 @@
           <a:chExt cx="0" cy="0"/>
         </a:xfrm>
       </p:grpSpPr>
-      <p:sp>
-        <p:nvSpPr>
-          <p:cNvPr id="189" name="Google Shape;66;p14"/>
-          <p:cNvSpPr/>
+      <p:pic>
+        <p:nvPicPr>
+          <p:cNvPr id="197" name="5f461d116006137.6059ac1f3a043.jpg" descr="5f461d116006137.6059ac1f3a043.jpg"/>
+          <p:cNvPicPr>
+            <a:picLocks noChangeAspect="1"/>
+          </p:cNvPicPr>
           <p:nvPr/>
-        </p:nvSpPr>
+        </p:nvPicPr>
+        <p:blipFill>
+          <a:blip r:embed="rId2">
+            <a:extLst/>
+          </a:blip>
+          <a:stretch>
+            <a:fillRect/>
+          </a:stretch>
+        </p:blipFill>
         <p:spPr>
           <a:xfrm>
-            <a:off x="-189734" y="-1"/>
-            <a:ext cx="24908800" cy="3644001"/>
+            <a:off x="-77249" y="-2562010"/>
+            <a:ext cx="24538498" cy="16359000"/>
           </a:xfrm>
           <a:prstGeom prst="rect">
             <a:avLst/>
           </a:prstGeom>
-          <a:solidFill>
-            <a:srgbClr val="264190"/>
-          </a:solidFill>
-          <a:ln w="76200">
-            <a:solidFill>
-              <a:srgbClr val="000000"/>
-            </a:solidFill>
+          <a:ln w="12700">
+            <a:miter lim="400000"/>
           </a:ln>
         </p:spPr>
-        <p:txBody>
-          <a:bodyPr lIns="0" tIns="0" rIns="0" bIns="0" anchor="ctr"/>
-          <a:lstStyle/>
-          <a:p>
-            <a:pPr algn="l" defTabSz="2438400">
-              <a:defRPr sz="3600">
-                <a:solidFill>
-                  <a:srgbClr val="000000"/>
-                </a:solidFill>
-                <a:latin typeface="Arial"/>
-                <a:ea typeface="Arial"/>
-                <a:cs typeface="Arial"/>
-                <a:sym typeface="Arial"/>
-              </a:defRPr>
-            </a:pPr>
-          </a:p>
-        </p:txBody>
-      </p:sp>
+      </p:pic>
       <p:sp>
         <p:nvSpPr>
-          <p:cNvPr id="190" name="Google Shape;67;p14"/>
-          <p:cNvSpPr/>
-          <p:nvPr/>
-        </p:nvSpPr>
-        <p:spPr>
-          <a:xfrm>
-            <a:off x="-379401" y="3528600"/>
-            <a:ext cx="24966402" cy="1"/>
-          </a:xfrm>
-          <a:prstGeom prst="line">
-            <a:avLst/>
-          </a:prstGeom>
-          <a:ln w="76200">
-            <a:solidFill>
-              <a:srgbClr val="000000"/>
-            </a:solidFill>
-          </a:ln>
-        </p:spPr>
-        <p:txBody>
-          <a:bodyPr lIns="0" tIns="0" rIns="0" bIns="0"/>
-          <a:lstStyle/>
-          <a:p>
-            <a:pPr algn="l" defTabSz="2438400">
-              <a:defRPr sz="3600">
-                <a:solidFill>
-                  <a:srgbClr val="000000"/>
-                </a:solidFill>
-                <a:latin typeface="Arial"/>
-                <a:ea typeface="Arial"/>
-                <a:cs typeface="Arial"/>
-                <a:sym typeface="Arial"/>
-              </a:defRPr>
-            </a:pPr>
-          </a:p>
-        </p:txBody>
-      </p:sp>
-      <p:sp>
-        <p:nvSpPr>
-          <p:cNvPr id="191" name="2. Google Shape;68;p14"/>
+          <p:cNvPr id="198" name="Google Shape;55;p13"/>
           <p:cNvSpPr txBox="1"/>
           <p:nvPr>
             <p:ph type="title"/>
@@ -9494,42 +9443,46 @@
         </p:nvSpPr>
         <p:spPr>
           <a:xfrm>
-            <a:off x="903866" y="589508"/>
-            <a:ext cx="22721602" cy="2464984"/>
+            <a:off x="831199" y="531199"/>
+            <a:ext cx="22721602" cy="2640801"/>
           </a:xfrm>
           <a:prstGeom prst="rect">
             <a:avLst/>
           </a:prstGeom>
         </p:spPr>
         <p:txBody>
-          <a:bodyPr anchor="ctr"/>
+          <a:bodyPr/>
           <a:lstStyle>
-            <a:lvl1pPr>
-              <a:defRPr b="1" sz="12000">
-                <a:solidFill>
-                  <a:srgbClr val="FFFFFF"/>
-                </a:solidFill>
+            <a:lvl1pPr defTabSz="2194559">
+              <a:defRPr sz="12420">
+                <a:solidFill>
+                  <a:srgbClr val="FFFFFF"/>
+                </a:solidFill>
+                <a:latin typeface="Avenir Book"/>
+                <a:ea typeface="Avenir Book"/>
+                <a:cs typeface="Avenir Book"/>
+                <a:sym typeface="Avenir Book"/>
               </a:defRPr>
             </a:lvl1pPr>
           </a:lstStyle>
           <a:p>
             <a:pPr/>
             <a:r>
-              <a:t>Constraints - CHECK</a:t>
+              <a:t>Creating Tables - Constraints</a:t>
             </a:r>
           </a:p>
         </p:txBody>
       </p:sp>
       <p:sp>
         <p:nvSpPr>
-          <p:cNvPr id="192" name="Google Shape;69;p14"/>
+          <p:cNvPr id="199" name="Google Shape;69;p14"/>
           <p:cNvSpPr txBox="1"/>
           <p:nvPr/>
         </p:nvSpPr>
         <p:spPr>
           <a:xfrm>
-            <a:off x="1105416" y="5633745"/>
-            <a:ext cx="21996769" cy="6270102"/>
+            <a:off x="1105416" y="2832048"/>
+            <a:ext cx="21996769" cy="11159456"/>
           </a:xfrm>
           <a:prstGeom prst="rect">
             <a:avLst/>
@@ -9549,7 +9502,7 @@
           </a:bodyPr>
           <a:lstStyle/>
           <a:p>
-            <a:pPr lvl="1" marL="1270000" indent="-660400" algn="l" defTabSz="2438400">
+            <a:pPr marL="660400" indent="-660400" algn="l" defTabSz="2438400">
               <a:lnSpc>
                 <a:spcPct val="110000"/>
               </a:lnSpc>
@@ -9557,16 +9510,16 @@
               <a:buChar char="•"/>
               <a:defRPr sz="5200">
                 <a:solidFill>
-                  <a:srgbClr val="000000"/>
-                </a:solidFill>
-                <a:latin typeface="Courier New"/>
-                <a:ea typeface="Courier New"/>
-                <a:cs typeface="Courier New"/>
-                <a:sym typeface="Courier New"/>
-              </a:defRPr>
-            </a:pPr>
-            <a:r>
-              <a:t>CHECK: </a:t>
+                  <a:srgbClr val="FFFFFF"/>
+                </a:solidFill>
+                <a:latin typeface="Courier New"/>
+                <a:ea typeface="Courier New"/>
+                <a:cs typeface="Courier New"/>
+                <a:sym typeface="Courier New"/>
+              </a:defRPr>
+            </a:pPr>
+            <a:r>
+              <a:t>{column_constraint}</a:t>
             </a:r>
             <a:r>
               <a:rPr>
@@ -9575,7 +9528,16 @@
                 <a:cs typeface="Arial"/>
                 <a:sym typeface="Arial"/>
               </a:rPr>
-              <a:t>Ensure that a boolean condition is met</a:t>
+              <a:t> </a:t>
+            </a:r>
+            <a:r>
+              <a:rPr>
+                <a:latin typeface="Avenir Book"/>
+                <a:ea typeface="Avenir Book"/>
+                <a:cs typeface="Avenir Book"/>
+                <a:sym typeface="Avenir Book"/>
+              </a:rPr>
+              <a:t>one or more optional keywords giving special properties to the column:</a:t>
             </a:r>
             <a:endParaRPr>
               <a:latin typeface="Arial"/>
@@ -9585,7 +9547,7 @@
             </a:endParaRPr>
           </a:p>
           <a:p>
-            <a:pPr lvl="1" marL="1270000" indent="-660400" algn="l" defTabSz="2438400">
+            <a:pPr lvl="2" marL="1879600" indent="-660400" algn="l" defTabSz="2438400">
               <a:lnSpc>
                 <a:spcPct val="110000"/>
               </a:lnSpc>
@@ -9593,14 +9555,26 @@
               <a:buChar char="•"/>
               <a:defRPr sz="5200">
                 <a:solidFill>
-                  <a:srgbClr val="000000"/>
-                </a:solidFill>
-                <a:latin typeface="Courier New"/>
-                <a:ea typeface="Courier New"/>
-                <a:cs typeface="Courier New"/>
-                <a:sym typeface="Courier New"/>
-              </a:defRPr>
-            </a:pPr>
+                  <a:srgbClr val="FFFFFF"/>
+                </a:solidFill>
+                <a:latin typeface="Courier New"/>
+                <a:ea typeface="Courier New"/>
+                <a:cs typeface="Courier New"/>
+                <a:sym typeface="Courier New"/>
+              </a:defRPr>
+            </a:pPr>
+            <a:r>
+              <a:t>CHECK</a:t>
+            </a:r>
+            <a:r>
+              <a:rPr>
+                <a:latin typeface="Avenir Book"/>
+                <a:ea typeface="Avenir Book"/>
+                <a:cs typeface="Avenir Book"/>
+                <a:sym typeface="Avenir Book"/>
+              </a:rPr>
+              <a:t>: Ensure that a boolean condition is met</a:t>
+            </a:r>
             <a:endParaRPr>
               <a:latin typeface="Arial"/>
               <a:ea typeface="Arial"/>
@@ -9609,12 +9583,152 @@
             </a:endParaRPr>
           </a:p>
           <a:p>
-            <a:pPr lvl="1" algn="l" defTabSz="2438400">
+            <a:pPr lvl="2" marL="1879600" indent="-660400" algn="l" defTabSz="2438400">
               <a:lnSpc>
                 <a:spcPct val="110000"/>
               </a:lnSpc>
+              <a:buSzPct val="123000"/>
+              <a:buChar char="•"/>
               <a:defRPr sz="5200">
                 <a:solidFill>
+                  <a:srgbClr val="FFFFFF"/>
+                </a:solidFill>
+                <a:latin typeface="Courier New"/>
+                <a:ea typeface="Courier New"/>
+                <a:cs typeface="Courier New"/>
+                <a:sym typeface="Courier New"/>
+              </a:defRPr>
+            </a:pPr>
+            <a:r>
+              <a:t>NOT_NULL</a:t>
+            </a:r>
+            <a:r>
+              <a:rPr>
+                <a:latin typeface="Avenir Book"/>
+                <a:ea typeface="Avenir Book"/>
+                <a:cs typeface="Avenir Book"/>
+                <a:sym typeface="Avenir Book"/>
+              </a:rPr>
+              <a:t>: Ensure that no row has a NULL value</a:t>
+            </a:r>
+          </a:p>
+          <a:p>
+            <a:pPr lvl="2" marL="1879600" indent="-660400" algn="l" defTabSz="2438400">
+              <a:lnSpc>
+                <a:spcPct val="110000"/>
+              </a:lnSpc>
+              <a:buSzPct val="123000"/>
+              <a:buChar char="•"/>
+              <a:defRPr sz="5200">
+                <a:solidFill>
+                  <a:srgbClr val="FFFFFF"/>
+                </a:solidFill>
+                <a:latin typeface="Courier New"/>
+                <a:ea typeface="Courier New"/>
+                <a:cs typeface="Courier New"/>
+                <a:sym typeface="Courier New"/>
+              </a:defRPr>
+            </a:pPr>
+            <a:r>
+              <a:t>UNIQUE</a:t>
+            </a:r>
+            <a:r>
+              <a:rPr>
+                <a:latin typeface="Avenir Book"/>
+                <a:ea typeface="Avenir Book"/>
+                <a:cs typeface="Avenir Book"/>
+                <a:sym typeface="Avenir Book"/>
+              </a:rPr>
+              <a:t>: Ensure that all values are different</a:t>
+            </a:r>
+          </a:p>
+          <a:p>
+            <a:pPr lvl="2" marL="1879600" indent="-660400" algn="l" defTabSz="2438400">
+              <a:lnSpc>
+                <a:spcPct val="110000"/>
+              </a:lnSpc>
+              <a:buSzPct val="123000"/>
+              <a:buChar char="•"/>
+              <a:defRPr sz="5200">
+                <a:solidFill>
+                  <a:srgbClr val="FFFFFF"/>
+                </a:solidFill>
+                <a:latin typeface="Courier New"/>
+                <a:ea typeface="Courier New"/>
+                <a:cs typeface="Courier New"/>
+                <a:sym typeface="Courier New"/>
+              </a:defRPr>
+            </a:pPr>
+            <a:r>
+              <a:t>PRIMARY KEY:</a:t>
+            </a:r>
+            <a:r>
+              <a:rPr>
+                <a:latin typeface="Arial"/>
+                <a:ea typeface="Arial"/>
+                <a:cs typeface="Arial"/>
+                <a:sym typeface="Arial"/>
+              </a:rPr>
+              <a:t> </a:t>
+            </a:r>
+            <a:r>
+              <a:rPr>
+                <a:latin typeface="Avenir Book"/>
+                <a:ea typeface="Avenir Book"/>
+                <a:cs typeface="Avenir Book"/>
+                <a:sym typeface="Avenir Book"/>
+              </a:rPr>
+              <a:t>Combination of </a:t>
+            </a:r>
+            <a:r>
+              <a:t>NOT_NULL</a:t>
+            </a:r>
+            <a:r>
+              <a:rPr>
+                <a:latin typeface="Avenir Book"/>
+                <a:ea typeface="Avenir Book"/>
+                <a:cs typeface="Avenir Book"/>
+                <a:sym typeface="Avenir Book"/>
+              </a:rPr>
+              <a:t> and</a:t>
+            </a:r>
+            <a:r>
+              <a:rPr>
+                <a:latin typeface="Arial"/>
+                <a:ea typeface="Arial"/>
+                <a:cs typeface="Arial"/>
+                <a:sym typeface="Arial"/>
+              </a:rPr>
+              <a:t> </a:t>
+            </a:r>
+            <a:r>
+              <a:t>UNIQUE</a:t>
+            </a:r>
+            <a:r>
+              <a:rPr>
+                <a:latin typeface="Avenir Book"/>
+                <a:ea typeface="Avenir Book"/>
+                <a:cs typeface="Avenir Book"/>
+                <a:sym typeface="Avenir Book"/>
+              </a:rPr>
+              <a:t>. Helps the RDBSM finding the key quicker</a:t>
+            </a:r>
+            <a:endParaRPr>
+              <a:latin typeface="Avenir Book"/>
+              <a:ea typeface="Avenir Book"/>
+              <a:cs typeface="Avenir Book"/>
+              <a:sym typeface="Avenir Book"/>
+            </a:endParaRPr>
+          </a:p>
+          <a:p>
+            <a:pPr lvl="2" marL="1879600" indent="-660400" algn="l" defTabSz="2438400">
+              <a:lnSpc>
+                <a:spcPct val="110000"/>
+              </a:lnSpc>
+              <a:buSzPct val="123000"/>
+              <a:buChar char="•"/>
+              <a:defRPr sz="5200">
+                <a:solidFill>
                   <a:srgbClr val="000000"/>
                 </a:solidFill>
                 <a:latin typeface="Courier New"/>
@@ -9624,83 +9738,73 @@
               </a:defRPr>
             </a:pPr>
             <a:r>
-              <a:t>CREATE TABLE movies (</a:t>
-            </a:r>
-          </a:p>
-          <a:p>
-            <a:pPr lvl="3" algn="l" defTabSz="2438400">
+              <a:rPr>
+                <a:solidFill>
+                  <a:srgbClr val="FFFFFF"/>
+                </a:solidFill>
+                <a:latin typeface="Avenir Book"/>
+                <a:ea typeface="Avenir Book"/>
+                <a:cs typeface="Avenir Book"/>
+                <a:sym typeface="Avenir Book"/>
+              </a:rPr>
+              <a:t>For more constraints, visit this</a:t>
+            </a:r>
+            <a:r>
+              <a:rPr>
+                <a:latin typeface="Arial"/>
+                <a:ea typeface="Arial"/>
+                <a:cs typeface="Arial"/>
+                <a:sym typeface="Arial"/>
+              </a:rPr>
+              <a:t> </a:t>
+            </a:r>
+            <a:r>
+              <a:rPr u="sng">
+                <a:solidFill>
+                  <a:schemeClr val="accent2"/>
+                </a:solidFill>
+                <a:latin typeface="Arial"/>
+                <a:ea typeface="Arial"/>
+                <a:cs typeface="Arial"/>
+                <a:sym typeface="Arial"/>
+                <a:hlinkClick r:id="rId3" invalidUrl="" action="" tgtFrame="" tooltip="" history="1" highlightClick="0" endSnd="0"/>
+              </a:rPr>
+              <a:t>link</a:t>
+            </a:r>
+          </a:p>
+          <a:p>
+            <a:pPr algn="l" defTabSz="2438400">
               <a:lnSpc>
                 <a:spcPct val="110000"/>
               </a:lnSpc>
               <a:defRPr sz="5200">
                 <a:solidFill>
-                  <a:srgbClr val="000000"/>
-                </a:solidFill>
-                <a:latin typeface="Courier New"/>
-                <a:ea typeface="Courier New"/>
-                <a:cs typeface="Courier New"/>
-                <a:sym typeface="Courier New"/>
-              </a:defRPr>
-            </a:pPr>
-            <a:r>
-              <a:t>title VARCHAR(30),</a:t>
-            </a:r>
-          </a:p>
-          <a:p>
-            <a:pPr lvl="3" algn="l" defTabSz="2438400">
+                  <a:srgbClr val="FFFFFF"/>
+                </a:solidFill>
+                <a:latin typeface="Avenir Book Oblique"/>
+                <a:ea typeface="Avenir Book Oblique"/>
+                <a:cs typeface="Avenir Book Oblique"/>
+                <a:sym typeface="Avenir Book Oblique"/>
+              </a:defRPr>
+            </a:pPr>
+          </a:p>
+          <a:p>
+            <a:pPr algn="l" defTabSz="2438400">
               <a:lnSpc>
                 <a:spcPct val="110000"/>
               </a:lnSpc>
-              <a:defRPr sz="5200">
-                <a:solidFill>
-                  <a:srgbClr val="000000"/>
-                </a:solidFill>
-                <a:latin typeface="Courier New"/>
-                <a:ea typeface="Courier New"/>
-                <a:cs typeface="Courier New"/>
-                <a:sym typeface="Courier New"/>
-              </a:defRPr>
-            </a:pPr>
-            <a:r>
-              <a:t>release_date DATE,</a:t>
-            </a:r>
-          </a:p>
-          <a:p>
-            <a:pPr lvl="3" algn="l" defTabSz="2438400">
-              <a:lnSpc>
-                <a:spcPct val="110000"/>
-              </a:lnSpc>
-              <a:defRPr sz="5200">
-                <a:solidFill>
-                  <a:srgbClr val="000000"/>
-                </a:solidFill>
-                <a:latin typeface="Courier New"/>
-                <a:ea typeface="Courier New"/>
-                <a:cs typeface="Courier New"/>
-                <a:sym typeface="Courier New"/>
-              </a:defRPr>
-            </a:pPr>
-            <a:r>
-              <a:t>minutes INT CHECK (minutes &gt; 0)</a:t>
-            </a:r>
-          </a:p>
-          <a:p>
-            <a:pPr lvl="2" algn="l" defTabSz="2438400">
-              <a:lnSpc>
-                <a:spcPct val="110000"/>
-              </a:lnSpc>
-              <a:defRPr sz="5200">
-                <a:solidFill>
-                  <a:srgbClr val="000000"/>
-                </a:solidFill>
-                <a:latin typeface="Courier New"/>
-                <a:ea typeface="Courier New"/>
-                <a:cs typeface="Courier New"/>
-                <a:sym typeface="Courier New"/>
-              </a:defRPr>
-            </a:pPr>
-            <a:r>
-              <a:t>);</a:t>
+              <a:defRPr sz="4600">
+                <a:solidFill>
+                  <a:srgbClr val="FFFFFF"/>
+                </a:solidFill>
+                <a:latin typeface="Avenir Book Oblique"/>
+                <a:ea typeface="Avenir Book Oblique"/>
+                <a:cs typeface="Avenir Book Oblique"/>
+                <a:sym typeface="Avenir Book Oblique"/>
+              </a:defRPr>
+            </a:pPr>
+            <a:r>
+              <a:t>Remember that the table starts blank, and then we populate data. The added data will be limited by the data type constraints we set now.</a:t>
             </a:r>
           </a:p>
         </p:txBody>
@@ -9738,88 +9842,38 @@
           <a:chExt cx="0" cy="0"/>
         </a:xfrm>
       </p:grpSpPr>
-      <p:sp>
-        <p:nvSpPr>
-          <p:cNvPr id="194" name="Google Shape;66;p14"/>
-          <p:cNvSpPr/>
+      <p:pic>
+        <p:nvPicPr>
+          <p:cNvPr id="201" name="5f461d116006137.6059ac1f3a043.jpg" descr="5f461d116006137.6059ac1f3a043.jpg"/>
+          <p:cNvPicPr>
+            <a:picLocks noChangeAspect="1"/>
+          </p:cNvPicPr>
           <p:nvPr/>
-        </p:nvSpPr>
+        </p:nvPicPr>
+        <p:blipFill>
+          <a:blip r:embed="rId2">
+            <a:extLst/>
+          </a:blip>
+          <a:stretch>
+            <a:fillRect/>
+          </a:stretch>
+        </p:blipFill>
         <p:spPr>
           <a:xfrm>
-            <a:off x="-189734" y="-1"/>
-            <a:ext cx="24908800" cy="3644001"/>
+            <a:off x="-77249" y="-2562010"/>
+            <a:ext cx="24538498" cy="16359000"/>
           </a:xfrm>
           <a:prstGeom prst="rect">
             <a:avLst/>
           </a:prstGeom>
-          <a:solidFill>
-            <a:srgbClr val="264190"/>
-          </a:solidFill>
-          <a:ln w="76200">
-            <a:solidFill>
-              <a:srgbClr val="000000"/>
-            </a:solidFill>
+          <a:ln w="12700">
+            <a:miter lim="400000"/>
           </a:ln>
         </p:spPr>
-        <p:txBody>
-          <a:bodyPr lIns="0" tIns="0" rIns="0" bIns="0" anchor="ctr"/>
-          <a:lstStyle/>
-          <a:p>
-            <a:pPr algn="l" defTabSz="2438400">
-              <a:defRPr sz="3600">
-                <a:solidFill>
-                  <a:srgbClr val="000000"/>
-                </a:solidFill>
-                <a:latin typeface="Arial"/>
-                <a:ea typeface="Arial"/>
-                <a:cs typeface="Arial"/>
-                <a:sym typeface="Arial"/>
-              </a:defRPr>
-            </a:pPr>
-          </a:p>
-        </p:txBody>
-      </p:sp>
+      </p:pic>
       <p:sp>
         <p:nvSpPr>
-          <p:cNvPr id="195" name="Google Shape;67;p14"/>
-          <p:cNvSpPr/>
-          <p:nvPr/>
-        </p:nvSpPr>
-        <p:spPr>
-          <a:xfrm>
-            <a:off x="-379401" y="3528600"/>
-            <a:ext cx="24966402" cy="1"/>
-          </a:xfrm>
-          <a:prstGeom prst="line">
-            <a:avLst/>
-          </a:prstGeom>
-          <a:ln w="76200">
-            <a:solidFill>
-              <a:srgbClr val="000000"/>
-            </a:solidFill>
-          </a:ln>
-        </p:spPr>
-        <p:txBody>
-          <a:bodyPr lIns="0" tIns="0" rIns="0" bIns="0"/>
-          <a:lstStyle/>
-          <a:p>
-            <a:pPr algn="l" defTabSz="2438400">
-              <a:defRPr sz="3600">
-                <a:solidFill>
-                  <a:srgbClr val="000000"/>
-                </a:solidFill>
-                <a:latin typeface="Arial"/>
-                <a:ea typeface="Arial"/>
-                <a:cs typeface="Arial"/>
-                <a:sym typeface="Arial"/>
-              </a:defRPr>
-            </a:pPr>
-          </a:p>
-        </p:txBody>
-      </p:sp>
-      <p:sp>
-        <p:nvSpPr>
-          <p:cNvPr id="196" name="2. Google Shape;68;p14"/>
+          <p:cNvPr id="202" name="Google Shape;55;p13"/>
           <p:cNvSpPr txBox="1"/>
           <p:nvPr>
             <p:ph type="title"/>
@@ -9827,21 +9881,25 @@
         </p:nvSpPr>
         <p:spPr>
           <a:xfrm>
-            <a:off x="903866" y="589508"/>
-            <a:ext cx="22721602" cy="2464984"/>
+            <a:off x="831199" y="531199"/>
+            <a:ext cx="22721602" cy="2640801"/>
           </a:xfrm>
           <a:prstGeom prst="rect">
             <a:avLst/>
           </a:prstGeom>
         </p:spPr>
         <p:txBody>
-          <a:bodyPr anchor="ctr"/>
+          <a:bodyPr/>
           <a:lstStyle>
-            <a:lvl1pPr>
-              <a:defRPr b="1" sz="12000">
-                <a:solidFill>
-                  <a:srgbClr val="FFFFFF"/>
-                </a:solidFill>
+            <a:lvl1pPr defTabSz="2194559">
+              <a:defRPr sz="12420">
+                <a:solidFill>
+                  <a:srgbClr val="FFFFFF"/>
+                </a:solidFill>
+                <a:latin typeface="Avenir Book"/>
+                <a:ea typeface="Avenir Book"/>
+                <a:cs typeface="Avenir Book"/>
+                <a:sym typeface="Avenir Book"/>
               </a:defRPr>
             </a:lvl1pPr>
           </a:lstStyle>
@@ -9855,14 +9913,14 @@
       </p:sp>
       <p:sp>
         <p:nvSpPr>
-          <p:cNvPr id="197" name="Google Shape;69;p14"/>
+          <p:cNvPr id="203" name="Google Shape;69;p14"/>
           <p:cNvSpPr txBox="1"/>
           <p:nvPr/>
         </p:nvSpPr>
         <p:spPr>
           <a:xfrm>
-            <a:off x="289898" y="5144434"/>
-            <a:ext cx="23303504" cy="7106142"/>
+            <a:off x="1105416" y="5633745"/>
+            <a:ext cx="21996769" cy="6361731"/>
           </a:xfrm>
           <a:prstGeom prst="rect">
             <a:avLst/>
@@ -9890,25 +9948,25 @@
               <a:buChar char="•"/>
               <a:defRPr sz="5200">
                 <a:solidFill>
-                  <a:srgbClr val="000000"/>
-                </a:solidFill>
-                <a:latin typeface="Courier New"/>
-                <a:ea typeface="Courier New"/>
-                <a:cs typeface="Courier New"/>
-                <a:sym typeface="Courier New"/>
-              </a:defRPr>
-            </a:pPr>
-            <a:r>
-              <a:t>CONSTRAINT: </a:t>
+                  <a:srgbClr val="FFFFFF"/>
+                </a:solidFill>
+                <a:latin typeface="Courier New"/>
+                <a:ea typeface="Courier New"/>
+                <a:cs typeface="Courier New"/>
+                <a:sym typeface="Courier New"/>
+              </a:defRPr>
+            </a:pPr>
+            <a:r>
+              <a:t>CHECK: </a:t>
             </a:r>
             <a:r>
               <a:rPr>
-                <a:latin typeface="Arial"/>
-                <a:ea typeface="Arial"/>
-                <a:cs typeface="Arial"/>
-                <a:sym typeface="Arial"/>
+                <a:latin typeface="Avenir Book"/>
+                <a:ea typeface="Avenir Book"/>
+                <a:cs typeface="Avenir Book"/>
+                <a:sym typeface="Avenir Book"/>
               </a:rPr>
-              <a:t>You can give a name to a condition, so error messages are descriptive</a:t>
+              <a:t>Ensures that a boolean condition is met</a:t>
             </a:r>
             <a:endParaRPr>
               <a:latin typeface="Arial"/>
@@ -9918,13 +9976,15 @@
             </a:endParaRPr>
           </a:p>
           <a:p>
-            <a:pPr algn="l" defTabSz="2438400">
+            <a:pPr lvl="1" marL="1270000" indent="-660400" algn="l" defTabSz="2438400">
               <a:lnSpc>
                 <a:spcPct val="110000"/>
               </a:lnSpc>
+              <a:buSzPct val="123000"/>
+              <a:buChar char="•"/>
               <a:defRPr sz="5200">
                 <a:solidFill>
-                  <a:srgbClr val="000000"/>
+                  <a:srgbClr val="FFFFFF"/>
                 </a:solidFill>
                 <a:latin typeface="Courier New"/>
                 <a:ea typeface="Courier New"/>
@@ -9940,97 +10000,89 @@
             </a:endParaRPr>
           </a:p>
           <a:p>
+            <a:pPr lvl="1" algn="l" defTabSz="2438400">
+              <a:lnSpc>
+                <a:spcPct val="110000"/>
+              </a:lnSpc>
+              <a:defRPr sz="5200">
+                <a:solidFill>
+                  <a:srgbClr val="FFFFFF"/>
+                </a:solidFill>
+                <a:latin typeface="Courier New"/>
+                <a:ea typeface="Courier New"/>
+                <a:cs typeface="Courier New"/>
+                <a:sym typeface="Courier New"/>
+              </a:defRPr>
+            </a:pPr>
+            <a:r>
+              <a:t>CREATE TABLE movies (</a:t>
+            </a:r>
+          </a:p>
+          <a:p>
+            <a:pPr lvl="3" algn="l" defTabSz="2438400">
+              <a:lnSpc>
+                <a:spcPct val="110000"/>
+              </a:lnSpc>
+              <a:defRPr sz="5200">
+                <a:solidFill>
+                  <a:srgbClr val="FFFFFF"/>
+                </a:solidFill>
+                <a:latin typeface="Courier New"/>
+                <a:ea typeface="Courier New"/>
+                <a:cs typeface="Courier New"/>
+                <a:sym typeface="Courier New"/>
+              </a:defRPr>
+            </a:pPr>
+            <a:r>
+              <a:t>title VARCHAR(30),</a:t>
+            </a:r>
+          </a:p>
+          <a:p>
+            <a:pPr lvl="3" algn="l" defTabSz="2438400">
+              <a:lnSpc>
+                <a:spcPct val="110000"/>
+              </a:lnSpc>
+              <a:defRPr sz="5200">
+                <a:solidFill>
+                  <a:srgbClr val="FFFFFF"/>
+                </a:solidFill>
+                <a:latin typeface="Courier New"/>
+                <a:ea typeface="Courier New"/>
+                <a:cs typeface="Courier New"/>
+                <a:sym typeface="Courier New"/>
+              </a:defRPr>
+            </a:pPr>
+            <a:r>
+              <a:t>release_date DATE,</a:t>
+            </a:r>
+          </a:p>
+          <a:p>
+            <a:pPr lvl="3" algn="l" defTabSz="2438400">
+              <a:lnSpc>
+                <a:spcPct val="110000"/>
+              </a:lnSpc>
+              <a:defRPr sz="5200">
+                <a:solidFill>
+                  <a:srgbClr val="FFFFFF"/>
+                </a:solidFill>
+                <a:latin typeface="Courier New"/>
+                <a:ea typeface="Courier New"/>
+                <a:cs typeface="Courier New"/>
+                <a:sym typeface="Courier New"/>
+              </a:defRPr>
+            </a:pPr>
+            <a:r>
+              <a:t>minutes INT CHECK (minutes &gt; 0)</a:t>
+            </a:r>
+          </a:p>
+          <a:p>
             <a:pPr lvl="2" algn="l" defTabSz="2438400">
               <a:lnSpc>
                 <a:spcPct val="110000"/>
               </a:lnSpc>
               <a:defRPr sz="5200">
                 <a:solidFill>
-                  <a:srgbClr val="000000"/>
-                </a:solidFill>
-                <a:latin typeface="Courier New"/>
-                <a:ea typeface="Courier New"/>
-                <a:cs typeface="Courier New"/>
-                <a:sym typeface="Courier New"/>
-              </a:defRPr>
-            </a:pPr>
-            <a:r>
-              <a:t>CREATE TABLE movies (</a:t>
-            </a:r>
-          </a:p>
-          <a:p>
-            <a:pPr lvl="3" algn="l" defTabSz="2438400">
-              <a:lnSpc>
-                <a:spcPct val="110000"/>
-              </a:lnSpc>
-              <a:defRPr sz="5200">
-                <a:solidFill>
-                  <a:srgbClr val="000000"/>
-                </a:solidFill>
-                <a:latin typeface="Courier New"/>
-                <a:ea typeface="Courier New"/>
-                <a:cs typeface="Courier New"/>
-                <a:sym typeface="Courier New"/>
-              </a:defRPr>
-            </a:pPr>
-            <a:r>
-              <a:t> title VARCHAR(30),</a:t>
-            </a:r>
-          </a:p>
-          <a:p>
-            <a:pPr lvl="3" algn="l" defTabSz="2438400">
-              <a:lnSpc>
-                <a:spcPct val="110000"/>
-              </a:lnSpc>
-              <a:defRPr sz="5200">
-                <a:solidFill>
-                  <a:srgbClr val="000000"/>
-                </a:solidFill>
-                <a:latin typeface="Courier New"/>
-                <a:ea typeface="Courier New"/>
-                <a:cs typeface="Courier New"/>
-                <a:sym typeface="Courier New"/>
-              </a:defRPr>
-            </a:pPr>
-            <a:r>
-              <a:t> release_date DATE,</a:t>
-            </a:r>
-          </a:p>
-          <a:p>
-            <a:pPr lvl="4" algn="l" defTabSz="2438400">
-              <a:lnSpc>
-                <a:spcPct val="110000"/>
-              </a:lnSpc>
-              <a:defRPr sz="5200">
-                <a:solidFill>
-                  <a:srgbClr val="000000"/>
-                </a:solidFill>
-                <a:latin typeface="Courier New"/>
-                <a:ea typeface="Courier New"/>
-                <a:cs typeface="Courier New"/>
-                <a:sym typeface="Courier New"/>
-              </a:defRPr>
-            </a:pPr>
-            <a:r>
-              <a:t>minutes INT CONSTRAINT positive</a:t>
-            </a:r>
-            <a:r>
-              <a:rPr>
-                <a:solidFill>
-                  <a:srgbClr val="0D0A0B"/>
-                </a:solidFill>
-              </a:rPr>
-              <a:t> CHECK (minutes &gt; 0)</a:t>
-            </a:r>
-          </a:p>
-          <a:p>
-            <a:pPr lvl="2" algn="l" defTabSz="2438400">
-              <a:lnSpc>
-                <a:spcPct val="110000"/>
-              </a:lnSpc>
-              <a:defRPr sz="5200">
-                <a:solidFill>
-                  <a:srgbClr val="000000"/>
+                  <a:srgbClr val="FFFFFF"/>
                 </a:solidFill>
                 <a:latin typeface="Courier New"/>
                 <a:ea typeface="Courier New"/>
@@ -10077,88 +10129,38 @@
           <a:chExt cx="0" cy="0"/>
         </a:xfrm>
       </p:grpSpPr>
-      <p:sp>
-        <p:nvSpPr>
-          <p:cNvPr id="199" name="Google Shape;66;p14"/>
-          <p:cNvSpPr/>
+      <p:pic>
+        <p:nvPicPr>
+          <p:cNvPr id="205" name="5f461d116006137.6059ac1f3a043.jpg" descr="5f461d116006137.6059ac1f3a043.jpg"/>
+          <p:cNvPicPr>
+            <a:picLocks noChangeAspect="1"/>
+          </p:cNvPicPr>
           <p:nvPr/>
-        </p:nvSpPr>
+        </p:nvPicPr>
+        <p:blipFill>
+          <a:blip r:embed="rId2">
+            <a:extLst/>
+          </a:blip>
+          <a:stretch>
+            <a:fillRect/>
+          </a:stretch>
+        </p:blipFill>
         <p:spPr>
           <a:xfrm>
-            <a:off x="-189734" y="-1"/>
-            <a:ext cx="24908800" cy="3644001"/>
+            <a:off x="-77249" y="-2562010"/>
+            <a:ext cx="24538498" cy="16359000"/>
           </a:xfrm>
           <a:prstGeom prst="rect">
             <a:avLst/>
           </a:prstGeom>
-          <a:solidFill>
-            <a:srgbClr val="264190"/>
-          </a:solidFill>
-          <a:ln w="76200">
-            <a:solidFill>
-              <a:srgbClr val="000000"/>
-            </a:solidFill>
+          <a:ln w="12700">
+            <a:miter lim="400000"/>
           </a:ln>
         </p:spPr>
-        <p:txBody>
-          <a:bodyPr lIns="0" tIns="0" rIns="0" bIns="0" anchor="ctr"/>
-          <a:lstStyle/>
-          <a:p>
-            <a:pPr algn="l" defTabSz="2438400">
-              <a:defRPr sz="3600">
-                <a:solidFill>
-                  <a:srgbClr val="000000"/>
-                </a:solidFill>
-                <a:latin typeface="Arial"/>
-                <a:ea typeface="Arial"/>
-                <a:cs typeface="Arial"/>
-                <a:sym typeface="Arial"/>
-              </a:defRPr>
-            </a:pPr>
-          </a:p>
-        </p:txBody>
-      </p:sp>
+      </p:pic>
       <p:sp>
         <p:nvSpPr>
-          <p:cNvPr id="200" name="Google Shape;67;p14"/>
-          <p:cNvSpPr/>
-          <p:nvPr/>
-        </p:nvSpPr>
-        <p:spPr>
-          <a:xfrm>
-            <a:off x="-379401" y="3528600"/>
-            <a:ext cx="24966402" cy="1"/>
-          </a:xfrm>
-          <a:prstGeom prst="line">
-            <a:avLst/>
-          </a:prstGeom>
-          <a:ln w="76200">
-            <a:solidFill>
-              <a:srgbClr val="000000"/>
-            </a:solidFill>
-          </a:ln>
-        </p:spPr>
-        <p:txBody>
-          <a:bodyPr lIns="0" tIns="0" rIns="0" bIns="0"/>
-          <a:lstStyle/>
-          <a:p>
-            <a:pPr algn="l" defTabSz="2438400">
-              <a:defRPr sz="3600">
-                <a:solidFill>
-                  <a:srgbClr val="000000"/>
-                </a:solidFill>
-                <a:latin typeface="Arial"/>
-                <a:ea typeface="Arial"/>
-                <a:cs typeface="Arial"/>
-                <a:sym typeface="Arial"/>
-              </a:defRPr>
-            </a:pPr>
-          </a:p>
-        </p:txBody>
-      </p:sp>
-      <p:sp>
-        <p:nvSpPr>
-          <p:cNvPr id="201" name="2. Google Shape;68;p14"/>
+          <p:cNvPr id="206" name="Google Shape;55;p13"/>
           <p:cNvSpPr txBox="1"/>
           <p:nvPr>
             <p:ph type="title"/>
@@ -10166,21 +10168,25 @@
         </p:nvSpPr>
         <p:spPr>
           <a:xfrm>
-            <a:off x="903866" y="589508"/>
-            <a:ext cx="22721602" cy="2464984"/>
+            <a:off x="831199" y="531199"/>
+            <a:ext cx="22721602" cy="2640801"/>
           </a:xfrm>
           <a:prstGeom prst="rect">
             <a:avLst/>
           </a:prstGeom>
         </p:spPr>
         <p:txBody>
-          <a:bodyPr anchor="ctr"/>
+          <a:bodyPr/>
           <a:lstStyle>
-            <a:lvl1pPr>
-              <a:defRPr b="1" sz="12000">
-                <a:solidFill>
-                  <a:srgbClr val="FFFFFF"/>
-                </a:solidFill>
+            <a:lvl1pPr defTabSz="2194559">
+              <a:defRPr sz="12420">
+                <a:solidFill>
+                  <a:srgbClr val="FFFFFF"/>
+                </a:solidFill>
+                <a:latin typeface="Avenir Book"/>
+                <a:ea typeface="Avenir Book"/>
+                <a:cs typeface="Avenir Book"/>
+                <a:sym typeface="Avenir Book"/>
               </a:defRPr>
             </a:lvl1pPr>
           </a:lstStyle>
@@ -10194,14 +10200,14 @@
       </p:sp>
       <p:sp>
         <p:nvSpPr>
-          <p:cNvPr id="202" name="Google Shape;69;p14"/>
+          <p:cNvPr id="207" name="Google Shape;69;p14"/>
           <p:cNvSpPr txBox="1"/>
           <p:nvPr/>
         </p:nvSpPr>
         <p:spPr>
           <a:xfrm>
             <a:off x="289898" y="5144434"/>
-            <a:ext cx="23303504" cy="6985680"/>
+            <a:ext cx="23303504" cy="7353601"/>
           </a:xfrm>
           <a:prstGeom prst="rect">
             <a:avLst/>
@@ -10229,17 +10235,32 @@
               <a:buChar char="•"/>
               <a:defRPr sz="5200">
                 <a:solidFill>
-                  <a:srgbClr val="000000"/>
-                </a:solidFill>
-                <a:latin typeface="Arial"/>
-                <a:ea typeface="Arial"/>
-                <a:cs typeface="Arial"/>
-                <a:sym typeface="Arial"/>
-              </a:defRPr>
-            </a:pPr>
-            <a:r>
-              <a:t>We can also add constraints between columns</a:t>
-            </a:r>
+                  <a:srgbClr val="FFFFFF"/>
+                </a:solidFill>
+                <a:latin typeface="Courier New"/>
+                <a:ea typeface="Courier New"/>
+                <a:cs typeface="Courier New"/>
+                <a:sym typeface="Courier New"/>
+              </a:defRPr>
+            </a:pPr>
+            <a:r>
+              <a:t>CONSTRAINT: </a:t>
+            </a:r>
+            <a:r>
+              <a:rPr>
+                <a:latin typeface="Avenir Book"/>
+                <a:ea typeface="Avenir Book"/>
+                <a:cs typeface="Avenir Book"/>
+                <a:sym typeface="Avenir Book"/>
+              </a:rPr>
+              <a:t>You can give a name to a condition, so error messages are descriptive</a:t>
+            </a:r>
+            <a:endParaRPr>
+              <a:latin typeface="Arial"/>
+              <a:ea typeface="Arial"/>
+              <a:cs typeface="Arial"/>
+              <a:sym typeface="Arial"/>
+            </a:endParaRPr>
           </a:p>
           <a:p>
             <a:pPr algn="l" defTabSz="2438400">
@@ -10248,23 +10269,29 @@
               </a:lnSpc>
               <a:defRPr sz="5200">
                 <a:solidFill>
-                  <a:srgbClr val="000000"/>
-                </a:solidFill>
-                <a:latin typeface="Arial"/>
-                <a:ea typeface="Arial"/>
-                <a:cs typeface="Arial"/>
-                <a:sym typeface="Arial"/>
-              </a:defRPr>
-            </a:pPr>
+                  <a:srgbClr val="FFFFFF"/>
+                </a:solidFill>
+                <a:latin typeface="Courier New"/>
+                <a:ea typeface="Courier New"/>
+                <a:cs typeface="Courier New"/>
+                <a:sym typeface="Courier New"/>
+              </a:defRPr>
+            </a:pPr>
+            <a:endParaRPr>
+              <a:latin typeface="Arial"/>
+              <a:ea typeface="Arial"/>
+              <a:cs typeface="Arial"/>
+              <a:sym typeface="Arial"/>
+            </a:endParaRPr>
           </a:p>
           <a:p>
             <a:pPr lvl="2" algn="l" defTabSz="2438400">
               <a:lnSpc>
                 <a:spcPct val="110000"/>
               </a:lnSpc>
-              <a:defRPr sz="4400">
-                <a:solidFill>
-                  <a:srgbClr val="000000"/>
+              <a:defRPr sz="5200">
+                <a:solidFill>
+                  <a:srgbClr val="FFFFFF"/>
                 </a:solidFill>
                 <a:latin typeface="Courier New"/>
                 <a:ea typeface="Courier New"/>
@@ -10281,9 +10308,9 @@
               <a:lnSpc>
                 <a:spcPct val="110000"/>
               </a:lnSpc>
-              <a:defRPr sz="4400">
-                <a:solidFill>
-                  <a:srgbClr val="000000"/>
+              <a:defRPr sz="5200">
+                <a:solidFill>
+                  <a:srgbClr val="FFFFFF"/>
                 </a:solidFill>
                 <a:latin typeface="Courier New"/>
                 <a:ea typeface="Courier New"/>
@@ -10300,9 +10327,9 @@
               <a:lnSpc>
                 <a:spcPct val="110000"/>
               </a:lnSpc>
-              <a:defRPr sz="4400">
-                <a:solidFill>
-                  <a:srgbClr val="000000"/>
+              <a:defRPr sz="5200">
+                <a:solidFill>
+                  <a:srgbClr val="FFFFFF"/>
                 </a:solidFill>
                 <a:latin typeface="Courier New"/>
                 <a:ea typeface="Courier New"/>
@@ -10315,88 +10342,32 @@
             </a:r>
           </a:p>
           <a:p>
-            <a:pPr lvl="3" algn="l" defTabSz="2438400">
+            <a:pPr lvl="4" algn="l" defTabSz="2438400">
               <a:lnSpc>
                 <a:spcPct val="110000"/>
               </a:lnSpc>
-              <a:defRPr sz="4400">
-                <a:solidFill>
-                  <a:srgbClr val="000000"/>
-                </a:solidFill>
-                <a:latin typeface="Courier New"/>
-                <a:ea typeface="Courier New"/>
-                <a:cs typeface="Courier New"/>
-                <a:sym typeface="Courier New"/>
-              </a:defRPr>
-            </a:pPr>
-            <a:r>
-              <a:t> premier_access DATE,</a:t>
-            </a:r>
-          </a:p>
-          <a:p>
-            <a:pPr lvl="3" algn="l" defTabSz="2438400">
+              <a:defRPr sz="5200">
+                <a:solidFill>
+                  <a:srgbClr val="FFFFFF"/>
+                </a:solidFill>
+                <a:latin typeface="Courier New"/>
+                <a:ea typeface="Courier New"/>
+                <a:cs typeface="Courier New"/>
+                <a:sym typeface="Courier New"/>
+              </a:defRPr>
+            </a:pPr>
+            <a:r>
+              <a:t>minutes INT CONSTRAINT positive CHECK (minutes &gt; 0)</a:t>
+            </a:r>
+          </a:p>
+          <a:p>
+            <a:pPr lvl="2" algn="l" defTabSz="2438400">
               <a:lnSpc>
                 <a:spcPct val="110000"/>
               </a:lnSpc>
-              <a:defRPr sz="4400">
-                <a:solidFill>
-                  <a:srgbClr val="000000"/>
-                </a:solidFill>
-                <a:latin typeface="Courier New"/>
-                <a:ea typeface="Courier New"/>
-                <a:cs typeface="Courier New"/>
-                <a:sym typeface="Courier New"/>
-              </a:defRPr>
-            </a:pPr>
-            <a:r>
-              <a:t> minutes INT CONSTRAINT positive</a:t>
-            </a:r>
-            <a:r>
-              <a:rPr>
-                <a:solidFill>
-                  <a:srgbClr val="0D0A0B"/>
-                </a:solidFill>
-              </a:rPr>
-              <a:t> CHECK (minutes &gt; 0)</a:t>
-            </a:r>
-            <a:endParaRPr>
-              <a:solidFill>
-                <a:srgbClr val="0D0A0B"/>
-              </a:solidFill>
-            </a:endParaRPr>
-          </a:p>
-          <a:p>
-            <a:pPr lvl="3" algn="l" defTabSz="2438400">
-              <a:lnSpc>
-                <a:spcPct val="110000"/>
-              </a:lnSpc>
-              <a:defRPr sz="4400">
-                <a:solidFill>
-                  <a:srgbClr val="000000"/>
-                </a:solidFill>
-                <a:latin typeface="Courier New"/>
-                <a:ea typeface="Courier New"/>
-                <a:cs typeface="Courier New"/>
-                <a:sym typeface="Courier New"/>
-              </a:defRPr>
-            </a:pPr>
-            <a:r>
-              <a:rPr>
-                <a:solidFill>
-                  <a:srgbClr val="0D0A0B"/>
-                </a:solidFill>
-              </a:rPr>
-              <a:t> CONSTRAINT valid_premier CHECK (release_date &gt; premier_access)</a:t>
-            </a:r>
-          </a:p>
-          <a:p>
-            <a:pPr lvl="2" algn="l" defTabSz="2438400">
-              <a:lnSpc>
-                <a:spcPct val="110000"/>
-              </a:lnSpc>
-              <a:defRPr sz="4400">
-                <a:solidFill>
-                  <a:srgbClr val="000000"/>
+              <a:defRPr sz="5200">
+                <a:solidFill>
+                  <a:srgbClr val="FFFFFF"/>
                 </a:solidFill>
                 <a:latin typeface="Courier New"/>
                 <a:ea typeface="Courier New"/>
@@ -10443,88 +10414,38 @@
           <a:chExt cx="0" cy="0"/>
         </a:xfrm>
       </p:grpSpPr>
-      <p:sp>
-        <p:nvSpPr>
-          <p:cNvPr id="204" name="Google Shape;66;p14"/>
-          <p:cNvSpPr/>
+      <p:pic>
+        <p:nvPicPr>
+          <p:cNvPr id="209" name="5f461d116006137.6059ac1f3a043.jpg" descr="5f461d116006137.6059ac1f3a043.jpg"/>
+          <p:cNvPicPr>
+            <a:picLocks noChangeAspect="1"/>
+          </p:cNvPicPr>
           <p:nvPr/>
-        </p:nvSpPr>
+        </p:nvPicPr>
+        <p:blipFill>
+          <a:blip r:embed="rId2">
+            <a:extLst/>
+          </a:blip>
+          <a:stretch>
+            <a:fillRect/>
+          </a:stretch>
+        </p:blipFill>
         <p:spPr>
           <a:xfrm>
-            <a:off x="-189734" y="-1"/>
-            <a:ext cx="24908800" cy="3644001"/>
+            <a:off x="-77249" y="-2562010"/>
+            <a:ext cx="24538498" cy="16359000"/>
           </a:xfrm>
           <a:prstGeom prst="rect">
             <a:avLst/>
           </a:prstGeom>
-          <a:solidFill>
-            <a:srgbClr val="264190"/>
-          </a:solidFill>
-          <a:ln w="76200">
-            <a:solidFill>
-              <a:srgbClr val="000000"/>
-            </a:solidFill>
+          <a:ln w="12700">
+            <a:miter lim="400000"/>
           </a:ln>
         </p:spPr>
-        <p:txBody>
-          <a:bodyPr lIns="0" tIns="0" rIns="0" bIns="0" anchor="ctr"/>
-          <a:lstStyle/>
-          <a:p>
-            <a:pPr algn="l" defTabSz="2438400">
-              <a:defRPr sz="3600">
-                <a:solidFill>
-                  <a:srgbClr val="000000"/>
-                </a:solidFill>
-                <a:latin typeface="Arial"/>
-                <a:ea typeface="Arial"/>
-                <a:cs typeface="Arial"/>
-                <a:sym typeface="Arial"/>
-              </a:defRPr>
-            </a:pPr>
-          </a:p>
-        </p:txBody>
-      </p:sp>
+      </p:pic>
       <p:sp>
         <p:nvSpPr>
-          <p:cNvPr id="205" name="Google Shape;67;p14"/>
-          <p:cNvSpPr/>
-          <p:nvPr/>
-        </p:nvSpPr>
-        <p:spPr>
-          <a:xfrm>
-            <a:off x="-379401" y="3528600"/>
-            <a:ext cx="24966402" cy="1"/>
-          </a:xfrm>
-          <a:prstGeom prst="line">
-            <a:avLst/>
-          </a:prstGeom>
-          <a:ln w="76200">
-            <a:solidFill>
-              <a:srgbClr val="000000"/>
-            </a:solidFill>
-          </a:ln>
-        </p:spPr>
-        <p:txBody>
-          <a:bodyPr lIns="0" tIns="0" rIns="0" bIns="0"/>
-          <a:lstStyle/>
-          <a:p>
-            <a:pPr algn="l" defTabSz="2438400">
-              <a:defRPr sz="3600">
-                <a:solidFill>
-                  <a:srgbClr val="000000"/>
-                </a:solidFill>
-                <a:latin typeface="Arial"/>
-                <a:ea typeface="Arial"/>
-                <a:cs typeface="Arial"/>
-                <a:sym typeface="Arial"/>
-              </a:defRPr>
-            </a:pPr>
-          </a:p>
-        </p:txBody>
-      </p:sp>
-      <p:sp>
-        <p:nvSpPr>
-          <p:cNvPr id="206" name="2. Google Shape;68;p14"/>
+          <p:cNvPr id="210" name="Google Shape;55;p13"/>
           <p:cNvSpPr txBox="1"/>
           <p:nvPr>
             <p:ph type="title"/>
@@ -10532,42 +10453,46 @@
         </p:nvSpPr>
         <p:spPr>
           <a:xfrm>
-            <a:off x="903866" y="589508"/>
-            <a:ext cx="22721602" cy="2464984"/>
+            <a:off x="831199" y="531199"/>
+            <a:ext cx="22721602" cy="2640801"/>
           </a:xfrm>
           <a:prstGeom prst="rect">
             <a:avLst/>
           </a:prstGeom>
         </p:spPr>
         <p:txBody>
-          <a:bodyPr anchor="ctr"/>
+          <a:bodyPr/>
           <a:lstStyle>
-            <a:lvl1pPr>
-              <a:defRPr b="1" sz="12000">
-                <a:solidFill>
-                  <a:srgbClr val="FFFFFF"/>
-                </a:solidFill>
+            <a:lvl1pPr defTabSz="2194559">
+              <a:defRPr sz="12420">
+                <a:solidFill>
+                  <a:srgbClr val="FFFFFF"/>
+                </a:solidFill>
+                <a:latin typeface="Avenir Book"/>
+                <a:ea typeface="Avenir Book"/>
+                <a:cs typeface="Avenir Book"/>
+                <a:sym typeface="Avenir Book"/>
               </a:defRPr>
             </a:lvl1pPr>
           </a:lstStyle>
           <a:p>
             <a:pPr/>
             <a:r>
-              <a:t>Constraints - NOT NULL</a:t>
+              <a:t>Constraints - CHECK</a:t>
             </a:r>
           </a:p>
         </p:txBody>
       </p:sp>
       <p:sp>
         <p:nvSpPr>
-          <p:cNvPr id="207" name="Google Shape;69;p14"/>
+          <p:cNvPr id="211" name="Google Shape;69;p14"/>
           <p:cNvSpPr txBox="1"/>
           <p:nvPr/>
         </p:nvSpPr>
         <p:spPr>
           <a:xfrm>
-            <a:off x="1105416" y="3652449"/>
-            <a:ext cx="21996769" cy="7748383"/>
+            <a:off x="289898" y="5144434"/>
+            <a:ext cx="23303504" cy="7141511"/>
           </a:xfrm>
           <a:prstGeom prst="rect">
             <a:avLst/>
@@ -10587,7 +10512,7 @@
           </a:bodyPr>
           <a:lstStyle/>
           <a:p>
-            <a:pPr marL="660400" indent="-660400" algn="l" defTabSz="2438400">
+            <a:pPr lvl="1" marL="1270000" indent="-660400" algn="l" defTabSz="2438400">
               <a:lnSpc>
                 <a:spcPct val="110000"/>
               </a:lnSpc>
@@ -10595,72 +10520,146 @@
               <a:buChar char="•"/>
               <a:defRPr sz="5200">
                 <a:solidFill>
-                  <a:srgbClr val="000000"/>
-                </a:solidFill>
-                <a:latin typeface="Courier New"/>
-                <a:ea typeface="Courier New"/>
-                <a:cs typeface="Courier New"/>
-                <a:sym typeface="Courier New"/>
-              </a:defRPr>
-            </a:pPr>
-            <a:r>
-              <a:t>NOT_NULL:</a:t>
-            </a:r>
-            <a:r>
-              <a:rPr>
+                  <a:srgbClr val="FFFFFF"/>
+                </a:solidFill>
+                <a:latin typeface="Avenir Book"/>
+                <a:ea typeface="Avenir Book"/>
+                <a:cs typeface="Avenir Book"/>
+                <a:sym typeface="Avenir Book"/>
+              </a:defRPr>
+            </a:pPr>
+            <a:r>
+              <a:t>We can also add constraints between columns</a:t>
+            </a:r>
+          </a:p>
+          <a:p>
+            <a:pPr algn="l" defTabSz="2438400">
+              <a:lnSpc>
+                <a:spcPct val="110000"/>
+              </a:lnSpc>
+              <a:defRPr sz="5200">
+                <a:solidFill>
+                  <a:srgbClr val="FFFFFF"/>
+                </a:solidFill>
                 <a:latin typeface="Arial"/>
                 <a:ea typeface="Arial"/>
                 <a:cs typeface="Arial"/>
                 <a:sym typeface="Arial"/>
-              </a:rPr>
-              <a:t> Ensure that no row has a NULL value</a:t>
-            </a:r>
-            <a:endParaRPr>
-              <a:latin typeface="Arial"/>
-              <a:ea typeface="Arial"/>
-              <a:cs typeface="Arial"/>
-              <a:sym typeface="Arial"/>
-            </a:endParaRPr>
-          </a:p>
-          <a:p>
-            <a:pPr algn="l" defTabSz="2438400">
+              </a:defRPr>
+            </a:pPr>
+          </a:p>
+          <a:p>
+            <a:pPr lvl="2" algn="l" defTabSz="2438400">
               <a:lnSpc>
                 <a:spcPct val="110000"/>
               </a:lnSpc>
-              <a:defRPr sz="5200">
-                <a:solidFill>
-                  <a:srgbClr val="000000"/>
-                </a:solidFill>
-                <a:latin typeface="Courier New"/>
-                <a:ea typeface="Courier New"/>
-                <a:cs typeface="Courier New"/>
-                <a:sym typeface="Courier New"/>
-              </a:defRPr>
-            </a:pPr>
-            <a:endParaRPr>
-              <a:latin typeface="Arial"/>
-              <a:ea typeface="Arial"/>
-              <a:cs typeface="Arial"/>
-              <a:sym typeface="Arial"/>
-            </a:endParaRPr>
-          </a:p>
-          <a:p>
-            <a:pPr lvl="1" algn="l" defTabSz="2438400">
+              <a:defRPr sz="4400">
+                <a:solidFill>
+                  <a:srgbClr val="FFFFFF"/>
+                </a:solidFill>
+                <a:latin typeface="Courier New"/>
+                <a:ea typeface="Courier New"/>
+                <a:cs typeface="Courier New"/>
+                <a:sym typeface="Courier New"/>
+              </a:defRPr>
+            </a:pPr>
+            <a:r>
+              <a:t>CREATE TABLE movies (</a:t>
+            </a:r>
+          </a:p>
+          <a:p>
+            <a:pPr lvl="3" algn="l" defTabSz="2438400">
               <a:lnSpc>
                 <a:spcPct val="110000"/>
               </a:lnSpc>
               <a:defRPr sz="4400">
                 <a:solidFill>
-                  <a:srgbClr val="000000"/>
-                </a:solidFill>
-                <a:latin typeface="Courier New"/>
-                <a:ea typeface="Courier New"/>
-                <a:cs typeface="Courier New"/>
-                <a:sym typeface="Courier New"/>
-              </a:defRPr>
-            </a:pPr>
-            <a:r>
-              <a:t>CREATE TABLE movies (</a:t>
+                  <a:srgbClr val="FFFFFF"/>
+                </a:solidFill>
+                <a:latin typeface="Courier New"/>
+                <a:ea typeface="Courier New"/>
+                <a:cs typeface="Courier New"/>
+                <a:sym typeface="Courier New"/>
+              </a:defRPr>
+            </a:pPr>
+            <a:r>
+              <a:t> title VARCHAR(30),</a:t>
+            </a:r>
+          </a:p>
+          <a:p>
+            <a:pPr lvl="3" algn="l" defTabSz="2438400">
+              <a:lnSpc>
+                <a:spcPct val="110000"/>
+              </a:lnSpc>
+              <a:defRPr sz="4400">
+                <a:solidFill>
+                  <a:srgbClr val="FFFFFF"/>
+                </a:solidFill>
+                <a:latin typeface="Courier New"/>
+                <a:ea typeface="Courier New"/>
+                <a:cs typeface="Courier New"/>
+                <a:sym typeface="Courier New"/>
+              </a:defRPr>
+            </a:pPr>
+            <a:r>
+              <a:t> release_date DATE,</a:t>
+            </a:r>
+          </a:p>
+          <a:p>
+            <a:pPr lvl="3" algn="l" defTabSz="2438400">
+              <a:lnSpc>
+                <a:spcPct val="110000"/>
+              </a:lnSpc>
+              <a:defRPr sz="4400">
+                <a:solidFill>
+                  <a:srgbClr val="FFFFFF"/>
+                </a:solidFill>
+                <a:latin typeface="Courier New"/>
+                <a:ea typeface="Courier New"/>
+                <a:cs typeface="Courier New"/>
+                <a:sym typeface="Courier New"/>
+              </a:defRPr>
+            </a:pPr>
+            <a:r>
+              <a:t> premier_access DATE,</a:t>
+            </a:r>
+          </a:p>
+          <a:p>
+            <a:pPr lvl="3" algn="l" defTabSz="2438400">
+              <a:lnSpc>
+                <a:spcPct val="110000"/>
+              </a:lnSpc>
+              <a:defRPr sz="4400">
+                <a:solidFill>
+                  <a:srgbClr val="FFFFFF"/>
+                </a:solidFill>
+                <a:latin typeface="Courier New"/>
+                <a:ea typeface="Courier New"/>
+                <a:cs typeface="Courier New"/>
+                <a:sym typeface="Courier New"/>
+              </a:defRPr>
+            </a:pPr>
+            <a:r>
+              <a:t> minutes INT CONSTRAINT positive CHECK (minutes &gt; 0)</a:t>
+            </a:r>
+          </a:p>
+          <a:p>
+            <a:pPr lvl="3" algn="l" defTabSz="2438400">
+              <a:lnSpc>
+                <a:spcPct val="110000"/>
+              </a:lnSpc>
+              <a:defRPr sz="4400">
+                <a:solidFill>
+                  <a:srgbClr val="FFFFFF"/>
+                </a:solidFill>
+                <a:latin typeface="Courier New"/>
+                <a:ea typeface="Courier New"/>
+                <a:cs typeface="Courier New"/>
+                <a:sym typeface="Courier New"/>
+              </a:defRPr>
+            </a:pPr>
+            <a:r>
+              <a:t> CONSTRAINT valid_premier CHECK (release_date &gt; premier_access)</a:t>
             </a:r>
           </a:p>
           <a:p>
@@ -10670,120 +10669,7 @@
               </a:lnSpc>
               <a:defRPr sz="4400">
                 <a:solidFill>
-                  <a:srgbClr val="000000"/>
-                </a:solidFill>
-                <a:latin typeface="Courier New"/>
-                <a:ea typeface="Courier New"/>
-                <a:cs typeface="Courier New"/>
-                <a:sym typeface="Courier New"/>
-              </a:defRPr>
-            </a:pPr>
-            <a:r>
-              <a:t> title VARCHAR(30) NOT NULL,</a:t>
-            </a:r>
-          </a:p>
-          <a:p>
-            <a:pPr lvl="2" algn="l" defTabSz="2438400">
-              <a:lnSpc>
-                <a:spcPct val="110000"/>
-              </a:lnSpc>
-              <a:defRPr sz="4400">
-                <a:solidFill>
-                  <a:srgbClr val="000000"/>
-                </a:solidFill>
-                <a:latin typeface="Courier New"/>
-                <a:ea typeface="Courier New"/>
-                <a:cs typeface="Courier New"/>
-                <a:sym typeface="Courier New"/>
-              </a:defRPr>
-            </a:pPr>
-            <a:r>
-              <a:t> release_date DATE NOT NULL,</a:t>
-            </a:r>
-          </a:p>
-          <a:p>
-            <a:pPr lvl="2" algn="l" defTabSz="2438400">
-              <a:lnSpc>
-                <a:spcPct val="110000"/>
-              </a:lnSpc>
-              <a:defRPr sz="4400">
-                <a:solidFill>
-                  <a:srgbClr val="000000"/>
-                </a:solidFill>
-                <a:latin typeface="Courier New"/>
-                <a:ea typeface="Courier New"/>
-                <a:cs typeface="Courier New"/>
-                <a:sym typeface="Courier New"/>
-              </a:defRPr>
-            </a:pPr>
-            <a:r>
-              <a:t> premier_access DATE,</a:t>
-            </a:r>
-          </a:p>
-          <a:p>
-            <a:pPr lvl="2" algn="l" defTabSz="2438400">
-              <a:lnSpc>
-                <a:spcPct val="110000"/>
-              </a:lnSpc>
-              <a:defRPr sz="4400">
-                <a:solidFill>
-                  <a:srgbClr val="000000"/>
-                </a:solidFill>
-                <a:latin typeface="Courier New"/>
-                <a:ea typeface="Courier New"/>
-                <a:cs typeface="Courier New"/>
-                <a:sym typeface="Courier New"/>
-              </a:defRPr>
-            </a:pPr>
-            <a:r>
-              <a:t> minutes INT NOT NULL </a:t>
-            </a:r>
-            <a:r>
-              <a:rPr>
-                <a:solidFill>
-                  <a:srgbClr val="0D0A0B"/>
-                </a:solidFill>
-              </a:rPr>
-              <a:t>CHECK (minutes &gt; 0)</a:t>
-            </a:r>
-            <a:endParaRPr>
-              <a:solidFill>
-                <a:srgbClr val="0D0A0B"/>
-              </a:solidFill>
-            </a:endParaRPr>
-          </a:p>
-          <a:p>
-            <a:pPr lvl="2" algn="l" defTabSz="2438400">
-              <a:lnSpc>
-                <a:spcPct val="110000"/>
-              </a:lnSpc>
-              <a:defRPr sz="4400">
-                <a:solidFill>
-                  <a:srgbClr val="000000"/>
-                </a:solidFill>
-                <a:latin typeface="Courier New"/>
-                <a:ea typeface="Courier New"/>
-                <a:cs typeface="Courier New"/>
-                <a:sym typeface="Courier New"/>
-              </a:defRPr>
-            </a:pPr>
-            <a:r>
-              <a:rPr>
-                <a:solidFill>
-                  <a:srgbClr val="0D0A0B"/>
-                </a:solidFill>
-              </a:rPr>
-              <a:t> CONSTRAINT valid_premier CHECK (release_date &gt; premier_access)</a:t>
-            </a:r>
-          </a:p>
-          <a:p>
-            <a:pPr lvl="1" algn="l" defTabSz="2438400">
-              <a:lnSpc>
-                <a:spcPct val="110000"/>
-              </a:lnSpc>
-              <a:defRPr sz="4400">
-                <a:solidFill>
-                  <a:srgbClr val="000000"/>
+                  <a:srgbClr val="FFFFFF"/>
                 </a:solidFill>
                 <a:latin typeface="Courier New"/>
                 <a:ea typeface="Courier New"/>
@@ -10830,88 +10716,38 @@
           <a:chExt cx="0" cy="0"/>
         </a:xfrm>
       </p:grpSpPr>
-      <p:sp>
-        <p:nvSpPr>
-          <p:cNvPr id="209" name="Google Shape;66;p14"/>
-          <p:cNvSpPr/>
+      <p:pic>
+        <p:nvPicPr>
+          <p:cNvPr id="213" name="5f461d116006137.6059ac1f3a043.jpg" descr="5f461d116006137.6059ac1f3a043.jpg"/>
+          <p:cNvPicPr>
+            <a:picLocks noChangeAspect="1"/>
+          </p:cNvPicPr>
           <p:nvPr/>
-        </p:nvSpPr>
+        </p:nvPicPr>
+        <p:blipFill>
+          <a:blip r:embed="rId2">
+            <a:extLst/>
+          </a:blip>
+          <a:stretch>
+            <a:fillRect/>
+          </a:stretch>
+        </p:blipFill>
         <p:spPr>
           <a:xfrm>
-            <a:off x="-189734" y="-1"/>
-            <a:ext cx="24908800" cy="3644001"/>
+            <a:off x="-77249" y="-2562010"/>
+            <a:ext cx="24538498" cy="16359000"/>
           </a:xfrm>
           <a:prstGeom prst="rect">
             <a:avLst/>
           </a:prstGeom>
-          <a:solidFill>
-            <a:srgbClr val="264190"/>
-          </a:solidFill>
-          <a:ln w="76200">
-            <a:solidFill>
-              <a:srgbClr val="000000"/>
-            </a:solidFill>
+          <a:ln w="12700">
+            <a:miter lim="400000"/>
           </a:ln>
         </p:spPr>
-        <p:txBody>
-          <a:bodyPr lIns="0" tIns="0" rIns="0" bIns="0" anchor="ctr"/>
-          <a:lstStyle/>
-          <a:p>
-            <a:pPr algn="l" defTabSz="2438400">
-              <a:defRPr sz="3600">
-                <a:solidFill>
-                  <a:srgbClr val="000000"/>
-                </a:solidFill>
-                <a:latin typeface="Arial"/>
-                <a:ea typeface="Arial"/>
-                <a:cs typeface="Arial"/>
-                <a:sym typeface="Arial"/>
-              </a:defRPr>
-            </a:pPr>
-          </a:p>
-        </p:txBody>
-      </p:sp>
+      </p:pic>
       <p:sp>
         <p:nvSpPr>
-          <p:cNvPr id="210" name="Google Shape;67;p14"/>
-          <p:cNvSpPr/>
-          <p:nvPr/>
-        </p:nvSpPr>
-        <p:spPr>
-          <a:xfrm>
-            <a:off x="-379401" y="3528600"/>
-            <a:ext cx="24966402" cy="1"/>
-          </a:xfrm>
-          <a:prstGeom prst="line">
-            <a:avLst/>
-          </a:prstGeom>
-          <a:ln w="76200">
-            <a:solidFill>
-              <a:srgbClr val="000000"/>
-            </a:solidFill>
-          </a:ln>
-        </p:spPr>
-        <p:txBody>
-          <a:bodyPr lIns="0" tIns="0" rIns="0" bIns="0"/>
-          <a:lstStyle/>
-          <a:p>
-            <a:pPr algn="l" defTabSz="2438400">
-              <a:defRPr sz="3600">
-                <a:solidFill>
-                  <a:srgbClr val="000000"/>
-                </a:solidFill>
-                <a:latin typeface="Arial"/>
-                <a:ea typeface="Arial"/>
-                <a:cs typeface="Arial"/>
-                <a:sym typeface="Arial"/>
-              </a:defRPr>
-            </a:pPr>
-          </a:p>
-        </p:txBody>
-      </p:sp>
-      <p:sp>
-        <p:nvSpPr>
-          <p:cNvPr id="211" name="2. Google Shape;68;p14"/>
+          <p:cNvPr id="214" name="Google Shape;55;p13"/>
           <p:cNvSpPr txBox="1"/>
           <p:nvPr>
             <p:ph type="title"/>
@@ -10919,42 +10755,46 @@
         </p:nvSpPr>
         <p:spPr>
           <a:xfrm>
-            <a:off x="903866" y="589508"/>
-            <a:ext cx="22721602" cy="2464984"/>
+            <a:off x="831199" y="531199"/>
+            <a:ext cx="22721602" cy="2640801"/>
           </a:xfrm>
           <a:prstGeom prst="rect">
             <a:avLst/>
           </a:prstGeom>
         </p:spPr>
         <p:txBody>
-          <a:bodyPr anchor="ctr"/>
+          <a:bodyPr/>
           <a:lstStyle>
-            <a:lvl1pPr>
-              <a:defRPr b="1" sz="12000">
-                <a:solidFill>
-                  <a:srgbClr val="FFFFFF"/>
-                </a:solidFill>
+            <a:lvl1pPr defTabSz="2194559">
+              <a:defRPr sz="12420">
+                <a:solidFill>
+                  <a:srgbClr val="FFFFFF"/>
+                </a:solidFill>
+                <a:latin typeface="Avenir Book"/>
+                <a:ea typeface="Avenir Book"/>
+                <a:cs typeface="Avenir Book"/>
+                <a:sym typeface="Avenir Book"/>
               </a:defRPr>
             </a:lvl1pPr>
           </a:lstStyle>
           <a:p>
             <a:pPr/>
             <a:r>
-              <a:t>Constraints - UNIQUE</a:t>
+              <a:t>Constraints - NOT NULL</a:t>
             </a:r>
           </a:p>
         </p:txBody>
       </p:sp>
       <p:sp>
         <p:nvSpPr>
-          <p:cNvPr id="212" name="Google Shape;69;p14"/>
+          <p:cNvPr id="215" name="Google Shape;69;p14"/>
           <p:cNvSpPr txBox="1"/>
           <p:nvPr/>
         </p:nvSpPr>
         <p:spPr>
           <a:xfrm>
             <a:off x="1105416" y="3652449"/>
-            <a:ext cx="21996769" cy="7748383"/>
+            <a:ext cx="22721602" cy="7141511"/>
           </a:xfrm>
           <a:prstGeom prst="rect">
             <a:avLst/>
@@ -10982,26 +10822,32 @@
               <a:buChar char="•"/>
               <a:defRPr sz="5200">
                 <a:solidFill>
-                  <a:srgbClr val="000000"/>
-                </a:solidFill>
-                <a:latin typeface="Courier New"/>
-                <a:ea typeface="Courier New"/>
-                <a:cs typeface="Courier New"/>
-                <a:sym typeface="Courier New"/>
-              </a:defRPr>
-            </a:pPr>
-            <a:r>
-              <a:t>UNIQUE:</a:t>
+                  <a:srgbClr val="FFFFFF"/>
+                </a:solidFill>
+                <a:latin typeface="Courier New"/>
+                <a:ea typeface="Courier New"/>
+                <a:cs typeface="Courier New"/>
+                <a:sym typeface="Courier New"/>
+              </a:defRPr>
+            </a:pPr>
+            <a:r>
+              <a:t>NOT_NULL</a:t>
             </a:r>
             <a:r>
               <a:rPr>
-                <a:latin typeface="Arial"/>
-                <a:ea typeface="Arial"/>
-                <a:cs typeface="Arial"/>
-                <a:sym typeface="Arial"/>
+                <a:latin typeface="Avenir Book"/>
+                <a:ea typeface="Avenir Book"/>
+                <a:cs typeface="Avenir Book"/>
+                <a:sym typeface="Avenir Book"/>
               </a:rPr>
-              <a:t> Ensure that all values are different</a:t>
-            </a:r>
+              <a:t>: Ensures that no row has a NULL value</a:t>
+            </a:r>
+            <a:endParaRPr>
+              <a:latin typeface="Avenir Book"/>
+              <a:ea typeface="Avenir Book"/>
+              <a:cs typeface="Avenir Book"/>
+              <a:sym typeface="Avenir Book"/>
+            </a:endParaRPr>
           </a:p>
           <a:p>
             <a:pPr algn="l" defTabSz="2438400">
@@ -11010,7 +10856,7 @@
               </a:lnSpc>
               <a:defRPr sz="5200">
                 <a:solidFill>
-                  <a:srgbClr val="000000"/>
+                  <a:srgbClr val="FFFFFF"/>
                 </a:solidFill>
                 <a:latin typeface="Courier New"/>
                 <a:ea typeface="Courier New"/>
@@ -11032,7 +10878,7 @@
               </a:lnSpc>
               <a:defRPr sz="4400">
                 <a:solidFill>
-                  <a:srgbClr val="000000"/>
+                  <a:srgbClr val="FFFFFF"/>
                 </a:solidFill>
                 <a:latin typeface="Courier New"/>
                 <a:ea typeface="Courier New"/>
@@ -11051,16 +10897,16 @@
               </a:lnSpc>
               <a:defRPr sz="4400">
                 <a:solidFill>
-                  <a:srgbClr val="000000"/>
-                </a:solidFill>
-                <a:latin typeface="Courier New"/>
-                <a:ea typeface="Courier New"/>
-                <a:cs typeface="Courier New"/>
-                <a:sym typeface="Courier New"/>
-              </a:defRPr>
-            </a:pPr>
-            <a:r>
-              <a:t> title VARCHAR(30) UNIQUE NOT NULL,</a:t>
+                  <a:srgbClr val="FFFFFF"/>
+                </a:solidFill>
+                <a:latin typeface="Courier New"/>
+                <a:ea typeface="Courier New"/>
+                <a:cs typeface="Courier New"/>
+                <a:sym typeface="Courier New"/>
+              </a:defRPr>
+            </a:pPr>
+            <a:r>
+              <a:t> title VARCHAR(30) NOT NULL,</a:t>
             </a:r>
           </a:p>
           <a:p>
@@ -11070,7 +10916,7 @@
               </a:lnSpc>
               <a:defRPr sz="4400">
                 <a:solidFill>
-                  <a:srgbClr val="000000"/>
+                  <a:srgbClr val="FFFFFF"/>
                 </a:solidFill>
                 <a:latin typeface="Courier New"/>
                 <a:ea typeface="Courier New"/>
@@ -11089,7 +10935,7 @@
               </a:lnSpc>
               <a:defRPr sz="4400">
                 <a:solidFill>
-                  <a:srgbClr val="000000"/>
+                  <a:srgbClr val="FFFFFF"/>
                 </a:solidFill>
                 <a:latin typeface="Courier New"/>
                 <a:ea typeface="Courier New"/>
@@ -11108,30 +10954,17 @@
               </a:lnSpc>
               <a:defRPr sz="4400">
                 <a:solidFill>
-                  <a:srgbClr val="000000"/>
-                </a:solidFill>
-                <a:latin typeface="Courier New"/>
-                <a:ea typeface="Courier New"/>
-                <a:cs typeface="Courier New"/>
-                <a:sym typeface="Courier New"/>
-              </a:defRPr>
-            </a:pPr>
-            <a:r>
-              <a:t> minutes INT CONSTRAINT positive</a:t>
-            </a:r>
-            <a:r>
-              <a:rPr>
-                <a:solidFill>
-                  <a:srgbClr val="0D0A0B"/>
-                </a:solidFill>
-              </a:rPr>
-              <a:t> CHECK (minutes &gt; 0)</a:t>
-            </a:r>
-            <a:endParaRPr>
-              <a:solidFill>
-                <a:srgbClr val="0D0A0B"/>
-              </a:solidFill>
-            </a:endParaRPr>
+                  <a:srgbClr val="FFFFFF"/>
+                </a:solidFill>
+                <a:latin typeface="Courier New"/>
+                <a:ea typeface="Courier New"/>
+                <a:cs typeface="Courier New"/>
+                <a:sym typeface="Courier New"/>
+              </a:defRPr>
+            </a:pPr>
+            <a:r>
+              <a:t> minutes INT NOT NULL CHECK (minutes &gt; 0)</a:t>
+            </a:r>
           </a:p>
           <a:p>
             <a:pPr lvl="2" algn="l" defTabSz="2438400">
@@ -11140,20 +10973,15 @@
               </a:lnSpc>
               <a:defRPr sz="4400">
                 <a:solidFill>
-                  <a:srgbClr val="000000"/>
-                </a:solidFill>
-                <a:latin typeface="Courier New"/>
-                <a:ea typeface="Courier New"/>
-                <a:cs typeface="Courier New"/>
-                <a:sym typeface="Courier New"/>
-              </a:defRPr>
-            </a:pPr>
-            <a:r>
-              <a:rPr>
-                <a:solidFill>
-                  <a:srgbClr val="0D0A0B"/>
-                </a:solidFill>
-              </a:rPr>
+                  <a:srgbClr val="FFFFFF"/>
+                </a:solidFill>
+                <a:latin typeface="Courier New"/>
+                <a:ea typeface="Courier New"/>
+                <a:cs typeface="Courier New"/>
+                <a:sym typeface="Courier New"/>
+              </a:defRPr>
+            </a:pPr>
+            <a:r>
               <a:t> CONSTRAINT valid_premier CHECK (release_date &gt; premier_access)</a:t>
             </a:r>
           </a:p>
@@ -11164,7 +10992,7 @@
               </a:lnSpc>
               <a:defRPr sz="4400">
                 <a:solidFill>
-                  <a:srgbClr val="000000"/>
+                  <a:srgbClr val="FFFFFF"/>
                 </a:solidFill>
                 <a:latin typeface="Courier New"/>
                 <a:ea typeface="Courier New"/>
